--- a/2_Tree.pptx
+++ b/2_Tree.pptx
@@ -16,50 +16,51 @@
     <p:sldId id="264" r:id="rId10"/>
     <p:sldId id="265" r:id="rId11"/>
     <p:sldId id="266" r:id="rId12"/>
-    <p:sldId id="267" r:id="rId13"/>
-    <p:sldId id="268" r:id="rId14"/>
-    <p:sldId id="269" r:id="rId15"/>
-    <p:sldId id="270" r:id="rId16"/>
-    <p:sldId id="271" r:id="rId17"/>
-    <p:sldId id="272" r:id="rId18"/>
-    <p:sldId id="273" r:id="rId19"/>
-    <p:sldId id="274" r:id="rId20"/>
-    <p:sldId id="275" r:id="rId21"/>
-    <p:sldId id="276" r:id="rId22"/>
-    <p:sldId id="277" r:id="rId23"/>
-    <p:sldId id="278" r:id="rId24"/>
-    <p:sldId id="279" r:id="rId25"/>
-    <p:sldId id="280" r:id="rId26"/>
-    <p:sldId id="281" r:id="rId27"/>
-    <p:sldId id="282" r:id="rId28"/>
-    <p:sldId id="283" r:id="rId29"/>
-    <p:sldId id="284" r:id="rId30"/>
-    <p:sldId id="285" r:id="rId31"/>
-    <p:sldId id="286" r:id="rId32"/>
-    <p:sldId id="287" r:id="rId33"/>
-    <p:sldId id="288" r:id="rId34"/>
-    <p:sldId id="289" r:id="rId35"/>
-    <p:sldId id="290" r:id="rId36"/>
-    <p:sldId id="291" r:id="rId37"/>
-    <p:sldId id="292" r:id="rId38"/>
-    <p:sldId id="293" r:id="rId39"/>
-    <p:sldId id="294" r:id="rId40"/>
-    <p:sldId id="295" r:id="rId41"/>
-    <p:sldId id="296" r:id="rId42"/>
-    <p:sldId id="297" r:id="rId43"/>
-    <p:sldId id="298" r:id="rId44"/>
-    <p:sldId id="299" r:id="rId45"/>
-    <p:sldId id="300" r:id="rId46"/>
-    <p:sldId id="301" r:id="rId47"/>
-    <p:sldId id="302" r:id="rId48"/>
-    <p:sldId id="303" r:id="rId49"/>
-    <p:sldId id="304" r:id="rId50"/>
-    <p:sldId id="305" r:id="rId51"/>
-    <p:sldId id="306" r:id="rId52"/>
-    <p:sldId id="307" r:id="rId53"/>
-    <p:sldId id="308" r:id="rId54"/>
-    <p:sldId id="309" r:id="rId55"/>
-    <p:sldId id="310" r:id="rId56"/>
+    <p:sldId id="311" r:id="rId13"/>
+    <p:sldId id="267" r:id="rId14"/>
+    <p:sldId id="268" r:id="rId15"/>
+    <p:sldId id="269" r:id="rId16"/>
+    <p:sldId id="270" r:id="rId17"/>
+    <p:sldId id="271" r:id="rId18"/>
+    <p:sldId id="272" r:id="rId19"/>
+    <p:sldId id="273" r:id="rId20"/>
+    <p:sldId id="274" r:id="rId21"/>
+    <p:sldId id="275" r:id="rId22"/>
+    <p:sldId id="276" r:id="rId23"/>
+    <p:sldId id="277" r:id="rId24"/>
+    <p:sldId id="278" r:id="rId25"/>
+    <p:sldId id="279" r:id="rId26"/>
+    <p:sldId id="280" r:id="rId27"/>
+    <p:sldId id="281" r:id="rId28"/>
+    <p:sldId id="282" r:id="rId29"/>
+    <p:sldId id="283" r:id="rId30"/>
+    <p:sldId id="284" r:id="rId31"/>
+    <p:sldId id="285" r:id="rId32"/>
+    <p:sldId id="286" r:id="rId33"/>
+    <p:sldId id="287" r:id="rId34"/>
+    <p:sldId id="288" r:id="rId35"/>
+    <p:sldId id="289" r:id="rId36"/>
+    <p:sldId id="290" r:id="rId37"/>
+    <p:sldId id="291" r:id="rId38"/>
+    <p:sldId id="292" r:id="rId39"/>
+    <p:sldId id="293" r:id="rId40"/>
+    <p:sldId id="294" r:id="rId41"/>
+    <p:sldId id="295" r:id="rId42"/>
+    <p:sldId id="296" r:id="rId43"/>
+    <p:sldId id="297" r:id="rId44"/>
+    <p:sldId id="298" r:id="rId45"/>
+    <p:sldId id="299" r:id="rId46"/>
+    <p:sldId id="300" r:id="rId47"/>
+    <p:sldId id="301" r:id="rId48"/>
+    <p:sldId id="302" r:id="rId49"/>
+    <p:sldId id="303" r:id="rId50"/>
+    <p:sldId id="304" r:id="rId51"/>
+    <p:sldId id="305" r:id="rId52"/>
+    <p:sldId id="306" r:id="rId53"/>
+    <p:sldId id="307" r:id="rId54"/>
+    <p:sldId id="308" r:id="rId55"/>
+    <p:sldId id="309" r:id="rId56"/>
+    <p:sldId id="310" r:id="rId57"/>
   </p:sldIdLst>
   <p:sldSz cx="12192000" cy="6858000"/>
   <p:notesSz cx="6858000" cy="9144000"/>
@@ -319,7 +320,7 @@
           <a:p>
             <a:fld id="{F189DA53-ADA5-4ACF-B9FE-FBC70B576032}" type="datetimeFigureOut">
               <a:rPr lang="zh-TW" altLang="en-US" smtClean="0"/>
-              <a:t>2018/1/3</a:t>
+              <a:t>2018/1/17</a:t>
             </a:fld>
             <a:endParaRPr lang="zh-TW" altLang="en-US"/>
           </a:p>
@@ -519,7 +520,7 @@
           <a:p>
             <a:fld id="{F189DA53-ADA5-4ACF-B9FE-FBC70B576032}" type="datetimeFigureOut">
               <a:rPr lang="zh-TW" altLang="en-US" smtClean="0"/>
-              <a:t>2018/1/3</a:t>
+              <a:t>2018/1/17</a:t>
             </a:fld>
             <a:endParaRPr lang="zh-TW" altLang="en-US"/>
           </a:p>
@@ -729,7 +730,7 @@
           <a:p>
             <a:fld id="{F189DA53-ADA5-4ACF-B9FE-FBC70B576032}" type="datetimeFigureOut">
               <a:rPr lang="zh-TW" altLang="en-US" smtClean="0"/>
-              <a:t>2018/1/3</a:t>
+              <a:t>2018/1/17</a:t>
             </a:fld>
             <a:endParaRPr lang="zh-TW" altLang="en-US"/>
           </a:p>
@@ -929,7 +930,7 @@
           <a:p>
             <a:fld id="{F189DA53-ADA5-4ACF-B9FE-FBC70B576032}" type="datetimeFigureOut">
               <a:rPr lang="zh-TW" altLang="en-US" smtClean="0"/>
-              <a:t>2018/1/3</a:t>
+              <a:t>2018/1/17</a:t>
             </a:fld>
             <a:endParaRPr lang="zh-TW" altLang="en-US"/>
           </a:p>
@@ -1205,7 +1206,7 @@
           <a:p>
             <a:fld id="{F189DA53-ADA5-4ACF-B9FE-FBC70B576032}" type="datetimeFigureOut">
               <a:rPr lang="zh-TW" altLang="en-US" smtClean="0"/>
-              <a:t>2018/1/3</a:t>
+              <a:t>2018/1/17</a:t>
             </a:fld>
             <a:endParaRPr lang="zh-TW" altLang="en-US"/>
           </a:p>
@@ -1473,7 +1474,7 @@
           <a:p>
             <a:fld id="{F189DA53-ADA5-4ACF-B9FE-FBC70B576032}" type="datetimeFigureOut">
               <a:rPr lang="zh-TW" altLang="en-US" smtClean="0"/>
-              <a:t>2018/1/3</a:t>
+              <a:t>2018/1/17</a:t>
             </a:fld>
             <a:endParaRPr lang="zh-TW" altLang="en-US"/>
           </a:p>
@@ -1888,7 +1889,7 @@
           <a:p>
             <a:fld id="{F189DA53-ADA5-4ACF-B9FE-FBC70B576032}" type="datetimeFigureOut">
               <a:rPr lang="zh-TW" altLang="en-US" smtClean="0"/>
-              <a:t>2018/1/3</a:t>
+              <a:t>2018/1/17</a:t>
             </a:fld>
             <a:endParaRPr lang="zh-TW" altLang="en-US"/>
           </a:p>
@@ -2030,7 +2031,7 @@
           <a:p>
             <a:fld id="{F189DA53-ADA5-4ACF-B9FE-FBC70B576032}" type="datetimeFigureOut">
               <a:rPr lang="zh-TW" altLang="en-US" smtClean="0"/>
-              <a:t>2018/1/3</a:t>
+              <a:t>2018/1/17</a:t>
             </a:fld>
             <a:endParaRPr lang="zh-TW" altLang="en-US"/>
           </a:p>
@@ -2143,7 +2144,7 @@
           <a:p>
             <a:fld id="{F189DA53-ADA5-4ACF-B9FE-FBC70B576032}" type="datetimeFigureOut">
               <a:rPr lang="zh-TW" altLang="en-US" smtClean="0"/>
-              <a:t>2018/1/3</a:t>
+              <a:t>2018/1/17</a:t>
             </a:fld>
             <a:endParaRPr lang="zh-TW" altLang="en-US"/>
           </a:p>
@@ -2456,7 +2457,7 @@
           <a:p>
             <a:fld id="{F189DA53-ADA5-4ACF-B9FE-FBC70B576032}" type="datetimeFigureOut">
               <a:rPr lang="zh-TW" altLang="en-US" smtClean="0"/>
-              <a:t>2018/1/3</a:t>
+              <a:t>2018/1/17</a:t>
             </a:fld>
             <a:endParaRPr lang="zh-TW" altLang="en-US"/>
           </a:p>
@@ -2745,7 +2746,7 @@
           <a:p>
             <a:fld id="{F189DA53-ADA5-4ACF-B9FE-FBC70B576032}" type="datetimeFigureOut">
               <a:rPr lang="zh-TW" altLang="en-US" smtClean="0"/>
-              <a:t>2018/1/3</a:t>
+              <a:t>2018/1/17</a:t>
             </a:fld>
             <a:endParaRPr lang="zh-TW" altLang="en-US"/>
           </a:p>
@@ -2988,7 +2989,7 @@
           <a:p>
             <a:fld id="{F189DA53-ADA5-4ACF-B9FE-FBC70B576032}" type="datetimeFigureOut">
               <a:rPr lang="zh-TW" altLang="en-US" smtClean="0"/>
-              <a:t>2018/1/3</a:t>
+              <a:t>2018/1/17</a:t>
             </a:fld>
             <a:endParaRPr lang="zh-TW" altLang="en-US"/>
           </a:p>
@@ -3554,7 +3555,7 @@
             </a:r>
             <a:r>
               <a:rPr lang="en-GB" altLang="zh-TW" dirty="0"/>
-              <a:t>(Tree* t, list&lt;string&gt;* res)</a:t>
+              <a:t>(Tree* t, list&lt;string&gt;&amp; res)</a:t>
             </a:r>
           </a:p>
           <a:p>
@@ -3770,7 +3771,7 @@
           <p:cNvPr id="2" name="Title 1">
             <a:extLst>
               <a:ext uri="{FF2B5EF4-FFF2-40B4-BE49-F238E27FC236}">
-                <a16:creationId xmlns:a16="http://schemas.microsoft.com/office/drawing/2014/main" id="{2DFC2A31-44F5-4A4F-AC08-7976485212D3}"/>
+                <a16:creationId xmlns:a16="http://schemas.microsoft.com/office/drawing/2014/main" id="{ACC0F329-B6CB-45D6-920A-9BC23EC4C40F}"/>
               </a:ext>
             </a:extLst>
           </p:cNvPr>
@@ -3788,7 +3789,7 @@
           <a:p>
             <a:r>
               <a:rPr lang="en-GB" altLang="zh-TW" dirty="0"/>
-              <a:t>Implementation of BFS</a:t>
+              <a:t>Exercise</a:t>
             </a:r>
             <a:endParaRPr lang="zh-TW" altLang="en-US" dirty="0"/>
           </a:p>
@@ -3799,7 +3800,7 @@
           <p:cNvPr id="3" name="Content Placeholder 2">
             <a:extLst>
               <a:ext uri="{FF2B5EF4-FFF2-40B4-BE49-F238E27FC236}">
-                <a16:creationId xmlns:a16="http://schemas.microsoft.com/office/drawing/2014/main" id="{097B3B02-3679-4514-BA90-8B4BFDB4788B}"/>
+                <a16:creationId xmlns:a16="http://schemas.microsoft.com/office/drawing/2014/main" id="{FAC71092-FC7C-4547-A1BE-F226ECC516C5}"/>
               </a:ext>
             </a:extLst>
           </p:cNvPr>
@@ -3816,35 +3817,104 @@
           <a:lstStyle/>
           <a:p>
             <a:r>
-              <a:rPr lang="en-GB" altLang="zh-TW" dirty="0"/>
-              <a:t>We need to use a </a:t>
-            </a:r>
-            <a:r>
-              <a:rPr lang="en-GB" altLang="zh-TW" dirty="0">
-                <a:solidFill>
-                  <a:srgbClr val="FF0000"/>
-                </a:solidFill>
-              </a:rPr>
-              <a:t>queue</a:t>
-            </a:r>
-            <a:r>
-              <a:rPr lang="en-GB" altLang="zh-TW" dirty="0"/>
-              <a:t> to store the current node</a:t>
-            </a:r>
-          </a:p>
-          <a:p>
-            <a:r>
-              <a:rPr lang="en-GB" altLang="zh-TW" dirty="0"/>
-              <a:t>And successively add its left child and then right child</a:t>
-            </a:r>
-            <a:endParaRPr lang="zh-TW" altLang="en-US" dirty="0"/>
+              <a:rPr lang="zh-TW" altLang="en-US" dirty="0"/>
+              <a:t>轉學考題目</a:t>
+            </a:r>
+            <a:endParaRPr lang="en-US" altLang="zh-TW" dirty="0"/>
+          </a:p>
+          <a:p>
+            <a:r>
+              <a:rPr lang="en-US" altLang="zh-TW" dirty="0"/>
+              <a:t>Find two different trees with 3 nodes that share the same </a:t>
+            </a:r>
+            <a:r>
+              <a:rPr lang="en-GB" altLang="zh-TW" dirty="0" err="1"/>
+              <a:t>preorder</a:t>
+            </a:r>
+            <a:r>
+              <a:rPr lang="en-GB" altLang="zh-TW" dirty="0"/>
+              <a:t> traversal</a:t>
+            </a:r>
+            <a:r>
+              <a:rPr lang="en-US" altLang="zh-TW" dirty="0"/>
+              <a:t> and </a:t>
+            </a:r>
+            <a:r>
+              <a:rPr lang="en-US" altLang="zh-TW" dirty="0" err="1"/>
+              <a:t>postorder</a:t>
+            </a:r>
+            <a:r>
+              <a:rPr lang="en-US" altLang="zh-TW" dirty="0"/>
+              <a:t> traversal.</a:t>
+            </a:r>
+          </a:p>
+          <a:p>
+            <a:endParaRPr lang="en-US" altLang="zh-TW" dirty="0"/>
+          </a:p>
+          <a:p>
+            <a:r>
+              <a:rPr lang="en-US" altLang="zh-TW" dirty="0"/>
+              <a:t>This shows that </a:t>
+            </a:r>
+            <a:r>
+              <a:rPr lang="en-GB" altLang="zh-TW" dirty="0" err="1"/>
+              <a:t>preorder+postorder</a:t>
+            </a:r>
+            <a:r>
+              <a:rPr lang="en-GB" altLang="zh-TW" dirty="0"/>
+              <a:t> doesn’t define a tree uniquely.</a:t>
+            </a:r>
+          </a:p>
+          <a:p>
+            <a:r>
+              <a:rPr lang="en-GB" altLang="zh-TW" dirty="0"/>
+              <a:t>But other combinations do (</a:t>
+            </a:r>
+            <a:r>
+              <a:rPr lang="en-GB" altLang="zh-TW" dirty="0" err="1"/>
+              <a:t>inorder</a:t>
+            </a:r>
+            <a:r>
+              <a:rPr lang="en-GB" altLang="zh-TW" dirty="0"/>
+              <a:t> </a:t>
+            </a:r>
+            <a:r>
+              <a:rPr lang="en-GB" altLang="zh-TW"/>
+              <a:t>is necessary). </a:t>
+            </a:r>
+            <a:r>
+              <a:rPr lang="en-GB" altLang="zh-TW" dirty="0"/>
+              <a:t>Show it.</a:t>
+            </a:r>
+          </a:p>
+          <a:p>
+            <a:endParaRPr lang="en-GB" altLang="zh-TW" dirty="0"/>
+          </a:p>
+          <a:p>
+            <a:r>
+              <a:rPr lang="en-GB" altLang="zh-TW" dirty="0"/>
+              <a:t>Hint: the first node in </a:t>
+            </a:r>
+            <a:r>
+              <a:rPr lang="en-GB" altLang="zh-TW" dirty="0" err="1"/>
+              <a:t>preorder</a:t>
+            </a:r>
+            <a:r>
+              <a:rPr lang="en-GB" altLang="zh-TW" dirty="0"/>
+              <a:t> is its </a:t>
+            </a:r>
+            <a:r>
+              <a:rPr lang="en-GB" altLang="zh-TW" b="1" dirty="0"/>
+              <a:t>root</a:t>
+            </a:r>
+            <a:endParaRPr lang="zh-TW" altLang="en-US" b="1" dirty="0"/>
           </a:p>
         </p:txBody>
       </p:sp>
     </p:spTree>
     <p:extLst>
       <p:ext uri="{BB962C8B-B14F-4D97-AF65-F5344CB8AC3E}">
-        <p14:creationId xmlns:p14="http://schemas.microsoft.com/office/powerpoint/2010/main" val="818996368"/>
+        <p14:creationId xmlns:p14="http://schemas.microsoft.com/office/powerpoint/2010/main" val="4017175312"/>
       </p:ext>
     </p:extLst>
   </p:cSld>
@@ -3876,6 +3946,112 @@
           <p:cNvPr id="2" name="Title 1">
             <a:extLst>
               <a:ext uri="{FF2B5EF4-FFF2-40B4-BE49-F238E27FC236}">
+                <a16:creationId xmlns:a16="http://schemas.microsoft.com/office/drawing/2014/main" id="{2DFC2A31-44F5-4A4F-AC08-7976485212D3}"/>
+              </a:ext>
+            </a:extLst>
+          </p:cNvPr>
+          <p:cNvSpPr>
+            <a:spLocks noGrp="1"/>
+          </p:cNvSpPr>
+          <p:nvPr>
+            <p:ph type="title"/>
+          </p:nvPr>
+        </p:nvSpPr>
+        <p:spPr/>
+        <p:txBody>
+          <a:bodyPr/>
+          <a:lstStyle/>
+          <a:p>
+            <a:r>
+              <a:rPr lang="en-GB" altLang="zh-TW" dirty="0"/>
+              <a:t>Implementation of BFS</a:t>
+            </a:r>
+            <a:endParaRPr lang="zh-TW" altLang="en-US" dirty="0"/>
+          </a:p>
+        </p:txBody>
+      </p:sp>
+      <p:sp>
+        <p:nvSpPr>
+          <p:cNvPr id="3" name="Content Placeholder 2">
+            <a:extLst>
+              <a:ext uri="{FF2B5EF4-FFF2-40B4-BE49-F238E27FC236}">
+                <a16:creationId xmlns:a16="http://schemas.microsoft.com/office/drawing/2014/main" id="{097B3B02-3679-4514-BA90-8B4BFDB4788B}"/>
+              </a:ext>
+            </a:extLst>
+          </p:cNvPr>
+          <p:cNvSpPr>
+            <a:spLocks noGrp="1"/>
+          </p:cNvSpPr>
+          <p:nvPr>
+            <p:ph idx="1"/>
+          </p:nvPr>
+        </p:nvSpPr>
+        <p:spPr/>
+        <p:txBody>
+          <a:bodyPr/>
+          <a:lstStyle/>
+          <a:p>
+            <a:r>
+              <a:rPr lang="en-GB" altLang="zh-TW" dirty="0"/>
+              <a:t>We need to use a </a:t>
+            </a:r>
+            <a:r>
+              <a:rPr lang="en-GB" altLang="zh-TW" dirty="0">
+                <a:solidFill>
+                  <a:srgbClr val="FF0000"/>
+                </a:solidFill>
+              </a:rPr>
+              <a:t>queue</a:t>
+            </a:r>
+            <a:r>
+              <a:rPr lang="en-GB" altLang="zh-TW" dirty="0"/>
+              <a:t> to store the current node</a:t>
+            </a:r>
+          </a:p>
+          <a:p>
+            <a:r>
+              <a:rPr lang="en-GB" altLang="zh-TW" dirty="0"/>
+              <a:t>And successively add its left child and then right child</a:t>
+            </a:r>
+            <a:endParaRPr lang="zh-TW" altLang="en-US" dirty="0"/>
+          </a:p>
+        </p:txBody>
+      </p:sp>
+    </p:spTree>
+    <p:extLst>
+      <p:ext uri="{BB962C8B-B14F-4D97-AF65-F5344CB8AC3E}">
+        <p14:creationId xmlns:p14="http://schemas.microsoft.com/office/powerpoint/2010/main" val="818996368"/>
+      </p:ext>
+    </p:extLst>
+  </p:cSld>
+  <p:clrMapOvr>
+    <a:masterClrMapping/>
+  </p:clrMapOvr>
+</p:sld>
+</file>
+
+<file path=ppt/slides/slide14.xml><?xml version="1.0" encoding="utf-8"?>
+<p:sld xmlns:a="http://schemas.openxmlformats.org/drawingml/2006/main" xmlns:r="http://schemas.openxmlformats.org/officeDocument/2006/relationships" xmlns:p="http://schemas.openxmlformats.org/presentationml/2006/main">
+  <p:cSld>
+    <p:spTree>
+      <p:nvGrpSpPr>
+        <p:cNvPr id="1" name=""/>
+        <p:cNvGrpSpPr/>
+        <p:nvPr/>
+      </p:nvGrpSpPr>
+      <p:grpSpPr>
+        <a:xfrm>
+          <a:off x="0" y="0"/>
+          <a:ext cx="0" cy="0"/>
+          <a:chOff x="0" y="0"/>
+          <a:chExt cx="0" cy="0"/>
+        </a:xfrm>
+      </p:grpSpPr>
+      <p:sp>
+        <p:nvSpPr>
+          <p:cNvPr id="2" name="Title 1">
+            <a:extLst>
+              <a:ext uri="{FF2B5EF4-FFF2-40B4-BE49-F238E27FC236}">
                 <a16:creationId xmlns:a16="http://schemas.microsoft.com/office/drawing/2014/main" id="{5DFD2B60-3AF4-401E-BC0E-8748F0D770EC}"/>
               </a:ext>
             </a:extLst>
@@ -3948,7 +4124,7 @@
 </p:sld>
 </file>
 
-<file path=ppt/slides/slide14.xml><?xml version="1.0" encoding="utf-8"?>
+<file path=ppt/slides/slide15.xml><?xml version="1.0" encoding="utf-8"?>
 <p:sld xmlns:a="http://schemas.openxmlformats.org/drawingml/2006/main" xmlns:r="http://schemas.openxmlformats.org/officeDocument/2006/relationships" xmlns:p="http://schemas.openxmlformats.org/presentationml/2006/main">
   <p:cSld>
     <p:spTree>
@@ -4165,7 +4341,7 @@
 </p:sld>
 </file>
 
-<file path=ppt/slides/slide15.xml><?xml version="1.0" encoding="utf-8"?>
+<file path=ppt/slides/slide16.xml><?xml version="1.0" encoding="utf-8"?>
 <p:sld xmlns:a="http://schemas.openxmlformats.org/drawingml/2006/main" xmlns:r="http://schemas.openxmlformats.org/officeDocument/2006/relationships" xmlns:p="http://schemas.openxmlformats.org/presentationml/2006/main">
   <p:cSld>
     <p:spTree>
@@ -4295,7 +4471,7 @@
 </p:sld>
 </file>
 
-<file path=ppt/slides/slide16.xml><?xml version="1.0" encoding="utf-8"?>
+<file path=ppt/slides/slide17.xml><?xml version="1.0" encoding="utf-8"?>
 <p:sld xmlns:a="http://schemas.openxmlformats.org/drawingml/2006/main" xmlns:r="http://schemas.openxmlformats.org/officeDocument/2006/relationships" xmlns:p="http://schemas.openxmlformats.org/presentationml/2006/main">
   <p:cSld>
     <p:spTree>
@@ -4405,7 +4581,7 @@
 </p:sld>
 </file>
 
-<file path=ppt/slides/slide17.xml><?xml version="1.0" encoding="utf-8"?>
+<file path=ppt/slides/slide18.xml><?xml version="1.0" encoding="utf-8"?>
 <p:sld xmlns:a="http://schemas.openxmlformats.org/drawingml/2006/main" xmlns:r="http://schemas.openxmlformats.org/officeDocument/2006/relationships" xmlns:p="http://schemas.openxmlformats.org/presentationml/2006/main">
   <p:cSld>
     <p:spTree>
@@ -4544,7 +4720,7 @@
 </p:sld>
 </file>
 
-<file path=ppt/slides/slide18.xml><?xml version="1.0" encoding="utf-8"?>
+<file path=ppt/slides/slide19.xml><?xml version="1.0" encoding="utf-8"?>
 <p:sld xmlns:a="http://schemas.openxmlformats.org/drawingml/2006/main" xmlns:r="http://schemas.openxmlformats.org/officeDocument/2006/relationships" xmlns:p="http://schemas.openxmlformats.org/presentationml/2006/main">
   <p:cSld>
     <p:spTree>
@@ -4655,141 +4831,6 @@
     <p:extLst>
       <p:ext uri="{BB962C8B-B14F-4D97-AF65-F5344CB8AC3E}">
         <p14:creationId xmlns:p14="http://schemas.microsoft.com/office/powerpoint/2010/main" val="1784451458"/>
-      </p:ext>
-    </p:extLst>
-  </p:cSld>
-  <p:clrMapOvr>
-    <a:masterClrMapping/>
-  </p:clrMapOvr>
-</p:sld>
-</file>
-
-<file path=ppt/slides/slide19.xml><?xml version="1.0" encoding="utf-8"?>
-<p:sld xmlns:a="http://schemas.openxmlformats.org/drawingml/2006/main" xmlns:r="http://schemas.openxmlformats.org/officeDocument/2006/relationships" xmlns:p="http://schemas.openxmlformats.org/presentationml/2006/main">
-  <p:cSld>
-    <p:spTree>
-      <p:nvGrpSpPr>
-        <p:cNvPr id="1" name=""/>
-        <p:cNvGrpSpPr/>
-        <p:nvPr/>
-      </p:nvGrpSpPr>
-      <p:grpSpPr>
-        <a:xfrm>
-          <a:off x="0" y="0"/>
-          <a:ext cx="0" cy="0"/>
-          <a:chOff x="0" y="0"/>
-          <a:chExt cx="0" cy="0"/>
-        </a:xfrm>
-      </p:grpSpPr>
-      <p:sp>
-        <p:nvSpPr>
-          <p:cNvPr id="2" name="Title 1">
-            <a:extLst>
-              <a:ext uri="{FF2B5EF4-FFF2-40B4-BE49-F238E27FC236}">
-                <a16:creationId xmlns:a16="http://schemas.microsoft.com/office/drawing/2014/main" id="{134DD460-A3CB-4481-B669-EC7BD0EDEE74}"/>
-              </a:ext>
-            </a:extLst>
-          </p:cNvPr>
-          <p:cNvSpPr>
-            <a:spLocks noGrp="1"/>
-          </p:cNvSpPr>
-          <p:nvPr>
-            <p:ph type="title"/>
-          </p:nvPr>
-        </p:nvSpPr>
-        <p:spPr/>
-        <p:txBody>
-          <a:bodyPr/>
-          <a:lstStyle/>
-          <a:p>
-            <a:endParaRPr lang="zh-TW" altLang="en-US"/>
-          </a:p>
-        </p:txBody>
-      </p:sp>
-      <p:sp>
-        <p:nvSpPr>
-          <p:cNvPr id="3" name="Content Placeholder 2">
-            <a:extLst>
-              <a:ext uri="{FF2B5EF4-FFF2-40B4-BE49-F238E27FC236}">
-                <a16:creationId xmlns:a16="http://schemas.microsoft.com/office/drawing/2014/main" id="{4DDD4FB8-18B4-4354-8172-6C45BCAF5CF1}"/>
-              </a:ext>
-            </a:extLst>
-          </p:cNvPr>
-          <p:cNvSpPr>
-            <a:spLocks noGrp="1"/>
-          </p:cNvSpPr>
-          <p:nvPr>
-            <p:ph idx="1"/>
-          </p:nvPr>
-        </p:nvSpPr>
-        <p:spPr/>
-        <p:txBody>
-          <a:bodyPr/>
-          <a:lstStyle/>
-          <a:p>
-            <a:r>
-              <a:rPr lang="en-GB" altLang="zh-TW" dirty="0"/>
-              <a:t>M&lt;O</a:t>
-            </a:r>
-          </a:p>
-          <a:p>
-            <a:r>
-              <a:rPr lang="en-GB" altLang="zh-TW" dirty="0"/>
-              <a:t>So we go left</a:t>
-            </a:r>
-          </a:p>
-          <a:p>
-            <a:endParaRPr lang="en-GB" altLang="zh-TW" dirty="0"/>
-          </a:p>
-          <a:p>
-            <a:r>
-              <a:rPr lang="en-GB" altLang="zh-TW" dirty="0"/>
-              <a:t>M=M</a:t>
-            </a:r>
-          </a:p>
-          <a:p>
-            <a:r>
-              <a:rPr lang="en-GB" altLang="zh-TW" dirty="0"/>
-              <a:t>Success!</a:t>
-            </a:r>
-            <a:endParaRPr lang="zh-TW" altLang="en-US" dirty="0"/>
-          </a:p>
-        </p:txBody>
-      </p:sp>
-      <p:pic>
-        <p:nvPicPr>
-          <p:cNvPr id="4" name="Picture 3">
-            <a:extLst>
-              <a:ext uri="{FF2B5EF4-FFF2-40B4-BE49-F238E27FC236}">
-                <a16:creationId xmlns:a16="http://schemas.microsoft.com/office/drawing/2014/main" id="{E596C879-503E-4B95-92AE-E15F9DF70E95}"/>
-              </a:ext>
-            </a:extLst>
-          </p:cNvPr>
-          <p:cNvPicPr>
-            <a:picLocks noChangeAspect="1"/>
-          </p:cNvPicPr>
-          <p:nvPr/>
-        </p:nvPicPr>
-        <p:blipFill>
-          <a:blip r:embed="rId2"/>
-          <a:stretch>
-            <a:fillRect/>
-          </a:stretch>
-        </p:blipFill>
-        <p:spPr>
-          <a:xfrm>
-            <a:off x="5892112" y="2010097"/>
-            <a:ext cx="4654310" cy="3844595"/>
-          </a:xfrm>
-          <a:prstGeom prst="rect">
-            <a:avLst/>
-          </a:prstGeom>
-        </p:spPr>
-      </p:pic>
-    </p:spTree>
-    <p:extLst>
-      <p:ext uri="{BB962C8B-B14F-4D97-AF65-F5344CB8AC3E}">
-        <p14:creationId xmlns:p14="http://schemas.microsoft.com/office/powerpoint/2010/main" val="839575381"/>
       </p:ext>
     </p:extLst>
   </p:cSld>
@@ -4987,6 +5028,141 @@
           <p:cNvPr id="2" name="Title 1">
             <a:extLst>
               <a:ext uri="{FF2B5EF4-FFF2-40B4-BE49-F238E27FC236}">
+                <a16:creationId xmlns:a16="http://schemas.microsoft.com/office/drawing/2014/main" id="{134DD460-A3CB-4481-B669-EC7BD0EDEE74}"/>
+              </a:ext>
+            </a:extLst>
+          </p:cNvPr>
+          <p:cNvSpPr>
+            <a:spLocks noGrp="1"/>
+          </p:cNvSpPr>
+          <p:nvPr>
+            <p:ph type="title"/>
+          </p:nvPr>
+        </p:nvSpPr>
+        <p:spPr/>
+        <p:txBody>
+          <a:bodyPr/>
+          <a:lstStyle/>
+          <a:p>
+            <a:endParaRPr lang="zh-TW" altLang="en-US"/>
+          </a:p>
+        </p:txBody>
+      </p:sp>
+      <p:sp>
+        <p:nvSpPr>
+          <p:cNvPr id="3" name="Content Placeholder 2">
+            <a:extLst>
+              <a:ext uri="{FF2B5EF4-FFF2-40B4-BE49-F238E27FC236}">
+                <a16:creationId xmlns:a16="http://schemas.microsoft.com/office/drawing/2014/main" id="{4DDD4FB8-18B4-4354-8172-6C45BCAF5CF1}"/>
+              </a:ext>
+            </a:extLst>
+          </p:cNvPr>
+          <p:cNvSpPr>
+            <a:spLocks noGrp="1"/>
+          </p:cNvSpPr>
+          <p:nvPr>
+            <p:ph idx="1"/>
+          </p:nvPr>
+        </p:nvSpPr>
+        <p:spPr/>
+        <p:txBody>
+          <a:bodyPr/>
+          <a:lstStyle/>
+          <a:p>
+            <a:r>
+              <a:rPr lang="en-GB" altLang="zh-TW" dirty="0"/>
+              <a:t>M&lt;O</a:t>
+            </a:r>
+          </a:p>
+          <a:p>
+            <a:r>
+              <a:rPr lang="en-GB" altLang="zh-TW" dirty="0"/>
+              <a:t>So we go left</a:t>
+            </a:r>
+          </a:p>
+          <a:p>
+            <a:endParaRPr lang="en-GB" altLang="zh-TW" dirty="0"/>
+          </a:p>
+          <a:p>
+            <a:r>
+              <a:rPr lang="en-GB" altLang="zh-TW" dirty="0"/>
+              <a:t>M=M</a:t>
+            </a:r>
+          </a:p>
+          <a:p>
+            <a:r>
+              <a:rPr lang="en-GB" altLang="zh-TW" dirty="0"/>
+              <a:t>Success!</a:t>
+            </a:r>
+            <a:endParaRPr lang="zh-TW" altLang="en-US" dirty="0"/>
+          </a:p>
+        </p:txBody>
+      </p:sp>
+      <p:pic>
+        <p:nvPicPr>
+          <p:cNvPr id="4" name="Picture 3">
+            <a:extLst>
+              <a:ext uri="{FF2B5EF4-FFF2-40B4-BE49-F238E27FC236}">
+                <a16:creationId xmlns:a16="http://schemas.microsoft.com/office/drawing/2014/main" id="{E596C879-503E-4B95-92AE-E15F9DF70E95}"/>
+              </a:ext>
+            </a:extLst>
+          </p:cNvPr>
+          <p:cNvPicPr>
+            <a:picLocks noChangeAspect="1"/>
+          </p:cNvPicPr>
+          <p:nvPr/>
+        </p:nvPicPr>
+        <p:blipFill>
+          <a:blip r:embed="rId2"/>
+          <a:stretch>
+            <a:fillRect/>
+          </a:stretch>
+        </p:blipFill>
+        <p:spPr>
+          <a:xfrm>
+            <a:off x="5892112" y="2010097"/>
+            <a:ext cx="4654310" cy="3844595"/>
+          </a:xfrm>
+          <a:prstGeom prst="rect">
+            <a:avLst/>
+          </a:prstGeom>
+        </p:spPr>
+      </p:pic>
+    </p:spTree>
+    <p:extLst>
+      <p:ext uri="{BB962C8B-B14F-4D97-AF65-F5344CB8AC3E}">
+        <p14:creationId xmlns:p14="http://schemas.microsoft.com/office/powerpoint/2010/main" val="839575381"/>
+      </p:ext>
+    </p:extLst>
+  </p:cSld>
+  <p:clrMapOvr>
+    <a:masterClrMapping/>
+  </p:clrMapOvr>
+</p:sld>
+</file>
+
+<file path=ppt/slides/slide21.xml><?xml version="1.0" encoding="utf-8"?>
+<p:sld xmlns:a="http://schemas.openxmlformats.org/drawingml/2006/main" xmlns:r="http://schemas.openxmlformats.org/officeDocument/2006/relationships" xmlns:p="http://schemas.openxmlformats.org/presentationml/2006/main">
+  <p:cSld>
+    <p:spTree>
+      <p:nvGrpSpPr>
+        <p:cNvPr id="1" name=""/>
+        <p:cNvGrpSpPr/>
+        <p:nvPr/>
+      </p:nvGrpSpPr>
+      <p:grpSpPr>
+        <a:xfrm>
+          <a:off x="0" y="0"/>
+          <a:ext cx="0" cy="0"/>
+          <a:chOff x="0" y="0"/>
+          <a:chExt cx="0" cy="0"/>
+        </a:xfrm>
+      </p:grpSpPr>
+      <p:sp>
+        <p:nvSpPr>
+          <p:cNvPr id="2" name="Title 1">
+            <a:extLst>
+              <a:ext uri="{FF2B5EF4-FFF2-40B4-BE49-F238E27FC236}">
                 <a16:creationId xmlns:a16="http://schemas.microsoft.com/office/drawing/2014/main" id="{F4BDDF2E-58B9-49FD-8AC6-ED7F5BF7FD73}"/>
               </a:ext>
             </a:extLst>
@@ -5079,7 +5255,7 @@
 </p:sld>
 </file>
 
-<file path=ppt/slides/slide21.xml><?xml version="1.0" encoding="utf-8"?>
+<file path=ppt/slides/slide22.xml><?xml version="1.0" encoding="utf-8"?>
 <p:sld xmlns:a="http://schemas.openxmlformats.org/drawingml/2006/main" xmlns:r="http://schemas.openxmlformats.org/officeDocument/2006/relationships" xmlns:p="http://schemas.openxmlformats.org/presentationml/2006/main">
   <p:cSld>
     <p:spTree>
@@ -5199,7 +5375,7 @@
 </p:sld>
 </file>
 
-<file path=ppt/slides/slide22.xml><?xml version="1.0" encoding="utf-8"?>
+<file path=ppt/slides/slide23.xml><?xml version="1.0" encoding="utf-8"?>
 <p:sld xmlns:a="http://schemas.openxmlformats.org/drawingml/2006/main" xmlns:r="http://schemas.openxmlformats.org/officeDocument/2006/relationships" xmlns:p="http://schemas.openxmlformats.org/presentationml/2006/main">
   <p:cSld>
     <p:spTree>
@@ -5319,7 +5495,7 @@
 </p:sld>
 </file>
 
-<file path=ppt/slides/slide23.xml><?xml version="1.0" encoding="utf-8"?>
+<file path=ppt/slides/slide24.xml><?xml version="1.0" encoding="utf-8"?>
 <p:sld xmlns:a="http://schemas.openxmlformats.org/drawingml/2006/main" xmlns:r="http://schemas.openxmlformats.org/officeDocument/2006/relationships" xmlns:p="http://schemas.openxmlformats.org/presentationml/2006/main">
   <p:cSld>
     <p:spTree>
@@ -5454,7 +5630,7 @@
 </p:sld>
 </file>
 
-<file path=ppt/slides/slide24.xml><?xml version="1.0" encoding="utf-8"?>
+<file path=ppt/slides/slide25.xml><?xml version="1.0" encoding="utf-8"?>
 <p:sld xmlns:a="http://schemas.openxmlformats.org/drawingml/2006/main" xmlns:r="http://schemas.openxmlformats.org/officeDocument/2006/relationships" xmlns:p="http://schemas.openxmlformats.org/presentationml/2006/main">
   <p:cSld>
     <p:spTree>
@@ -5572,133 +5748,6 @@
 </p:sld>
 </file>
 
-<file path=ppt/slides/slide25.xml><?xml version="1.0" encoding="utf-8"?>
-<p:sld xmlns:a="http://schemas.openxmlformats.org/drawingml/2006/main" xmlns:r="http://schemas.openxmlformats.org/officeDocument/2006/relationships" xmlns:p="http://schemas.openxmlformats.org/presentationml/2006/main">
-  <p:cSld>
-    <p:spTree>
-      <p:nvGrpSpPr>
-        <p:cNvPr id="1" name=""/>
-        <p:cNvGrpSpPr/>
-        <p:nvPr/>
-      </p:nvGrpSpPr>
-      <p:grpSpPr>
-        <a:xfrm>
-          <a:off x="0" y="0"/>
-          <a:ext cx="0" cy="0"/>
-          <a:chOff x="0" y="0"/>
-          <a:chExt cx="0" cy="0"/>
-        </a:xfrm>
-      </p:grpSpPr>
-      <p:sp>
-        <p:nvSpPr>
-          <p:cNvPr id="2" name="Title 1">
-            <a:extLst>
-              <a:ext uri="{FF2B5EF4-FFF2-40B4-BE49-F238E27FC236}">
-                <a16:creationId xmlns:a16="http://schemas.microsoft.com/office/drawing/2014/main" id="{E6D8605E-7E41-49C1-820D-4B86B331504B}"/>
-              </a:ext>
-            </a:extLst>
-          </p:cNvPr>
-          <p:cNvSpPr>
-            <a:spLocks noGrp="1"/>
-          </p:cNvSpPr>
-          <p:nvPr>
-            <p:ph type="title"/>
-          </p:nvPr>
-        </p:nvSpPr>
-        <p:spPr/>
-        <p:txBody>
-          <a:bodyPr/>
-          <a:lstStyle/>
-          <a:p>
-            <a:r>
-              <a:rPr lang="en-GB" altLang="zh-TW" dirty="0"/>
-              <a:t>contains</a:t>
-            </a:r>
-            <a:endParaRPr lang="zh-TW" altLang="en-US" dirty="0"/>
-          </a:p>
-        </p:txBody>
-      </p:sp>
-      <p:sp>
-        <p:nvSpPr>
-          <p:cNvPr id="3" name="Content Placeholder 2">
-            <a:extLst>
-              <a:ext uri="{FF2B5EF4-FFF2-40B4-BE49-F238E27FC236}">
-                <a16:creationId xmlns:a16="http://schemas.microsoft.com/office/drawing/2014/main" id="{3A05266D-010C-4FE7-AC84-2DA373D1F4F1}"/>
-              </a:ext>
-            </a:extLst>
-          </p:cNvPr>
-          <p:cNvSpPr>
-            <a:spLocks noGrp="1"/>
-          </p:cNvSpPr>
-          <p:nvPr>
-            <p:ph idx="1"/>
-          </p:nvPr>
-        </p:nvSpPr>
-        <p:spPr/>
-        <p:txBody>
-          <a:bodyPr/>
-          <a:lstStyle/>
-          <a:p>
-            <a:r>
-              <a:rPr lang="en-GB" altLang="zh-TW" dirty="0"/>
-              <a:t>We compare the value to the root:</a:t>
-            </a:r>
-          </a:p>
-          <a:p>
-            <a:r>
-              <a:rPr lang="en-GB" altLang="zh-TW" dirty="0"/>
-              <a:t>If it is ==, then we’ve found it</a:t>
-            </a:r>
-          </a:p>
-          <a:p>
-            <a:r>
-              <a:rPr lang="en-GB" altLang="zh-TW" dirty="0"/>
-              <a:t>If it is &gt;, then go right</a:t>
-            </a:r>
-          </a:p>
-          <a:p>
-            <a:r>
-              <a:rPr lang="en-GB" altLang="zh-TW" dirty="0"/>
-              <a:t>If it is &lt;, then go left</a:t>
-            </a:r>
-          </a:p>
-          <a:p>
-            <a:r>
-              <a:rPr lang="en-GB" altLang="zh-TW" dirty="0"/>
-              <a:t>If</a:t>
-            </a:r>
-            <a:r>
-              <a:rPr lang="zh-TW" altLang="en-US" dirty="0"/>
-              <a:t> </a:t>
-            </a:r>
-            <a:r>
-              <a:rPr lang="en-GB" altLang="zh-TW" dirty="0"/>
-              <a:t>we</a:t>
-            </a:r>
-            <a:r>
-              <a:rPr lang="zh-TW" altLang="en-US" dirty="0"/>
-              <a:t> </a:t>
-            </a:r>
-            <a:r>
-              <a:rPr lang="en-GB" altLang="zh-TW" dirty="0"/>
-              <a:t>encounter NULL, it means the value doesn’t exist</a:t>
-            </a:r>
-          </a:p>
-        </p:txBody>
-      </p:sp>
-    </p:spTree>
-    <p:extLst>
-      <p:ext uri="{BB962C8B-B14F-4D97-AF65-F5344CB8AC3E}">
-        <p14:creationId xmlns:p14="http://schemas.microsoft.com/office/powerpoint/2010/main" val="1717008475"/>
-      </p:ext>
-    </p:extLst>
-  </p:cSld>
-  <p:clrMapOvr>
-    <a:masterClrMapping/>
-  </p:clrMapOvr>
-</p:sld>
-</file>
-
 <file path=ppt/slides/slide26.xml><?xml version="1.0" encoding="utf-8"?>
 <p:sld xmlns:a="http://schemas.openxmlformats.org/drawingml/2006/main" xmlns:r="http://schemas.openxmlformats.org/officeDocument/2006/relationships" xmlns:p="http://schemas.openxmlformats.org/presentationml/2006/main">
   <p:cSld>
@@ -5721,6 +5770,133 @@
           <p:cNvPr id="2" name="Title 1">
             <a:extLst>
               <a:ext uri="{FF2B5EF4-FFF2-40B4-BE49-F238E27FC236}">
+                <a16:creationId xmlns:a16="http://schemas.microsoft.com/office/drawing/2014/main" id="{E6D8605E-7E41-49C1-820D-4B86B331504B}"/>
+              </a:ext>
+            </a:extLst>
+          </p:cNvPr>
+          <p:cNvSpPr>
+            <a:spLocks noGrp="1"/>
+          </p:cNvSpPr>
+          <p:nvPr>
+            <p:ph type="title"/>
+          </p:nvPr>
+        </p:nvSpPr>
+        <p:spPr/>
+        <p:txBody>
+          <a:bodyPr/>
+          <a:lstStyle/>
+          <a:p>
+            <a:r>
+              <a:rPr lang="en-GB" altLang="zh-TW" dirty="0"/>
+              <a:t>contains</a:t>
+            </a:r>
+            <a:endParaRPr lang="zh-TW" altLang="en-US" dirty="0"/>
+          </a:p>
+        </p:txBody>
+      </p:sp>
+      <p:sp>
+        <p:nvSpPr>
+          <p:cNvPr id="3" name="Content Placeholder 2">
+            <a:extLst>
+              <a:ext uri="{FF2B5EF4-FFF2-40B4-BE49-F238E27FC236}">
+                <a16:creationId xmlns:a16="http://schemas.microsoft.com/office/drawing/2014/main" id="{3A05266D-010C-4FE7-AC84-2DA373D1F4F1}"/>
+              </a:ext>
+            </a:extLst>
+          </p:cNvPr>
+          <p:cNvSpPr>
+            <a:spLocks noGrp="1"/>
+          </p:cNvSpPr>
+          <p:nvPr>
+            <p:ph idx="1"/>
+          </p:nvPr>
+        </p:nvSpPr>
+        <p:spPr/>
+        <p:txBody>
+          <a:bodyPr/>
+          <a:lstStyle/>
+          <a:p>
+            <a:r>
+              <a:rPr lang="en-GB" altLang="zh-TW" dirty="0"/>
+              <a:t>We compare the value to the root:</a:t>
+            </a:r>
+          </a:p>
+          <a:p>
+            <a:r>
+              <a:rPr lang="en-GB" altLang="zh-TW" dirty="0"/>
+              <a:t>If it is ==, then we’ve found it</a:t>
+            </a:r>
+          </a:p>
+          <a:p>
+            <a:r>
+              <a:rPr lang="en-GB" altLang="zh-TW" dirty="0"/>
+              <a:t>If it is &gt;, then go right</a:t>
+            </a:r>
+          </a:p>
+          <a:p>
+            <a:r>
+              <a:rPr lang="en-GB" altLang="zh-TW" dirty="0"/>
+              <a:t>If it is &lt;, then go left</a:t>
+            </a:r>
+          </a:p>
+          <a:p>
+            <a:r>
+              <a:rPr lang="en-GB" altLang="zh-TW" dirty="0"/>
+              <a:t>If</a:t>
+            </a:r>
+            <a:r>
+              <a:rPr lang="zh-TW" altLang="en-US" dirty="0"/>
+              <a:t> </a:t>
+            </a:r>
+            <a:r>
+              <a:rPr lang="en-GB" altLang="zh-TW" dirty="0"/>
+              <a:t>we</a:t>
+            </a:r>
+            <a:r>
+              <a:rPr lang="zh-TW" altLang="en-US" dirty="0"/>
+              <a:t> </a:t>
+            </a:r>
+            <a:r>
+              <a:rPr lang="en-GB" altLang="zh-TW" dirty="0"/>
+              <a:t>encounter NULL, it means the value doesn’t exist</a:t>
+            </a:r>
+          </a:p>
+        </p:txBody>
+      </p:sp>
+    </p:spTree>
+    <p:extLst>
+      <p:ext uri="{BB962C8B-B14F-4D97-AF65-F5344CB8AC3E}">
+        <p14:creationId xmlns:p14="http://schemas.microsoft.com/office/powerpoint/2010/main" val="1717008475"/>
+      </p:ext>
+    </p:extLst>
+  </p:cSld>
+  <p:clrMapOvr>
+    <a:masterClrMapping/>
+  </p:clrMapOvr>
+</p:sld>
+</file>
+
+<file path=ppt/slides/slide27.xml><?xml version="1.0" encoding="utf-8"?>
+<p:sld xmlns:a="http://schemas.openxmlformats.org/drawingml/2006/main" xmlns:r="http://schemas.openxmlformats.org/officeDocument/2006/relationships" xmlns:p="http://schemas.openxmlformats.org/presentationml/2006/main">
+  <p:cSld>
+    <p:spTree>
+      <p:nvGrpSpPr>
+        <p:cNvPr id="1" name=""/>
+        <p:cNvGrpSpPr/>
+        <p:nvPr/>
+      </p:nvGrpSpPr>
+      <p:grpSpPr>
+        <a:xfrm>
+          <a:off x="0" y="0"/>
+          <a:ext cx="0" cy="0"/>
+          <a:chOff x="0" y="0"/>
+          <a:chExt cx="0" cy="0"/>
+        </a:xfrm>
+      </p:grpSpPr>
+      <p:sp>
+        <p:nvSpPr>
+          <p:cNvPr id="2" name="Title 1">
+            <a:extLst>
+              <a:ext uri="{FF2B5EF4-FFF2-40B4-BE49-F238E27FC236}">
                 <a16:creationId xmlns:a16="http://schemas.microsoft.com/office/drawing/2014/main" id="{1C665960-8951-49E0-A4A3-B57AAC9735C1}"/>
               </a:ext>
             </a:extLst>
@@ -5787,7 +5963,7 @@
 </p:sld>
 </file>
 
-<file path=ppt/slides/slide27.xml><?xml version="1.0" encoding="utf-8"?>
+<file path=ppt/slides/slide28.xml><?xml version="1.0" encoding="utf-8"?>
 <p:sld xmlns:a="http://schemas.openxmlformats.org/drawingml/2006/main" xmlns:r="http://schemas.openxmlformats.org/officeDocument/2006/relationships" xmlns:p="http://schemas.openxmlformats.org/presentationml/2006/main">
   <p:cSld>
     <p:spTree>
@@ -5905,7 +6081,7 @@
 </p:sld>
 </file>
 
-<file path=ppt/slides/slide28.xml><?xml version="1.0" encoding="utf-8"?>
+<file path=ppt/slides/slide29.xml><?xml version="1.0" encoding="utf-8"?>
 <p:sld xmlns:a="http://schemas.openxmlformats.org/drawingml/2006/main" xmlns:r="http://schemas.openxmlformats.org/officeDocument/2006/relationships" xmlns:p="http://schemas.openxmlformats.org/presentationml/2006/main">
   <p:cSld>
     <p:spTree>
@@ -6010,151 +6186,6 @@
     <p:extLst>
       <p:ext uri="{BB962C8B-B14F-4D97-AF65-F5344CB8AC3E}">
         <p14:creationId xmlns:p14="http://schemas.microsoft.com/office/powerpoint/2010/main" val="113444922"/>
-      </p:ext>
-    </p:extLst>
-  </p:cSld>
-  <p:clrMapOvr>
-    <a:masterClrMapping/>
-  </p:clrMapOvr>
-</p:sld>
-</file>
-
-<file path=ppt/slides/slide29.xml><?xml version="1.0" encoding="utf-8"?>
-<p:sld xmlns:a="http://schemas.openxmlformats.org/drawingml/2006/main" xmlns:r="http://schemas.openxmlformats.org/officeDocument/2006/relationships" xmlns:p="http://schemas.openxmlformats.org/presentationml/2006/main">
-  <p:cSld>
-    <p:spTree>
-      <p:nvGrpSpPr>
-        <p:cNvPr id="1" name=""/>
-        <p:cNvGrpSpPr/>
-        <p:nvPr/>
-      </p:nvGrpSpPr>
-      <p:grpSpPr>
-        <a:xfrm>
-          <a:off x="0" y="0"/>
-          <a:ext cx="0" cy="0"/>
-          <a:chOff x="0" y="0"/>
-          <a:chExt cx="0" cy="0"/>
-        </a:xfrm>
-      </p:grpSpPr>
-      <p:sp>
-        <p:nvSpPr>
-          <p:cNvPr id="2" name="Title 1">
-            <a:extLst>
-              <a:ext uri="{FF2B5EF4-FFF2-40B4-BE49-F238E27FC236}">
-                <a16:creationId xmlns:a16="http://schemas.microsoft.com/office/drawing/2014/main" id="{CD15A09F-9E7C-4AA7-86CC-EB5F5DDC08CF}"/>
-              </a:ext>
-            </a:extLst>
-          </p:cNvPr>
-          <p:cNvSpPr>
-            <a:spLocks noGrp="1"/>
-          </p:cNvSpPr>
-          <p:nvPr>
-            <p:ph type="title"/>
-          </p:nvPr>
-        </p:nvSpPr>
-        <p:spPr/>
-        <p:txBody>
-          <a:bodyPr/>
-          <a:lstStyle/>
-          <a:p>
-            <a:r>
-              <a:rPr lang="en-GB" altLang="zh-TW" dirty="0"/>
-              <a:t>Delete an element</a:t>
-            </a:r>
-            <a:endParaRPr lang="zh-TW" altLang="en-US" dirty="0"/>
-          </a:p>
-        </p:txBody>
-      </p:sp>
-      <p:sp>
-        <p:nvSpPr>
-          <p:cNvPr id="3" name="Content Placeholder 2">
-            <a:extLst>
-              <a:ext uri="{FF2B5EF4-FFF2-40B4-BE49-F238E27FC236}">
-                <a16:creationId xmlns:a16="http://schemas.microsoft.com/office/drawing/2014/main" id="{FF48FE30-C0EB-49EB-8A4A-7DA7BC9016C9}"/>
-              </a:ext>
-            </a:extLst>
-          </p:cNvPr>
-          <p:cNvSpPr>
-            <a:spLocks noGrp="1"/>
-          </p:cNvSpPr>
-          <p:nvPr>
-            <p:ph idx="1"/>
-          </p:nvPr>
-        </p:nvSpPr>
-        <p:spPr/>
-        <p:txBody>
-          <a:bodyPr/>
-          <a:lstStyle/>
-          <a:p>
-            <a:r>
-              <a:rPr lang="en-GB" altLang="zh-TW" dirty="0"/>
-              <a:t>Almost the same as inserting an element…</a:t>
-            </a:r>
-          </a:p>
-          <a:p>
-            <a:endParaRPr lang="en-GB" altLang="zh-TW" dirty="0"/>
-          </a:p>
-          <a:p>
-            <a:r>
-              <a:rPr lang="en-GB" altLang="zh-TW" dirty="0"/>
-              <a:t>What happens if we want to delete the root?</a:t>
-            </a:r>
-          </a:p>
-          <a:p>
-            <a:endParaRPr lang="en-GB" altLang="zh-TW" dirty="0"/>
-          </a:p>
-          <a:p>
-            <a:endParaRPr lang="en-GB" altLang="zh-TW" dirty="0"/>
-          </a:p>
-          <a:p>
-            <a:r>
-              <a:rPr lang="en-GB" altLang="zh-TW" dirty="0"/>
-              <a:t>                                                         ------</a:t>
-            </a:r>
-            <a:r>
-              <a:rPr lang="en-GB" altLang="zh-TW" dirty="0">
-                <a:sym typeface="Wingdings" panose="05000000000000000000" pitchFamily="2" charset="2"/>
-              </a:rPr>
-              <a:t> ???</a:t>
-            </a:r>
-            <a:endParaRPr lang="en-GB" altLang="zh-TW" dirty="0"/>
-          </a:p>
-        </p:txBody>
-      </p:sp>
-      <p:pic>
-        <p:nvPicPr>
-          <p:cNvPr id="4" name="Picture 3">
-            <a:extLst>
-              <a:ext uri="{FF2B5EF4-FFF2-40B4-BE49-F238E27FC236}">
-                <a16:creationId xmlns:a16="http://schemas.microsoft.com/office/drawing/2014/main" id="{A0D9BADC-0D52-46CA-A3BD-AD7CDA78D0CB}"/>
-              </a:ext>
-            </a:extLst>
-          </p:cNvPr>
-          <p:cNvPicPr>
-            <a:picLocks noChangeAspect="1"/>
-          </p:cNvPicPr>
-          <p:nvPr/>
-        </p:nvPicPr>
-        <p:blipFill>
-          <a:blip r:embed="rId2"/>
-          <a:stretch>
-            <a:fillRect/>
-          </a:stretch>
-        </p:blipFill>
-        <p:spPr>
-          <a:xfrm>
-            <a:off x="2305025" y="3605590"/>
-            <a:ext cx="3752447" cy="2706310"/>
-          </a:xfrm>
-          <a:prstGeom prst="rect">
-            <a:avLst/>
-          </a:prstGeom>
-        </p:spPr>
-      </p:pic>
-    </p:spTree>
-    <p:extLst>
-      <p:ext uri="{BB962C8B-B14F-4D97-AF65-F5344CB8AC3E}">
-        <p14:creationId xmlns:p14="http://schemas.microsoft.com/office/powerpoint/2010/main" val="2265533282"/>
       </p:ext>
     </p:extLst>
   </p:cSld>
@@ -6313,7 +6344,7 @@
           <p:cNvPr id="2" name="Title 1">
             <a:extLst>
               <a:ext uri="{FF2B5EF4-FFF2-40B4-BE49-F238E27FC236}">
-                <a16:creationId xmlns:a16="http://schemas.microsoft.com/office/drawing/2014/main" id="{653C5CEA-0728-475D-805E-FC43FACBF39C}"/>
+                <a16:creationId xmlns:a16="http://schemas.microsoft.com/office/drawing/2014/main" id="{CD15A09F-9E7C-4AA7-86CC-EB5F5DDC08CF}"/>
               </a:ext>
             </a:extLst>
           </p:cNvPr>
@@ -6329,7 +6360,11 @@
           <a:bodyPr/>
           <a:lstStyle/>
           <a:p>
-            <a:endParaRPr lang="zh-TW" altLang="en-US"/>
+            <a:r>
+              <a:rPr lang="en-GB" altLang="zh-TW" dirty="0"/>
+              <a:t>Delete an element</a:t>
+            </a:r>
+            <a:endParaRPr lang="zh-TW" altLang="en-US" dirty="0"/>
           </a:p>
         </p:txBody>
       </p:sp>
@@ -6338,7 +6373,7 @@
           <p:cNvPr id="3" name="Content Placeholder 2">
             <a:extLst>
               <a:ext uri="{FF2B5EF4-FFF2-40B4-BE49-F238E27FC236}">
-                <a16:creationId xmlns:a16="http://schemas.microsoft.com/office/drawing/2014/main" id="{92172978-5D13-4208-8DC2-2C63355D0EF7}"/>
+                <a16:creationId xmlns:a16="http://schemas.microsoft.com/office/drawing/2014/main" id="{FF48FE30-C0EB-49EB-8A4A-7DA7BC9016C9}"/>
               </a:ext>
             </a:extLst>
           </p:cNvPr>
@@ -6356,30 +6391,45 @@
           <a:p>
             <a:r>
               <a:rPr lang="en-GB" altLang="zh-TW" dirty="0"/>
-              <a:t>We replace the root by </a:t>
+              <a:t>Almost the same as inserting an element…</a:t>
+            </a:r>
+          </a:p>
+          <a:p>
+            <a:endParaRPr lang="en-GB" altLang="zh-TW" dirty="0"/>
+          </a:p>
+          <a:p>
+            <a:r>
+              <a:rPr lang="en-GB" altLang="zh-TW" dirty="0"/>
+              <a:t>What happens if we want to delete the root?</a:t>
+            </a:r>
+          </a:p>
+          <a:p>
+            <a:endParaRPr lang="en-GB" altLang="zh-TW" dirty="0"/>
+          </a:p>
+          <a:p>
+            <a:endParaRPr lang="en-GB" altLang="zh-TW" dirty="0"/>
+          </a:p>
+          <a:p>
+            <a:r>
+              <a:rPr lang="en-GB" altLang="zh-TW" dirty="0"/>
+              <a:t>                                                         ------</a:t>
             </a:r>
             <a:r>
               <a:rPr lang="en-GB" altLang="zh-TW" dirty="0">
-                <a:solidFill>
-                  <a:srgbClr val="FF0000"/>
-                </a:solidFill>
+                <a:sym typeface="Wingdings" panose="05000000000000000000" pitchFamily="2" charset="2"/>
               </a:rPr>
-              <a:t>min(R)</a:t>
-            </a:r>
-            <a:endParaRPr lang="zh-TW" altLang="en-US" dirty="0">
-              <a:solidFill>
-                <a:srgbClr val="FF0000"/>
-              </a:solidFill>
-            </a:endParaRPr>
+              <a:t> ???</a:t>
+            </a:r>
+            <a:endParaRPr lang="en-GB" altLang="zh-TW" dirty="0"/>
           </a:p>
         </p:txBody>
       </p:sp>
       <p:pic>
         <p:nvPicPr>
-          <p:cNvPr id="5" name="Picture 4">
-            <a:extLst>
-              <a:ext uri="{FF2B5EF4-FFF2-40B4-BE49-F238E27FC236}">
-                <a16:creationId xmlns:a16="http://schemas.microsoft.com/office/drawing/2014/main" id="{41D09737-0B54-4ECE-AFB0-FB375BF49F98}"/>
+          <p:cNvPr id="4" name="Picture 3">
+            <a:extLst>
+              <a:ext uri="{FF2B5EF4-FFF2-40B4-BE49-F238E27FC236}">
+                <a16:creationId xmlns:a16="http://schemas.microsoft.com/office/drawing/2014/main" id="{A0D9BADC-0D52-46CA-A3BD-AD7CDA78D0CB}"/>
               </a:ext>
             </a:extLst>
           </p:cNvPr>
@@ -6396,7 +6446,135 @@
         </p:blipFill>
         <p:spPr>
           <a:xfrm>
-            <a:off x="2087865" y="2696705"/>
+            <a:off x="2305025" y="3605590"/>
+            <a:ext cx="3752447" cy="2706310"/>
+          </a:xfrm>
+          <a:prstGeom prst="rect">
+            <a:avLst/>
+          </a:prstGeom>
+        </p:spPr>
+      </p:pic>
+    </p:spTree>
+    <p:extLst>
+      <p:ext uri="{BB962C8B-B14F-4D97-AF65-F5344CB8AC3E}">
+        <p14:creationId xmlns:p14="http://schemas.microsoft.com/office/powerpoint/2010/main" val="2265533282"/>
+      </p:ext>
+    </p:extLst>
+  </p:cSld>
+  <p:clrMapOvr>
+    <a:masterClrMapping/>
+  </p:clrMapOvr>
+</p:sld>
+</file>
+
+<file path=ppt/slides/slide31.xml><?xml version="1.0" encoding="utf-8"?>
+<p:sld xmlns:a="http://schemas.openxmlformats.org/drawingml/2006/main" xmlns:r="http://schemas.openxmlformats.org/officeDocument/2006/relationships" xmlns:p="http://schemas.openxmlformats.org/presentationml/2006/main">
+  <p:cSld>
+    <p:spTree>
+      <p:nvGrpSpPr>
+        <p:cNvPr id="1" name=""/>
+        <p:cNvGrpSpPr/>
+        <p:nvPr/>
+      </p:nvGrpSpPr>
+      <p:grpSpPr>
+        <a:xfrm>
+          <a:off x="0" y="0"/>
+          <a:ext cx="0" cy="0"/>
+          <a:chOff x="0" y="0"/>
+          <a:chExt cx="0" cy="0"/>
+        </a:xfrm>
+      </p:grpSpPr>
+      <p:sp>
+        <p:nvSpPr>
+          <p:cNvPr id="2" name="Title 1">
+            <a:extLst>
+              <a:ext uri="{FF2B5EF4-FFF2-40B4-BE49-F238E27FC236}">
+                <a16:creationId xmlns:a16="http://schemas.microsoft.com/office/drawing/2014/main" id="{653C5CEA-0728-475D-805E-FC43FACBF39C}"/>
+              </a:ext>
+            </a:extLst>
+          </p:cNvPr>
+          <p:cNvSpPr>
+            <a:spLocks noGrp="1"/>
+          </p:cNvSpPr>
+          <p:nvPr>
+            <p:ph type="title"/>
+          </p:nvPr>
+        </p:nvSpPr>
+        <p:spPr/>
+        <p:txBody>
+          <a:bodyPr/>
+          <a:lstStyle/>
+          <a:p>
+            <a:endParaRPr lang="zh-TW" altLang="en-US"/>
+          </a:p>
+        </p:txBody>
+      </p:sp>
+      <p:sp>
+        <p:nvSpPr>
+          <p:cNvPr id="3" name="Content Placeholder 2">
+            <a:extLst>
+              <a:ext uri="{FF2B5EF4-FFF2-40B4-BE49-F238E27FC236}">
+                <a16:creationId xmlns:a16="http://schemas.microsoft.com/office/drawing/2014/main" id="{92172978-5D13-4208-8DC2-2C63355D0EF7}"/>
+              </a:ext>
+            </a:extLst>
+          </p:cNvPr>
+          <p:cNvSpPr>
+            <a:spLocks noGrp="1"/>
+          </p:cNvSpPr>
+          <p:nvPr>
+            <p:ph idx="1"/>
+          </p:nvPr>
+        </p:nvSpPr>
+        <p:spPr/>
+        <p:txBody>
+          <a:bodyPr/>
+          <a:lstStyle/>
+          <a:p>
+            <a:r>
+              <a:rPr lang="en-GB" altLang="zh-TW" dirty="0"/>
+              <a:t>We replace the root by </a:t>
+            </a:r>
+            <a:r>
+              <a:rPr lang="en-GB" altLang="zh-TW" dirty="0">
+                <a:solidFill>
+                  <a:srgbClr val="FF0000"/>
+                </a:solidFill>
+              </a:rPr>
+              <a:t>min(R)</a:t>
+            </a:r>
+          </a:p>
+          <a:p>
+            <a:r>
+              <a:rPr lang="en-US" altLang="zh-TW" dirty="0"/>
+              <a:t>Or by max(L), depending on the implementation</a:t>
+            </a:r>
+            <a:endParaRPr lang="zh-TW" altLang="en-US" dirty="0"/>
+          </a:p>
+        </p:txBody>
+      </p:sp>
+      <p:pic>
+        <p:nvPicPr>
+          <p:cNvPr id="5" name="Picture 4">
+            <a:extLst>
+              <a:ext uri="{FF2B5EF4-FFF2-40B4-BE49-F238E27FC236}">
+                <a16:creationId xmlns:a16="http://schemas.microsoft.com/office/drawing/2014/main" id="{41D09737-0B54-4ECE-AFB0-FB375BF49F98}"/>
+              </a:ext>
+            </a:extLst>
+          </p:cNvPr>
+          <p:cNvPicPr>
+            <a:picLocks noChangeAspect="1"/>
+          </p:cNvPicPr>
+          <p:nvPr/>
+        </p:nvPicPr>
+        <p:blipFill>
+          <a:blip r:embed="rId2"/>
+          <a:stretch>
+            <a:fillRect/>
+          </a:stretch>
+        </p:blipFill>
+        <p:spPr>
+          <a:xfrm>
+            <a:off x="2026220" y="3066575"/>
             <a:ext cx="8253487" cy="2805106"/>
           </a:xfrm>
           <a:prstGeom prst="rect">
@@ -6417,7 +6595,7 @@
 </p:sld>
 </file>
 
-<file path=ppt/slides/slide31.xml><?xml version="1.0" encoding="utf-8"?>
+<file path=ppt/slides/slide32.xml><?xml version="1.0" encoding="utf-8"?>
 <p:sld xmlns:a="http://schemas.openxmlformats.org/drawingml/2006/main" xmlns:r="http://schemas.openxmlformats.org/officeDocument/2006/relationships" xmlns:p="http://schemas.openxmlformats.org/presentationml/2006/main">
   <p:cSld>
     <p:spTree>
@@ -6622,7 +6800,7 @@
 </p:sld>
 </file>
 
-<file path=ppt/slides/slide32.xml><?xml version="1.0" encoding="utf-8"?>
+<file path=ppt/slides/slide33.xml><?xml version="1.0" encoding="utf-8"?>
 <p:sld xmlns:a="http://schemas.openxmlformats.org/drawingml/2006/main" xmlns:r="http://schemas.openxmlformats.org/officeDocument/2006/relationships" xmlns:p="http://schemas.openxmlformats.org/presentationml/2006/main">
   <p:cSld>
     <p:spTree>
@@ -6740,7 +6918,7 @@
 </p:sld>
 </file>
 
-<file path=ppt/slides/slide33.xml><?xml version="1.0" encoding="utf-8"?>
+<file path=ppt/slides/slide34.xml><?xml version="1.0" encoding="utf-8"?>
 <p:sld xmlns:a="http://schemas.openxmlformats.org/drawingml/2006/main" xmlns:r="http://schemas.openxmlformats.org/officeDocument/2006/relationships" xmlns:p="http://schemas.openxmlformats.org/presentationml/2006/main">
   <p:cSld>
     <p:spTree>
@@ -6985,7 +7163,7 @@
 </p:sld>
 </file>
 
-<file path=ppt/slides/slide34.xml><?xml version="1.0" encoding="utf-8"?>
+<file path=ppt/slides/slide35.xml><?xml version="1.0" encoding="utf-8"?>
 <p:sld xmlns:a="http://schemas.openxmlformats.org/drawingml/2006/main" xmlns:r="http://schemas.openxmlformats.org/officeDocument/2006/relationships" xmlns:p="http://schemas.openxmlformats.org/presentationml/2006/main">
   <p:cSld>
     <p:spTree>
@@ -7133,94 +7311,6 @@
 </p:sld>
 </file>
 
-<file path=ppt/slides/slide35.xml><?xml version="1.0" encoding="utf-8"?>
-<p:sld xmlns:a="http://schemas.openxmlformats.org/drawingml/2006/main" xmlns:r="http://schemas.openxmlformats.org/officeDocument/2006/relationships" xmlns:p="http://schemas.openxmlformats.org/presentationml/2006/main">
-  <p:cSld>
-    <p:spTree>
-      <p:nvGrpSpPr>
-        <p:cNvPr id="1" name=""/>
-        <p:cNvGrpSpPr/>
-        <p:nvPr/>
-      </p:nvGrpSpPr>
-      <p:grpSpPr>
-        <a:xfrm>
-          <a:off x="0" y="0"/>
-          <a:ext cx="0" cy="0"/>
-          <a:chOff x="0" y="0"/>
-          <a:chExt cx="0" cy="0"/>
-        </a:xfrm>
-      </p:grpSpPr>
-      <p:sp>
-        <p:nvSpPr>
-          <p:cNvPr id="2" name="Title 1">
-            <a:extLst>
-              <a:ext uri="{FF2B5EF4-FFF2-40B4-BE49-F238E27FC236}">
-                <a16:creationId xmlns:a16="http://schemas.microsoft.com/office/drawing/2014/main" id="{1DAA5883-F40A-4A38-AE0C-F8FC8FB6D5C8}"/>
-              </a:ext>
-            </a:extLst>
-          </p:cNvPr>
-          <p:cNvSpPr>
-            <a:spLocks noGrp="1"/>
-          </p:cNvSpPr>
-          <p:nvPr>
-            <p:ph type="title"/>
-          </p:nvPr>
-        </p:nvSpPr>
-        <p:spPr/>
-        <p:txBody>
-          <a:bodyPr/>
-          <a:lstStyle/>
-          <a:p>
-            <a:r>
-              <a:rPr lang="en-GB" altLang="zh-TW" dirty="0"/>
-              <a:t>We still want to avoid the worst case</a:t>
-            </a:r>
-            <a:endParaRPr lang="zh-TW" altLang="en-US" dirty="0"/>
-          </a:p>
-        </p:txBody>
-      </p:sp>
-      <p:sp>
-        <p:nvSpPr>
-          <p:cNvPr id="3" name="Content Placeholder 2">
-            <a:extLst>
-              <a:ext uri="{FF2B5EF4-FFF2-40B4-BE49-F238E27FC236}">
-                <a16:creationId xmlns:a16="http://schemas.microsoft.com/office/drawing/2014/main" id="{818B974C-15EF-4B17-AD6E-1C5199B63C98}"/>
-              </a:ext>
-            </a:extLst>
-          </p:cNvPr>
-          <p:cNvSpPr>
-            <a:spLocks noGrp="1"/>
-          </p:cNvSpPr>
-          <p:nvPr>
-            <p:ph idx="1"/>
-          </p:nvPr>
-        </p:nvSpPr>
-        <p:spPr/>
-        <p:txBody>
-          <a:bodyPr/>
-          <a:lstStyle/>
-          <a:p>
-            <a:r>
-              <a:rPr lang="en-GB" altLang="zh-TW" dirty="0"/>
-              <a:t>We need to balance the tree</a:t>
-            </a:r>
-            <a:endParaRPr lang="zh-TW" altLang="en-US" dirty="0"/>
-          </a:p>
-        </p:txBody>
-      </p:sp>
-    </p:spTree>
-    <p:extLst>
-      <p:ext uri="{BB962C8B-B14F-4D97-AF65-F5344CB8AC3E}">
-        <p14:creationId xmlns:p14="http://schemas.microsoft.com/office/powerpoint/2010/main" val="1485305055"/>
-      </p:ext>
-    </p:extLst>
-  </p:cSld>
-  <p:clrMapOvr>
-    <a:masterClrMapping/>
-  </p:clrMapOvr>
-</p:sld>
-</file>
-
 <file path=ppt/slides/slide36.xml><?xml version="1.0" encoding="utf-8"?>
 <p:sld xmlns:a="http://schemas.openxmlformats.org/drawingml/2006/main" xmlns:r="http://schemas.openxmlformats.org/officeDocument/2006/relationships" xmlns:p="http://schemas.openxmlformats.org/presentationml/2006/main">
   <p:cSld>
@@ -7243,6 +7333,94 @@
           <p:cNvPr id="2" name="Title 1">
             <a:extLst>
               <a:ext uri="{FF2B5EF4-FFF2-40B4-BE49-F238E27FC236}">
+                <a16:creationId xmlns:a16="http://schemas.microsoft.com/office/drawing/2014/main" id="{1DAA5883-F40A-4A38-AE0C-F8FC8FB6D5C8}"/>
+              </a:ext>
+            </a:extLst>
+          </p:cNvPr>
+          <p:cNvSpPr>
+            <a:spLocks noGrp="1"/>
+          </p:cNvSpPr>
+          <p:nvPr>
+            <p:ph type="title"/>
+          </p:nvPr>
+        </p:nvSpPr>
+        <p:spPr/>
+        <p:txBody>
+          <a:bodyPr/>
+          <a:lstStyle/>
+          <a:p>
+            <a:r>
+              <a:rPr lang="en-GB" altLang="zh-TW" dirty="0"/>
+              <a:t>We still want to avoid the worst case</a:t>
+            </a:r>
+            <a:endParaRPr lang="zh-TW" altLang="en-US" dirty="0"/>
+          </a:p>
+        </p:txBody>
+      </p:sp>
+      <p:sp>
+        <p:nvSpPr>
+          <p:cNvPr id="3" name="Content Placeholder 2">
+            <a:extLst>
+              <a:ext uri="{FF2B5EF4-FFF2-40B4-BE49-F238E27FC236}">
+                <a16:creationId xmlns:a16="http://schemas.microsoft.com/office/drawing/2014/main" id="{818B974C-15EF-4B17-AD6E-1C5199B63C98}"/>
+              </a:ext>
+            </a:extLst>
+          </p:cNvPr>
+          <p:cNvSpPr>
+            <a:spLocks noGrp="1"/>
+          </p:cNvSpPr>
+          <p:nvPr>
+            <p:ph idx="1"/>
+          </p:nvPr>
+        </p:nvSpPr>
+        <p:spPr/>
+        <p:txBody>
+          <a:bodyPr/>
+          <a:lstStyle/>
+          <a:p>
+            <a:r>
+              <a:rPr lang="en-GB" altLang="zh-TW" dirty="0"/>
+              <a:t>We need to balance the tree</a:t>
+            </a:r>
+            <a:endParaRPr lang="zh-TW" altLang="en-US" dirty="0"/>
+          </a:p>
+        </p:txBody>
+      </p:sp>
+    </p:spTree>
+    <p:extLst>
+      <p:ext uri="{BB962C8B-B14F-4D97-AF65-F5344CB8AC3E}">
+        <p14:creationId xmlns:p14="http://schemas.microsoft.com/office/powerpoint/2010/main" val="1485305055"/>
+      </p:ext>
+    </p:extLst>
+  </p:cSld>
+  <p:clrMapOvr>
+    <a:masterClrMapping/>
+  </p:clrMapOvr>
+</p:sld>
+</file>
+
+<file path=ppt/slides/slide37.xml><?xml version="1.0" encoding="utf-8"?>
+<p:sld xmlns:a="http://schemas.openxmlformats.org/drawingml/2006/main" xmlns:r="http://schemas.openxmlformats.org/officeDocument/2006/relationships" xmlns:p="http://schemas.openxmlformats.org/presentationml/2006/main">
+  <p:cSld>
+    <p:spTree>
+      <p:nvGrpSpPr>
+        <p:cNvPr id="1" name=""/>
+        <p:cNvGrpSpPr/>
+        <p:nvPr/>
+      </p:nvGrpSpPr>
+      <p:grpSpPr>
+        <a:xfrm>
+          <a:off x="0" y="0"/>
+          <a:ext cx="0" cy="0"/>
+          <a:chOff x="0" y="0"/>
+          <a:chExt cx="0" cy="0"/>
+        </a:xfrm>
+      </p:grpSpPr>
+      <p:sp>
+        <p:nvSpPr>
+          <p:cNvPr id="2" name="Title 1">
+            <a:extLst>
+              <a:ext uri="{FF2B5EF4-FFF2-40B4-BE49-F238E27FC236}">
                 <a16:creationId xmlns:a16="http://schemas.microsoft.com/office/drawing/2014/main" id="{BA327913-3F46-4B9E-8B56-55C86291A6EC}"/>
               </a:ext>
             </a:extLst>
@@ -7321,7 +7499,7 @@
 </p:sld>
 </file>
 
-<file path=ppt/slides/slide37.xml><?xml version="1.0" encoding="utf-8"?>
+<file path=ppt/slides/slide38.xml><?xml version="1.0" encoding="utf-8"?>
 <p:sld xmlns:a="http://schemas.openxmlformats.org/drawingml/2006/main" xmlns:r="http://schemas.openxmlformats.org/officeDocument/2006/relationships" xmlns:p="http://schemas.openxmlformats.org/presentationml/2006/main">
   <p:cSld>
     <p:spTree>
@@ -7578,7 +7756,7 @@
 </p:sld>
 </file>
 
-<file path=ppt/slides/slide38.xml><?xml version="1.0" encoding="utf-8"?>
+<file path=ppt/slides/slide39.xml><?xml version="1.0" encoding="utf-8"?>
 <p:sld xmlns:a="http://schemas.openxmlformats.org/drawingml/2006/main" xmlns:r="http://schemas.openxmlformats.org/officeDocument/2006/relationships" xmlns:p="http://schemas.openxmlformats.org/presentationml/2006/main">
   <p:cSld>
     <p:spTree>
@@ -7683,120 +7861,6 @@
     <p:extLst>
       <p:ext uri="{BB962C8B-B14F-4D97-AF65-F5344CB8AC3E}">
         <p14:creationId xmlns:p14="http://schemas.microsoft.com/office/powerpoint/2010/main" val="2515888201"/>
-      </p:ext>
-    </p:extLst>
-  </p:cSld>
-  <p:clrMapOvr>
-    <a:masterClrMapping/>
-  </p:clrMapOvr>
-</p:sld>
-</file>
-
-<file path=ppt/slides/slide39.xml><?xml version="1.0" encoding="utf-8"?>
-<p:sld xmlns:a="http://schemas.openxmlformats.org/drawingml/2006/main" xmlns:r="http://schemas.openxmlformats.org/officeDocument/2006/relationships" xmlns:p="http://schemas.openxmlformats.org/presentationml/2006/main">
-  <p:cSld>
-    <p:spTree>
-      <p:nvGrpSpPr>
-        <p:cNvPr id="1" name=""/>
-        <p:cNvGrpSpPr/>
-        <p:nvPr/>
-      </p:nvGrpSpPr>
-      <p:grpSpPr>
-        <a:xfrm>
-          <a:off x="0" y="0"/>
-          <a:ext cx="0" cy="0"/>
-          <a:chOff x="0" y="0"/>
-          <a:chExt cx="0" cy="0"/>
-        </a:xfrm>
-      </p:grpSpPr>
-      <p:sp>
-        <p:nvSpPr>
-          <p:cNvPr id="2" name="Title 1">
-            <a:extLst>
-              <a:ext uri="{FF2B5EF4-FFF2-40B4-BE49-F238E27FC236}">
-                <a16:creationId xmlns:a16="http://schemas.microsoft.com/office/drawing/2014/main" id="{F0EA3609-B579-428B-A4AE-9FAB457B8682}"/>
-              </a:ext>
-            </a:extLst>
-          </p:cNvPr>
-          <p:cNvSpPr>
-            <a:spLocks noGrp="1"/>
-          </p:cNvSpPr>
-          <p:nvPr>
-            <p:ph type="title"/>
-          </p:nvPr>
-        </p:nvSpPr>
-        <p:spPr/>
-        <p:txBody>
-          <a:bodyPr/>
-          <a:lstStyle/>
-          <a:p>
-            <a:r>
-              <a:rPr lang="en-GB" altLang="zh-TW" dirty="0"/>
-              <a:t>Counter example</a:t>
-            </a:r>
-            <a:endParaRPr lang="zh-TW" altLang="en-US" dirty="0"/>
-          </a:p>
-        </p:txBody>
-      </p:sp>
-      <p:sp>
-        <p:nvSpPr>
-          <p:cNvPr id="3" name="Content Placeholder 2">
-            <a:extLst>
-              <a:ext uri="{FF2B5EF4-FFF2-40B4-BE49-F238E27FC236}">
-                <a16:creationId xmlns:a16="http://schemas.microsoft.com/office/drawing/2014/main" id="{45222C32-8737-4CC4-8B54-F7F5ACECAD4D}"/>
-              </a:ext>
-            </a:extLst>
-          </p:cNvPr>
-          <p:cNvSpPr>
-            <a:spLocks noGrp="1"/>
-          </p:cNvSpPr>
-          <p:nvPr>
-            <p:ph idx="1"/>
-          </p:nvPr>
-        </p:nvSpPr>
-        <p:spPr/>
-        <p:txBody>
-          <a:bodyPr/>
-          <a:lstStyle/>
-          <a:p>
-            <a:endParaRPr lang="zh-TW" altLang="en-US"/>
-          </a:p>
-        </p:txBody>
-      </p:sp>
-      <p:pic>
-        <p:nvPicPr>
-          <p:cNvPr id="4" name="Picture 3">
-            <a:extLst>
-              <a:ext uri="{FF2B5EF4-FFF2-40B4-BE49-F238E27FC236}">
-                <a16:creationId xmlns:a16="http://schemas.microsoft.com/office/drawing/2014/main" id="{679EB5E1-62F4-4462-BE9B-7F40C8336A81}"/>
-              </a:ext>
-            </a:extLst>
-          </p:cNvPr>
-          <p:cNvPicPr>
-            <a:picLocks noChangeAspect="1"/>
-          </p:cNvPicPr>
-          <p:nvPr/>
-        </p:nvPicPr>
-        <p:blipFill>
-          <a:blip r:embed="rId2"/>
-          <a:stretch>
-            <a:fillRect/>
-          </a:stretch>
-        </p:blipFill>
-        <p:spPr>
-          <a:xfrm>
-            <a:off x="3376751" y="1916660"/>
-            <a:ext cx="4981276" cy="4260303"/>
-          </a:xfrm>
-          <a:prstGeom prst="rect">
-            <a:avLst/>
-          </a:prstGeom>
-        </p:spPr>
-      </p:pic>
-    </p:spTree>
-    <p:extLst>
-      <p:ext uri="{BB962C8B-B14F-4D97-AF65-F5344CB8AC3E}">
-        <p14:creationId xmlns:p14="http://schemas.microsoft.com/office/powerpoint/2010/main" val="4235088715"/>
       </p:ext>
     </p:extLst>
   </p:cSld>
@@ -7955,6 +8019,120 @@
 </file>
 
 <file path=ppt/slides/slide40.xml><?xml version="1.0" encoding="utf-8"?>
+<p:sld xmlns:a="http://schemas.openxmlformats.org/drawingml/2006/main" xmlns:r="http://schemas.openxmlformats.org/officeDocument/2006/relationships" xmlns:p="http://schemas.openxmlformats.org/presentationml/2006/main">
+  <p:cSld>
+    <p:spTree>
+      <p:nvGrpSpPr>
+        <p:cNvPr id="1" name=""/>
+        <p:cNvGrpSpPr/>
+        <p:nvPr/>
+      </p:nvGrpSpPr>
+      <p:grpSpPr>
+        <a:xfrm>
+          <a:off x="0" y="0"/>
+          <a:ext cx="0" cy="0"/>
+          <a:chOff x="0" y="0"/>
+          <a:chExt cx="0" cy="0"/>
+        </a:xfrm>
+      </p:grpSpPr>
+      <p:sp>
+        <p:nvSpPr>
+          <p:cNvPr id="2" name="Title 1">
+            <a:extLst>
+              <a:ext uri="{FF2B5EF4-FFF2-40B4-BE49-F238E27FC236}">
+                <a16:creationId xmlns:a16="http://schemas.microsoft.com/office/drawing/2014/main" id="{F0EA3609-B579-428B-A4AE-9FAB457B8682}"/>
+              </a:ext>
+            </a:extLst>
+          </p:cNvPr>
+          <p:cNvSpPr>
+            <a:spLocks noGrp="1"/>
+          </p:cNvSpPr>
+          <p:nvPr>
+            <p:ph type="title"/>
+          </p:nvPr>
+        </p:nvSpPr>
+        <p:spPr/>
+        <p:txBody>
+          <a:bodyPr/>
+          <a:lstStyle/>
+          <a:p>
+            <a:r>
+              <a:rPr lang="en-GB" altLang="zh-TW" dirty="0"/>
+              <a:t>Counter example</a:t>
+            </a:r>
+            <a:endParaRPr lang="zh-TW" altLang="en-US" dirty="0"/>
+          </a:p>
+        </p:txBody>
+      </p:sp>
+      <p:sp>
+        <p:nvSpPr>
+          <p:cNvPr id="3" name="Content Placeholder 2">
+            <a:extLst>
+              <a:ext uri="{FF2B5EF4-FFF2-40B4-BE49-F238E27FC236}">
+                <a16:creationId xmlns:a16="http://schemas.microsoft.com/office/drawing/2014/main" id="{45222C32-8737-4CC4-8B54-F7F5ACECAD4D}"/>
+              </a:ext>
+            </a:extLst>
+          </p:cNvPr>
+          <p:cNvSpPr>
+            <a:spLocks noGrp="1"/>
+          </p:cNvSpPr>
+          <p:nvPr>
+            <p:ph idx="1"/>
+          </p:nvPr>
+        </p:nvSpPr>
+        <p:spPr/>
+        <p:txBody>
+          <a:bodyPr/>
+          <a:lstStyle/>
+          <a:p>
+            <a:endParaRPr lang="zh-TW" altLang="en-US"/>
+          </a:p>
+        </p:txBody>
+      </p:sp>
+      <p:pic>
+        <p:nvPicPr>
+          <p:cNvPr id="4" name="Picture 3">
+            <a:extLst>
+              <a:ext uri="{FF2B5EF4-FFF2-40B4-BE49-F238E27FC236}">
+                <a16:creationId xmlns:a16="http://schemas.microsoft.com/office/drawing/2014/main" id="{679EB5E1-62F4-4462-BE9B-7F40C8336A81}"/>
+              </a:ext>
+            </a:extLst>
+          </p:cNvPr>
+          <p:cNvPicPr>
+            <a:picLocks noChangeAspect="1"/>
+          </p:cNvPicPr>
+          <p:nvPr/>
+        </p:nvPicPr>
+        <p:blipFill>
+          <a:blip r:embed="rId2"/>
+          <a:stretch>
+            <a:fillRect/>
+          </a:stretch>
+        </p:blipFill>
+        <p:spPr>
+          <a:xfrm>
+            <a:off x="3376751" y="1916660"/>
+            <a:ext cx="4981276" cy="4260303"/>
+          </a:xfrm>
+          <a:prstGeom prst="rect">
+            <a:avLst/>
+          </a:prstGeom>
+        </p:spPr>
+      </p:pic>
+    </p:spTree>
+    <p:extLst>
+      <p:ext uri="{BB962C8B-B14F-4D97-AF65-F5344CB8AC3E}">
+        <p14:creationId xmlns:p14="http://schemas.microsoft.com/office/powerpoint/2010/main" val="4235088715"/>
+      </p:ext>
+    </p:extLst>
+  </p:cSld>
+  <p:clrMapOvr>
+    <a:masterClrMapping/>
+  </p:clrMapOvr>
+</p:sld>
+</file>
+
+<file path=ppt/slides/slide41.xml><?xml version="1.0" encoding="utf-8"?>
 <p:sld xmlns:a="http://schemas.openxmlformats.org/drawingml/2006/main" xmlns:r="http://schemas.openxmlformats.org/officeDocument/2006/relationships" xmlns:p="http://schemas.openxmlformats.org/presentationml/2006/main">
   <p:cSld>
     <p:spTree>
@@ -8151,7 +8329,7 @@
 </p:sld>
 </file>
 
-<file path=ppt/slides/slide41.xml><?xml version="1.0" encoding="utf-8"?>
+<file path=ppt/slides/slide42.xml><?xml version="1.0" encoding="utf-8"?>
 <p:sld xmlns:a="http://schemas.openxmlformats.org/drawingml/2006/main" xmlns:r="http://schemas.openxmlformats.org/officeDocument/2006/relationships" xmlns:p="http://schemas.openxmlformats.org/presentationml/2006/main">
   <p:cSld>
     <p:spTree>
@@ -8514,7 +8692,7 @@
 </p:sld>
 </file>
 
-<file path=ppt/slides/slide42.xml><?xml version="1.0" encoding="utf-8"?>
+<file path=ppt/slides/slide43.xml><?xml version="1.0" encoding="utf-8"?>
 <p:sld xmlns:a="http://schemas.openxmlformats.org/drawingml/2006/main" xmlns:r="http://schemas.openxmlformats.org/officeDocument/2006/relationships" xmlns:p="http://schemas.openxmlformats.org/presentationml/2006/main">
   <p:cSld>
     <p:spTree>
@@ -8979,7 +9157,7 @@
 </p:sld>
 </file>
 
-<file path=ppt/slides/slide43.xml><?xml version="1.0" encoding="utf-8"?>
+<file path=ppt/slides/slide44.xml><?xml version="1.0" encoding="utf-8"?>
 <p:sld xmlns:a="http://schemas.openxmlformats.org/drawingml/2006/main" xmlns:r="http://schemas.openxmlformats.org/officeDocument/2006/relationships" xmlns:p="http://schemas.openxmlformats.org/presentationml/2006/main">
   <p:cSld>
     <p:spTree>
@@ -9610,7 +9788,7 @@
 </p:sld>
 </file>
 
-<file path=ppt/slides/slide44.xml><?xml version="1.0" encoding="utf-8"?>
+<file path=ppt/slides/slide45.xml><?xml version="1.0" encoding="utf-8"?>
 <p:sld xmlns:a="http://schemas.openxmlformats.org/drawingml/2006/main" xmlns:r="http://schemas.openxmlformats.org/officeDocument/2006/relationships" xmlns:p="http://schemas.openxmlformats.org/presentationml/2006/main">
   <p:cSld>
     <p:spTree>
@@ -9704,7 +9882,7 @@
 </p:sld>
 </file>
 
-<file path=ppt/slides/slide45.xml><?xml version="1.0" encoding="utf-8"?>
+<file path=ppt/slides/slide46.xml><?xml version="1.0" encoding="utf-8"?>
 <p:sld xmlns:a="http://schemas.openxmlformats.org/drawingml/2006/main" xmlns:r="http://schemas.openxmlformats.org/officeDocument/2006/relationships" xmlns:p="http://schemas.openxmlformats.org/presentationml/2006/main">
   <p:cSld>
     <p:spTree>
@@ -9818,7 +9996,7 @@
 </p:sld>
 </file>
 
-<file path=ppt/slides/slide46.xml><?xml version="1.0" encoding="utf-8"?>
+<file path=ppt/slides/slide47.xml><?xml version="1.0" encoding="utf-8"?>
 <p:sld xmlns:a="http://schemas.openxmlformats.org/drawingml/2006/main" xmlns:r="http://schemas.openxmlformats.org/officeDocument/2006/relationships" xmlns:p="http://schemas.openxmlformats.org/presentationml/2006/main">
   <p:cSld>
     <p:spTree>
@@ -9990,7 +10168,7 @@
 </p:sld>
 </file>
 
-<file path=ppt/slides/slide47.xml><?xml version="1.0" encoding="utf-8"?>
+<file path=ppt/slides/slide48.xml><?xml version="1.0" encoding="utf-8"?>
 <p:sld xmlns:a="http://schemas.openxmlformats.org/drawingml/2006/main" xmlns:r="http://schemas.openxmlformats.org/officeDocument/2006/relationships" xmlns:p="http://schemas.openxmlformats.org/presentationml/2006/main">
   <p:cSld>
     <p:spTree>
@@ -10134,7 +10312,7 @@
 </p:sld>
 </file>
 
-<file path=ppt/slides/slide48.xml><?xml version="1.0" encoding="utf-8"?>
+<file path=ppt/slides/slide49.xml><?xml version="1.0" encoding="utf-8"?>
 <p:sld xmlns:a="http://schemas.openxmlformats.org/drawingml/2006/main" xmlns:r="http://schemas.openxmlformats.org/officeDocument/2006/relationships" xmlns:p="http://schemas.openxmlformats.org/presentationml/2006/main">
   <p:cSld>
     <p:spTree>
@@ -10239,116 +10417,6 @@
     <p:extLst>
       <p:ext uri="{BB962C8B-B14F-4D97-AF65-F5344CB8AC3E}">
         <p14:creationId xmlns:p14="http://schemas.microsoft.com/office/powerpoint/2010/main" val="266827228"/>
-      </p:ext>
-    </p:extLst>
-  </p:cSld>
-  <p:clrMapOvr>
-    <a:masterClrMapping/>
-  </p:clrMapOvr>
-</p:sld>
-</file>
-
-<file path=ppt/slides/slide49.xml><?xml version="1.0" encoding="utf-8"?>
-<p:sld xmlns:a="http://schemas.openxmlformats.org/drawingml/2006/main" xmlns:r="http://schemas.openxmlformats.org/officeDocument/2006/relationships" xmlns:p="http://schemas.openxmlformats.org/presentationml/2006/main">
-  <p:cSld>
-    <p:spTree>
-      <p:nvGrpSpPr>
-        <p:cNvPr id="1" name=""/>
-        <p:cNvGrpSpPr/>
-        <p:nvPr/>
-      </p:nvGrpSpPr>
-      <p:grpSpPr>
-        <a:xfrm>
-          <a:off x="0" y="0"/>
-          <a:ext cx="0" cy="0"/>
-          <a:chOff x="0" y="0"/>
-          <a:chExt cx="0" cy="0"/>
-        </a:xfrm>
-      </p:grpSpPr>
-      <p:sp>
-        <p:nvSpPr>
-          <p:cNvPr id="2" name="Title 1">
-            <a:extLst>
-              <a:ext uri="{FF2B5EF4-FFF2-40B4-BE49-F238E27FC236}">
-                <a16:creationId xmlns:a16="http://schemas.microsoft.com/office/drawing/2014/main" id="{6D32877B-6CA4-49FF-99D1-399CF4956337}"/>
-              </a:ext>
-            </a:extLst>
-          </p:cNvPr>
-          <p:cNvSpPr>
-            <a:spLocks noGrp="1"/>
-          </p:cNvSpPr>
-          <p:nvPr>
-            <p:ph type="title"/>
-          </p:nvPr>
-        </p:nvSpPr>
-        <p:spPr/>
-        <p:txBody>
-          <a:bodyPr/>
-          <a:lstStyle/>
-          <a:p>
-            <a:endParaRPr lang="zh-TW" altLang="en-US"/>
-          </a:p>
-        </p:txBody>
-      </p:sp>
-      <p:sp>
-        <p:nvSpPr>
-          <p:cNvPr id="3" name="Content Placeholder 2">
-            <a:extLst>
-              <a:ext uri="{FF2B5EF4-FFF2-40B4-BE49-F238E27FC236}">
-                <a16:creationId xmlns:a16="http://schemas.microsoft.com/office/drawing/2014/main" id="{0611175E-31CE-43C1-9B24-A9560914F359}"/>
-              </a:ext>
-            </a:extLst>
-          </p:cNvPr>
-          <p:cNvSpPr>
-            <a:spLocks noGrp="1"/>
-          </p:cNvSpPr>
-          <p:nvPr>
-            <p:ph idx="1"/>
-          </p:nvPr>
-        </p:nvSpPr>
-        <p:spPr/>
-        <p:txBody>
-          <a:bodyPr/>
-          <a:lstStyle/>
-          <a:p>
-            <a:endParaRPr lang="zh-TW" altLang="en-US"/>
-          </a:p>
-        </p:txBody>
-      </p:sp>
-      <p:pic>
-        <p:nvPicPr>
-          <p:cNvPr id="4" name="Picture 3">
-            <a:extLst>
-              <a:ext uri="{FF2B5EF4-FFF2-40B4-BE49-F238E27FC236}">
-                <a16:creationId xmlns:a16="http://schemas.microsoft.com/office/drawing/2014/main" id="{D0DAE017-CA4E-4821-8C2A-C4F0F6EF4EA7}"/>
-              </a:ext>
-            </a:extLst>
-          </p:cNvPr>
-          <p:cNvPicPr>
-            <a:picLocks noChangeAspect="1"/>
-          </p:cNvPicPr>
-          <p:nvPr/>
-        </p:nvPicPr>
-        <p:blipFill>
-          <a:blip r:embed="rId2"/>
-          <a:stretch>
-            <a:fillRect/>
-          </a:stretch>
-        </p:blipFill>
-        <p:spPr>
-          <a:xfrm>
-            <a:off x="2276990" y="765134"/>
-            <a:ext cx="7904699" cy="5498053"/>
-          </a:xfrm>
-          <a:prstGeom prst="rect">
-            <a:avLst/>
-          </a:prstGeom>
-        </p:spPr>
-      </p:pic>
-    </p:spTree>
-    <p:extLst>
-      <p:ext uri="{BB962C8B-B14F-4D97-AF65-F5344CB8AC3E}">
-        <p14:creationId xmlns:p14="http://schemas.microsoft.com/office/powerpoint/2010/main" val="3076898929"/>
       </p:ext>
     </p:extLst>
   </p:cSld>
@@ -10581,6 +10649,116 @@
           <p:cNvPr id="2" name="Title 1">
             <a:extLst>
               <a:ext uri="{FF2B5EF4-FFF2-40B4-BE49-F238E27FC236}">
+                <a16:creationId xmlns:a16="http://schemas.microsoft.com/office/drawing/2014/main" id="{6D32877B-6CA4-49FF-99D1-399CF4956337}"/>
+              </a:ext>
+            </a:extLst>
+          </p:cNvPr>
+          <p:cNvSpPr>
+            <a:spLocks noGrp="1"/>
+          </p:cNvSpPr>
+          <p:nvPr>
+            <p:ph type="title"/>
+          </p:nvPr>
+        </p:nvSpPr>
+        <p:spPr/>
+        <p:txBody>
+          <a:bodyPr/>
+          <a:lstStyle/>
+          <a:p>
+            <a:endParaRPr lang="zh-TW" altLang="en-US"/>
+          </a:p>
+        </p:txBody>
+      </p:sp>
+      <p:sp>
+        <p:nvSpPr>
+          <p:cNvPr id="3" name="Content Placeholder 2">
+            <a:extLst>
+              <a:ext uri="{FF2B5EF4-FFF2-40B4-BE49-F238E27FC236}">
+                <a16:creationId xmlns:a16="http://schemas.microsoft.com/office/drawing/2014/main" id="{0611175E-31CE-43C1-9B24-A9560914F359}"/>
+              </a:ext>
+            </a:extLst>
+          </p:cNvPr>
+          <p:cNvSpPr>
+            <a:spLocks noGrp="1"/>
+          </p:cNvSpPr>
+          <p:nvPr>
+            <p:ph idx="1"/>
+          </p:nvPr>
+        </p:nvSpPr>
+        <p:spPr/>
+        <p:txBody>
+          <a:bodyPr/>
+          <a:lstStyle/>
+          <a:p>
+            <a:endParaRPr lang="zh-TW" altLang="en-US"/>
+          </a:p>
+        </p:txBody>
+      </p:sp>
+      <p:pic>
+        <p:nvPicPr>
+          <p:cNvPr id="4" name="Picture 3">
+            <a:extLst>
+              <a:ext uri="{FF2B5EF4-FFF2-40B4-BE49-F238E27FC236}">
+                <a16:creationId xmlns:a16="http://schemas.microsoft.com/office/drawing/2014/main" id="{D0DAE017-CA4E-4821-8C2A-C4F0F6EF4EA7}"/>
+              </a:ext>
+            </a:extLst>
+          </p:cNvPr>
+          <p:cNvPicPr>
+            <a:picLocks noChangeAspect="1"/>
+          </p:cNvPicPr>
+          <p:nvPr/>
+        </p:nvPicPr>
+        <p:blipFill>
+          <a:blip r:embed="rId2"/>
+          <a:stretch>
+            <a:fillRect/>
+          </a:stretch>
+        </p:blipFill>
+        <p:spPr>
+          <a:xfrm>
+            <a:off x="2276990" y="765134"/>
+            <a:ext cx="7904699" cy="5498053"/>
+          </a:xfrm>
+          <a:prstGeom prst="rect">
+            <a:avLst/>
+          </a:prstGeom>
+        </p:spPr>
+      </p:pic>
+    </p:spTree>
+    <p:extLst>
+      <p:ext uri="{BB962C8B-B14F-4D97-AF65-F5344CB8AC3E}">
+        <p14:creationId xmlns:p14="http://schemas.microsoft.com/office/powerpoint/2010/main" val="3076898929"/>
+      </p:ext>
+    </p:extLst>
+  </p:cSld>
+  <p:clrMapOvr>
+    <a:masterClrMapping/>
+  </p:clrMapOvr>
+</p:sld>
+</file>
+
+<file path=ppt/slides/slide51.xml><?xml version="1.0" encoding="utf-8"?>
+<p:sld xmlns:a="http://schemas.openxmlformats.org/drawingml/2006/main" xmlns:r="http://schemas.openxmlformats.org/officeDocument/2006/relationships" xmlns:p="http://schemas.openxmlformats.org/presentationml/2006/main">
+  <p:cSld>
+    <p:spTree>
+      <p:nvGrpSpPr>
+        <p:cNvPr id="1" name=""/>
+        <p:cNvGrpSpPr/>
+        <p:nvPr/>
+      </p:nvGrpSpPr>
+      <p:grpSpPr>
+        <a:xfrm>
+          <a:off x="0" y="0"/>
+          <a:ext cx="0" cy="0"/>
+          <a:chOff x="0" y="0"/>
+          <a:chExt cx="0" cy="0"/>
+        </a:xfrm>
+      </p:grpSpPr>
+      <p:sp>
+        <p:nvSpPr>
+          <p:cNvPr id="2" name="Title 1">
+            <a:extLst>
+              <a:ext uri="{FF2B5EF4-FFF2-40B4-BE49-F238E27FC236}">
                 <a16:creationId xmlns:a16="http://schemas.microsoft.com/office/drawing/2014/main" id="{FE18E8BA-03C4-48AB-98B8-A98790A05753}"/>
               </a:ext>
             </a:extLst>
@@ -10707,104 +10885,6 @@
 </p:sld>
 </file>
 
-<file path=ppt/slides/slide51.xml><?xml version="1.0" encoding="utf-8"?>
-<p:sld xmlns:a="http://schemas.openxmlformats.org/drawingml/2006/main" xmlns:r="http://schemas.openxmlformats.org/officeDocument/2006/relationships" xmlns:p="http://schemas.openxmlformats.org/presentationml/2006/main">
-  <p:cSld>
-    <p:spTree>
-      <p:nvGrpSpPr>
-        <p:cNvPr id="1" name=""/>
-        <p:cNvGrpSpPr/>
-        <p:nvPr/>
-      </p:nvGrpSpPr>
-      <p:grpSpPr>
-        <a:xfrm>
-          <a:off x="0" y="0"/>
-          <a:ext cx="0" cy="0"/>
-          <a:chOff x="0" y="0"/>
-          <a:chExt cx="0" cy="0"/>
-        </a:xfrm>
-      </p:grpSpPr>
-      <p:sp>
-        <p:nvSpPr>
-          <p:cNvPr id="2" name="Title 1">
-            <a:extLst>
-              <a:ext uri="{FF2B5EF4-FFF2-40B4-BE49-F238E27FC236}">
-                <a16:creationId xmlns:a16="http://schemas.microsoft.com/office/drawing/2014/main" id="{38441E5F-2394-44E1-BB79-5DA7B6E75939}"/>
-              </a:ext>
-            </a:extLst>
-          </p:cNvPr>
-          <p:cNvSpPr>
-            <a:spLocks noGrp="1"/>
-          </p:cNvSpPr>
-          <p:nvPr>
-            <p:ph type="title"/>
-          </p:nvPr>
-        </p:nvSpPr>
-        <p:spPr/>
-        <p:txBody>
-          <a:bodyPr/>
-          <a:lstStyle/>
-          <a:p>
-            <a:endParaRPr lang="zh-TW" altLang="en-US" dirty="0"/>
-          </a:p>
-        </p:txBody>
-      </p:sp>
-      <p:sp>
-        <p:nvSpPr>
-          <p:cNvPr id="3" name="Content Placeholder 2">
-            <a:extLst>
-              <a:ext uri="{FF2B5EF4-FFF2-40B4-BE49-F238E27FC236}">
-                <a16:creationId xmlns:a16="http://schemas.microsoft.com/office/drawing/2014/main" id="{5BD511A5-B67E-45CD-9E7B-4FAFCB8C7B49}"/>
-              </a:ext>
-            </a:extLst>
-          </p:cNvPr>
-          <p:cNvSpPr>
-            <a:spLocks noGrp="1"/>
-          </p:cNvSpPr>
-          <p:nvPr>
-            <p:ph idx="1"/>
-          </p:nvPr>
-        </p:nvSpPr>
-        <p:spPr/>
-        <p:txBody>
-          <a:bodyPr/>
-          <a:lstStyle/>
-          <a:p>
-            <a:r>
-              <a:rPr lang="en-GB" altLang="zh-TW" dirty="0" err="1"/>
-              <a:t>rotateLeft</a:t>
-            </a:r>
-            <a:endParaRPr lang="en-GB" altLang="zh-TW" dirty="0"/>
-          </a:p>
-          <a:p>
-            <a:r>
-              <a:rPr lang="en-GB" altLang="zh-TW" dirty="0" err="1"/>
-              <a:t>rotateRight</a:t>
-            </a:r>
-            <a:endParaRPr lang="en-GB" altLang="zh-TW" dirty="0"/>
-          </a:p>
-          <a:p>
-            <a:r>
-              <a:rPr lang="en-GB" altLang="zh-TW" dirty="0"/>
-              <a:t>balance</a:t>
-            </a:r>
-            <a:endParaRPr lang="zh-TW" altLang="en-US" dirty="0"/>
-          </a:p>
-        </p:txBody>
-      </p:sp>
-    </p:spTree>
-    <p:extLst>
-      <p:ext uri="{BB962C8B-B14F-4D97-AF65-F5344CB8AC3E}">
-        <p14:creationId xmlns:p14="http://schemas.microsoft.com/office/powerpoint/2010/main" val="3255289685"/>
-      </p:ext>
-    </p:extLst>
-  </p:cSld>
-  <p:clrMapOvr>
-    <a:masterClrMapping/>
-  </p:clrMapOvr>
-</p:sld>
-</file>
-
 <file path=ppt/slides/slide52.xml><?xml version="1.0" encoding="utf-8"?>
 <p:sld xmlns:a="http://schemas.openxmlformats.org/drawingml/2006/main" xmlns:r="http://schemas.openxmlformats.org/officeDocument/2006/relationships" xmlns:p="http://schemas.openxmlformats.org/presentationml/2006/main">
   <p:cSld>
@@ -10827,7 +10907,7 @@
           <p:cNvPr id="2" name="Title 1">
             <a:extLst>
               <a:ext uri="{FF2B5EF4-FFF2-40B4-BE49-F238E27FC236}">
-                <a16:creationId xmlns:a16="http://schemas.microsoft.com/office/drawing/2014/main" id="{673C8B1F-B446-43F1-A330-D44C63B268B4}"/>
+                <a16:creationId xmlns:a16="http://schemas.microsoft.com/office/drawing/2014/main" id="{38441E5F-2394-44E1-BB79-5DA7B6E75939}"/>
               </a:ext>
             </a:extLst>
           </p:cNvPr>
@@ -10843,10 +10923,6 @@
           <a:bodyPr/>
           <a:lstStyle/>
           <a:p>
-            <a:r>
-              <a:rPr lang="en-GB" altLang="zh-TW" dirty="0"/>
-              <a:t>Which methods need to be balanced?</a:t>
-            </a:r>
             <a:endParaRPr lang="zh-TW" altLang="en-US" dirty="0"/>
           </a:p>
         </p:txBody>
@@ -10856,7 +10932,7 @@
           <p:cNvPr id="3" name="Content Placeholder 2">
             <a:extLst>
               <a:ext uri="{FF2B5EF4-FFF2-40B4-BE49-F238E27FC236}">
-                <a16:creationId xmlns:a16="http://schemas.microsoft.com/office/drawing/2014/main" id="{59284746-4C1A-4D1C-8293-9AE81B6F2F84}"/>
+                <a16:creationId xmlns:a16="http://schemas.microsoft.com/office/drawing/2014/main" id="{5BD511A5-B67E-45CD-9E7B-4FAFCB8C7B49}"/>
               </a:ext>
             </a:extLst>
           </p:cNvPr>
@@ -10873,24 +10949,23 @@
           <a:lstStyle/>
           <a:p>
             <a:r>
-              <a:rPr lang="en-GB" altLang="zh-TW" dirty="0"/>
-              <a:t>add</a:t>
-            </a:r>
-          </a:p>
-          <a:p>
-            <a:r>
               <a:rPr lang="en-GB" altLang="zh-TW" dirty="0" err="1"/>
-              <a:t>removeMin</a:t>
+              <a:t>rotateLeft</a:t>
             </a:r>
             <a:endParaRPr lang="en-GB" altLang="zh-TW" dirty="0"/>
           </a:p>
           <a:p>
             <a:r>
-              <a:rPr lang="en-GB" altLang="zh-TW" dirty="0"/>
-              <a:t>remove</a:t>
-            </a:r>
-          </a:p>
-          <a:p>
+              <a:rPr lang="en-GB" altLang="zh-TW" dirty="0" err="1"/>
+              <a:t>rotateRight</a:t>
+            </a:r>
+            <a:endParaRPr lang="en-GB" altLang="zh-TW" dirty="0"/>
+          </a:p>
+          <a:p>
+            <a:r>
+              <a:rPr lang="en-GB" altLang="zh-TW" dirty="0"/>
+              <a:t>balance</a:t>
+            </a:r>
             <a:endParaRPr lang="zh-TW" altLang="en-US" dirty="0"/>
           </a:p>
         </p:txBody>
@@ -10898,7 +10973,7 @@
     </p:spTree>
     <p:extLst>
       <p:ext uri="{BB962C8B-B14F-4D97-AF65-F5344CB8AC3E}">
-        <p14:creationId xmlns:p14="http://schemas.microsoft.com/office/powerpoint/2010/main" val="826009257"/>
+        <p14:creationId xmlns:p14="http://schemas.microsoft.com/office/powerpoint/2010/main" val="3255289685"/>
       </p:ext>
     </p:extLst>
   </p:cSld>
@@ -10930,7 +11005,7 @@
           <p:cNvPr id="2" name="Title 1">
             <a:extLst>
               <a:ext uri="{FF2B5EF4-FFF2-40B4-BE49-F238E27FC236}">
-                <a16:creationId xmlns:a16="http://schemas.microsoft.com/office/drawing/2014/main" id="{20BF61DF-499A-4AE8-B8A8-EE0FD4FDFCFB}"/>
+                <a16:creationId xmlns:a16="http://schemas.microsoft.com/office/drawing/2014/main" id="{673C8B1F-B446-43F1-A330-D44C63B268B4}"/>
               </a:ext>
             </a:extLst>
           </p:cNvPr>
@@ -10948,7 +11023,7 @@
           <a:p>
             <a:r>
               <a:rPr lang="en-GB" altLang="zh-TW" dirty="0"/>
-              <a:t>C++ libraries</a:t>
+              <a:t>Which methods need to be balanced?</a:t>
             </a:r>
             <a:endParaRPr lang="zh-TW" altLang="en-US" dirty="0"/>
           </a:p>
@@ -10959,7 +11034,7 @@
           <p:cNvPr id="3" name="Content Placeholder 2">
             <a:extLst>
               <a:ext uri="{FF2B5EF4-FFF2-40B4-BE49-F238E27FC236}">
-                <a16:creationId xmlns:a16="http://schemas.microsoft.com/office/drawing/2014/main" id="{7E6567F9-2E34-4203-AB7B-8AFD6BA9E184}"/>
+                <a16:creationId xmlns:a16="http://schemas.microsoft.com/office/drawing/2014/main" id="{59284746-4C1A-4D1C-8293-9AE81B6F2F84}"/>
               </a:ext>
             </a:extLst>
           </p:cNvPr>
@@ -10977,14 +11052,23 @@
           <a:p>
             <a:r>
               <a:rPr lang="en-GB" altLang="zh-TW" dirty="0"/>
-              <a:t>&lt;set&gt;</a:t>
-            </a:r>
-          </a:p>
-          <a:p>
-            <a:r>
-              <a:rPr lang="en-GB" altLang="zh-TW"/>
-              <a:t>&lt;map&gt;</a:t>
-            </a:r>
+              <a:t>add</a:t>
+            </a:r>
+          </a:p>
+          <a:p>
+            <a:r>
+              <a:rPr lang="en-GB" altLang="zh-TW" dirty="0" err="1"/>
+              <a:t>removeMin</a:t>
+            </a:r>
+            <a:endParaRPr lang="en-GB" altLang="zh-TW" dirty="0"/>
+          </a:p>
+          <a:p>
+            <a:r>
+              <a:rPr lang="en-GB" altLang="zh-TW" dirty="0"/>
+              <a:t>remove</a:t>
+            </a:r>
+          </a:p>
+          <a:p>
             <a:endParaRPr lang="zh-TW" altLang="en-US" dirty="0"/>
           </a:p>
         </p:txBody>
@@ -10992,7 +11076,7 @@
     </p:spTree>
     <p:extLst>
       <p:ext uri="{BB962C8B-B14F-4D97-AF65-F5344CB8AC3E}">
-        <p14:creationId xmlns:p14="http://schemas.microsoft.com/office/powerpoint/2010/main" val="1589670642"/>
+        <p14:creationId xmlns:p14="http://schemas.microsoft.com/office/powerpoint/2010/main" val="826009257"/>
       </p:ext>
     </p:extLst>
   </p:cSld>
@@ -11024,6 +11108,100 @@
           <p:cNvPr id="2" name="Title 1">
             <a:extLst>
               <a:ext uri="{FF2B5EF4-FFF2-40B4-BE49-F238E27FC236}">
+                <a16:creationId xmlns:a16="http://schemas.microsoft.com/office/drawing/2014/main" id="{20BF61DF-499A-4AE8-B8A8-EE0FD4FDFCFB}"/>
+              </a:ext>
+            </a:extLst>
+          </p:cNvPr>
+          <p:cNvSpPr>
+            <a:spLocks noGrp="1"/>
+          </p:cNvSpPr>
+          <p:nvPr>
+            <p:ph type="title"/>
+          </p:nvPr>
+        </p:nvSpPr>
+        <p:spPr/>
+        <p:txBody>
+          <a:bodyPr/>
+          <a:lstStyle/>
+          <a:p>
+            <a:r>
+              <a:rPr lang="en-GB" altLang="zh-TW" dirty="0"/>
+              <a:t>C++ libraries</a:t>
+            </a:r>
+            <a:endParaRPr lang="zh-TW" altLang="en-US" dirty="0"/>
+          </a:p>
+        </p:txBody>
+      </p:sp>
+      <p:sp>
+        <p:nvSpPr>
+          <p:cNvPr id="3" name="Content Placeholder 2">
+            <a:extLst>
+              <a:ext uri="{FF2B5EF4-FFF2-40B4-BE49-F238E27FC236}">
+                <a16:creationId xmlns:a16="http://schemas.microsoft.com/office/drawing/2014/main" id="{7E6567F9-2E34-4203-AB7B-8AFD6BA9E184}"/>
+              </a:ext>
+            </a:extLst>
+          </p:cNvPr>
+          <p:cNvSpPr>
+            <a:spLocks noGrp="1"/>
+          </p:cNvSpPr>
+          <p:nvPr>
+            <p:ph idx="1"/>
+          </p:nvPr>
+        </p:nvSpPr>
+        <p:spPr/>
+        <p:txBody>
+          <a:bodyPr/>
+          <a:lstStyle/>
+          <a:p>
+            <a:r>
+              <a:rPr lang="en-GB" altLang="zh-TW" dirty="0"/>
+              <a:t>&lt;set&gt;</a:t>
+            </a:r>
+          </a:p>
+          <a:p>
+            <a:r>
+              <a:rPr lang="en-GB" altLang="zh-TW"/>
+              <a:t>&lt;map&gt;</a:t>
+            </a:r>
+            <a:endParaRPr lang="zh-TW" altLang="en-US" dirty="0"/>
+          </a:p>
+        </p:txBody>
+      </p:sp>
+    </p:spTree>
+    <p:extLst>
+      <p:ext uri="{BB962C8B-B14F-4D97-AF65-F5344CB8AC3E}">
+        <p14:creationId xmlns:p14="http://schemas.microsoft.com/office/powerpoint/2010/main" val="1589670642"/>
+      </p:ext>
+    </p:extLst>
+  </p:cSld>
+  <p:clrMapOvr>
+    <a:masterClrMapping/>
+  </p:clrMapOvr>
+</p:sld>
+</file>
+
+<file path=ppt/slides/slide55.xml><?xml version="1.0" encoding="utf-8"?>
+<p:sld xmlns:a="http://schemas.openxmlformats.org/drawingml/2006/main" xmlns:r="http://schemas.openxmlformats.org/officeDocument/2006/relationships" xmlns:p="http://schemas.openxmlformats.org/presentationml/2006/main">
+  <p:cSld>
+    <p:spTree>
+      <p:nvGrpSpPr>
+        <p:cNvPr id="1" name=""/>
+        <p:cNvGrpSpPr/>
+        <p:nvPr/>
+      </p:nvGrpSpPr>
+      <p:grpSpPr>
+        <a:xfrm>
+          <a:off x="0" y="0"/>
+          <a:ext cx="0" cy="0"/>
+          <a:chOff x="0" y="0"/>
+          <a:chExt cx="0" cy="0"/>
+        </a:xfrm>
+      </p:grpSpPr>
+      <p:sp>
+        <p:nvSpPr>
+          <p:cNvPr id="2" name="Title 1">
+            <a:extLst>
+              <a:ext uri="{FF2B5EF4-FFF2-40B4-BE49-F238E27FC236}">
                 <a16:creationId xmlns:a16="http://schemas.microsoft.com/office/drawing/2014/main" id="{ADA4A94D-12B2-478B-BF74-DF56334C4241}"/>
               </a:ext>
             </a:extLst>
@@ -11134,7 +11312,7 @@
 </p:sld>
 </file>
 
-<file path=ppt/slides/slide55.xml><?xml version="1.0" encoding="utf-8"?>
+<file path=ppt/slides/slide56.xml><?xml version="1.0" encoding="utf-8"?>
 <p:sld xmlns:a="http://schemas.openxmlformats.org/drawingml/2006/main" xmlns:r="http://schemas.openxmlformats.org/officeDocument/2006/relationships" xmlns:p="http://schemas.openxmlformats.org/presentationml/2006/main">
   <p:cSld>
     <p:spTree>

--- a/2_Tree.pptx
+++ b/2_Tree.pptx
@@ -31,36 +31,38 @@
     <p:sldId id="278" r:id="rId25"/>
     <p:sldId id="279" r:id="rId26"/>
     <p:sldId id="280" r:id="rId27"/>
-    <p:sldId id="281" r:id="rId28"/>
-    <p:sldId id="282" r:id="rId29"/>
-    <p:sldId id="283" r:id="rId30"/>
-    <p:sldId id="284" r:id="rId31"/>
-    <p:sldId id="285" r:id="rId32"/>
-    <p:sldId id="286" r:id="rId33"/>
-    <p:sldId id="287" r:id="rId34"/>
-    <p:sldId id="288" r:id="rId35"/>
-    <p:sldId id="289" r:id="rId36"/>
-    <p:sldId id="290" r:id="rId37"/>
-    <p:sldId id="291" r:id="rId38"/>
-    <p:sldId id="292" r:id="rId39"/>
-    <p:sldId id="293" r:id="rId40"/>
-    <p:sldId id="294" r:id="rId41"/>
-    <p:sldId id="295" r:id="rId42"/>
-    <p:sldId id="296" r:id="rId43"/>
-    <p:sldId id="297" r:id="rId44"/>
-    <p:sldId id="298" r:id="rId45"/>
-    <p:sldId id="299" r:id="rId46"/>
-    <p:sldId id="300" r:id="rId47"/>
-    <p:sldId id="301" r:id="rId48"/>
-    <p:sldId id="302" r:id="rId49"/>
-    <p:sldId id="303" r:id="rId50"/>
-    <p:sldId id="304" r:id="rId51"/>
-    <p:sldId id="305" r:id="rId52"/>
-    <p:sldId id="306" r:id="rId53"/>
-    <p:sldId id="307" r:id="rId54"/>
-    <p:sldId id="308" r:id="rId55"/>
-    <p:sldId id="309" r:id="rId56"/>
-    <p:sldId id="310" r:id="rId57"/>
+    <p:sldId id="312" r:id="rId28"/>
+    <p:sldId id="281" r:id="rId29"/>
+    <p:sldId id="282" r:id="rId30"/>
+    <p:sldId id="283" r:id="rId31"/>
+    <p:sldId id="284" r:id="rId32"/>
+    <p:sldId id="285" r:id="rId33"/>
+    <p:sldId id="313" r:id="rId34"/>
+    <p:sldId id="286" r:id="rId35"/>
+    <p:sldId id="287" r:id="rId36"/>
+    <p:sldId id="288" r:id="rId37"/>
+    <p:sldId id="289" r:id="rId38"/>
+    <p:sldId id="290" r:id="rId39"/>
+    <p:sldId id="291" r:id="rId40"/>
+    <p:sldId id="292" r:id="rId41"/>
+    <p:sldId id="293" r:id="rId42"/>
+    <p:sldId id="294" r:id="rId43"/>
+    <p:sldId id="295" r:id="rId44"/>
+    <p:sldId id="296" r:id="rId45"/>
+    <p:sldId id="297" r:id="rId46"/>
+    <p:sldId id="298" r:id="rId47"/>
+    <p:sldId id="299" r:id="rId48"/>
+    <p:sldId id="300" r:id="rId49"/>
+    <p:sldId id="301" r:id="rId50"/>
+    <p:sldId id="302" r:id="rId51"/>
+    <p:sldId id="303" r:id="rId52"/>
+    <p:sldId id="304" r:id="rId53"/>
+    <p:sldId id="305" r:id="rId54"/>
+    <p:sldId id="306" r:id="rId55"/>
+    <p:sldId id="307" r:id="rId56"/>
+    <p:sldId id="308" r:id="rId57"/>
+    <p:sldId id="309" r:id="rId58"/>
+    <p:sldId id="310" r:id="rId59"/>
   </p:sldIdLst>
   <p:sldSz cx="12192000" cy="6858000"/>
   <p:notesSz cx="6858000" cy="9144000"/>
@@ -320,7 +322,7 @@
           <a:p>
             <a:fld id="{F189DA53-ADA5-4ACF-B9FE-FBC70B576032}" type="datetimeFigureOut">
               <a:rPr lang="zh-TW" altLang="en-US" smtClean="0"/>
-              <a:t>2018/1/17</a:t>
+              <a:t>2018/1/24</a:t>
             </a:fld>
             <a:endParaRPr lang="zh-TW" altLang="en-US"/>
           </a:p>
@@ -520,7 +522,7 @@
           <a:p>
             <a:fld id="{F189DA53-ADA5-4ACF-B9FE-FBC70B576032}" type="datetimeFigureOut">
               <a:rPr lang="zh-TW" altLang="en-US" smtClean="0"/>
-              <a:t>2018/1/17</a:t>
+              <a:t>2018/1/24</a:t>
             </a:fld>
             <a:endParaRPr lang="zh-TW" altLang="en-US"/>
           </a:p>
@@ -730,7 +732,7 @@
           <a:p>
             <a:fld id="{F189DA53-ADA5-4ACF-B9FE-FBC70B576032}" type="datetimeFigureOut">
               <a:rPr lang="zh-TW" altLang="en-US" smtClean="0"/>
-              <a:t>2018/1/17</a:t>
+              <a:t>2018/1/24</a:t>
             </a:fld>
             <a:endParaRPr lang="zh-TW" altLang="en-US"/>
           </a:p>
@@ -930,7 +932,7 @@
           <a:p>
             <a:fld id="{F189DA53-ADA5-4ACF-B9FE-FBC70B576032}" type="datetimeFigureOut">
               <a:rPr lang="zh-TW" altLang="en-US" smtClean="0"/>
-              <a:t>2018/1/17</a:t>
+              <a:t>2018/1/24</a:t>
             </a:fld>
             <a:endParaRPr lang="zh-TW" altLang="en-US"/>
           </a:p>
@@ -1206,7 +1208,7 @@
           <a:p>
             <a:fld id="{F189DA53-ADA5-4ACF-B9FE-FBC70B576032}" type="datetimeFigureOut">
               <a:rPr lang="zh-TW" altLang="en-US" smtClean="0"/>
-              <a:t>2018/1/17</a:t>
+              <a:t>2018/1/24</a:t>
             </a:fld>
             <a:endParaRPr lang="zh-TW" altLang="en-US"/>
           </a:p>
@@ -1474,7 +1476,7 @@
           <a:p>
             <a:fld id="{F189DA53-ADA5-4ACF-B9FE-FBC70B576032}" type="datetimeFigureOut">
               <a:rPr lang="zh-TW" altLang="en-US" smtClean="0"/>
-              <a:t>2018/1/17</a:t>
+              <a:t>2018/1/24</a:t>
             </a:fld>
             <a:endParaRPr lang="zh-TW" altLang="en-US"/>
           </a:p>
@@ -1889,7 +1891,7 @@
           <a:p>
             <a:fld id="{F189DA53-ADA5-4ACF-B9FE-FBC70B576032}" type="datetimeFigureOut">
               <a:rPr lang="zh-TW" altLang="en-US" smtClean="0"/>
-              <a:t>2018/1/17</a:t>
+              <a:t>2018/1/24</a:t>
             </a:fld>
             <a:endParaRPr lang="zh-TW" altLang="en-US"/>
           </a:p>
@@ -2031,7 +2033,7 @@
           <a:p>
             <a:fld id="{F189DA53-ADA5-4ACF-B9FE-FBC70B576032}" type="datetimeFigureOut">
               <a:rPr lang="zh-TW" altLang="en-US" smtClean="0"/>
-              <a:t>2018/1/17</a:t>
+              <a:t>2018/1/24</a:t>
             </a:fld>
             <a:endParaRPr lang="zh-TW" altLang="en-US"/>
           </a:p>
@@ -2144,7 +2146,7 @@
           <a:p>
             <a:fld id="{F189DA53-ADA5-4ACF-B9FE-FBC70B576032}" type="datetimeFigureOut">
               <a:rPr lang="zh-TW" altLang="en-US" smtClean="0"/>
-              <a:t>2018/1/17</a:t>
+              <a:t>2018/1/24</a:t>
             </a:fld>
             <a:endParaRPr lang="zh-TW" altLang="en-US"/>
           </a:p>
@@ -2457,7 +2459,7 @@
           <a:p>
             <a:fld id="{F189DA53-ADA5-4ACF-B9FE-FBC70B576032}" type="datetimeFigureOut">
               <a:rPr lang="zh-TW" altLang="en-US" smtClean="0"/>
-              <a:t>2018/1/17</a:t>
+              <a:t>2018/1/24</a:t>
             </a:fld>
             <a:endParaRPr lang="zh-TW" altLang="en-US"/>
           </a:p>
@@ -2746,7 +2748,7 @@
           <a:p>
             <a:fld id="{F189DA53-ADA5-4ACF-B9FE-FBC70B576032}" type="datetimeFigureOut">
               <a:rPr lang="zh-TW" altLang="en-US" smtClean="0"/>
-              <a:t>2018/1/17</a:t>
+              <a:t>2018/1/24</a:t>
             </a:fld>
             <a:endParaRPr lang="zh-TW" altLang="en-US"/>
           </a:p>
@@ -2989,7 +2991,7 @@
           <a:p>
             <a:fld id="{F189DA53-ADA5-4ACF-B9FE-FBC70B576032}" type="datetimeFigureOut">
               <a:rPr lang="zh-TW" altLang="en-US" smtClean="0"/>
-              <a:t>2018/1/17</a:t>
+              <a:t>2018/1/24</a:t>
             </a:fld>
             <a:endParaRPr lang="zh-TW" altLang="en-US"/>
           </a:p>
@@ -3727,7 +3729,7 @@
             </a:r>
             <a:r>
               <a:rPr lang="en-GB" altLang="zh-TW" b="1" dirty="0"/>
-              <a:t>Breath-First Traversal</a:t>
+              <a:t>Breadth-First Traversal</a:t>
             </a:r>
             <a:r>
               <a:rPr lang="en-GB" altLang="zh-TW" dirty="0"/>
@@ -3876,15 +3878,7 @@
             </a:r>
             <a:r>
               <a:rPr lang="en-GB" altLang="zh-TW" dirty="0"/>
-              <a:t> </a:t>
-            </a:r>
-            <a:r>
-              <a:rPr lang="en-GB" altLang="zh-TW"/>
-              <a:t>is necessary). </a:t>
-            </a:r>
-            <a:r>
-              <a:rPr lang="en-GB" altLang="zh-TW" dirty="0"/>
-              <a:t>Show it.</a:t>
+              <a:t> is necessary). Show it.</a:t>
             </a:r>
           </a:p>
           <a:p>
@@ -5897,7 +5891,7 @@
           <p:cNvPr id="2" name="Title 1">
             <a:extLst>
               <a:ext uri="{FF2B5EF4-FFF2-40B4-BE49-F238E27FC236}">
-                <a16:creationId xmlns:a16="http://schemas.microsoft.com/office/drawing/2014/main" id="{1C665960-8951-49E0-A4A3-B57AAC9735C1}"/>
+                <a16:creationId xmlns:a16="http://schemas.microsoft.com/office/drawing/2014/main" id="{5E721621-6682-4C19-ACA7-F6297D16EA4D}"/>
               </a:ext>
             </a:extLst>
           </p:cNvPr>
@@ -5915,7 +5909,7 @@
           <a:p>
             <a:r>
               <a:rPr lang="en-GB" altLang="zh-TW" dirty="0"/>
-              <a:t>Exercise</a:t>
+              <a:t>C++ implementation</a:t>
             </a:r>
             <a:endParaRPr lang="zh-TW" altLang="en-US" dirty="0"/>
           </a:p>
@@ -5926,7 +5920,7 @@
           <p:cNvPr id="3" name="Content Placeholder 2">
             <a:extLst>
               <a:ext uri="{FF2B5EF4-FFF2-40B4-BE49-F238E27FC236}">
-                <a16:creationId xmlns:a16="http://schemas.microsoft.com/office/drawing/2014/main" id="{6475F80B-67C7-4335-8673-3C083BFE87B5}"/>
+                <a16:creationId xmlns:a16="http://schemas.microsoft.com/office/drawing/2014/main" id="{0B1EA5B2-FD6D-4E66-8992-F064A79EBCF9}"/>
               </a:ext>
             </a:extLst>
           </p:cNvPr>
@@ -5942,18 +5936,14 @@
           <a:bodyPr/>
           <a:lstStyle/>
           <a:p>
-            <a:r>
-              <a:rPr lang="en-GB" altLang="zh-TW" dirty="0"/>
-              <a:t>Rewrite the contains function recursively.</a:t>
-            </a:r>
-            <a:endParaRPr lang="zh-TW" altLang="en-US" dirty="0"/>
+            <a:endParaRPr lang="zh-TW" altLang="en-US"/>
           </a:p>
         </p:txBody>
       </p:sp>
     </p:spTree>
     <p:extLst>
       <p:ext uri="{BB962C8B-B14F-4D97-AF65-F5344CB8AC3E}">
-        <p14:creationId xmlns:p14="http://schemas.microsoft.com/office/powerpoint/2010/main" val="1580063867"/>
+        <p14:creationId xmlns:p14="http://schemas.microsoft.com/office/powerpoint/2010/main" val="487836321"/>
       </p:ext>
     </p:extLst>
   </p:cSld>
@@ -5985,7 +5975,7 @@
           <p:cNvPr id="2" name="Title 1">
             <a:extLst>
               <a:ext uri="{FF2B5EF4-FFF2-40B4-BE49-F238E27FC236}">
-                <a16:creationId xmlns:a16="http://schemas.microsoft.com/office/drawing/2014/main" id="{EFDEFCB3-4FD8-4FA1-B2F0-7B0FB189BB57}"/>
+                <a16:creationId xmlns:a16="http://schemas.microsoft.com/office/drawing/2014/main" id="{1C665960-8951-49E0-A4A3-B57AAC9735C1}"/>
               </a:ext>
             </a:extLst>
           </p:cNvPr>
@@ -6003,7 +5993,7 @@
           <a:p>
             <a:r>
               <a:rPr lang="en-GB" altLang="zh-TW" dirty="0"/>
-              <a:t>Insertion</a:t>
+              <a:t>Exercise</a:t>
             </a:r>
             <a:endParaRPr lang="zh-TW" altLang="en-US" dirty="0"/>
           </a:p>
@@ -6014,7 +6004,7 @@
           <p:cNvPr id="3" name="Content Placeholder 2">
             <a:extLst>
               <a:ext uri="{FF2B5EF4-FFF2-40B4-BE49-F238E27FC236}">
-                <a16:creationId xmlns:a16="http://schemas.microsoft.com/office/drawing/2014/main" id="{D88A8CC6-6AB9-42F4-8666-1899278655EC}"/>
+                <a16:creationId xmlns:a16="http://schemas.microsoft.com/office/drawing/2014/main" id="{6475F80B-67C7-4335-8673-3C083BFE87B5}"/>
               </a:ext>
             </a:extLst>
           </p:cNvPr>
@@ -6032,46 +6022,16 @@
           <a:p>
             <a:r>
               <a:rPr lang="en-GB" altLang="zh-TW" dirty="0"/>
-              <a:t>We find the right place to insert the element</a:t>
+              <a:t>Rewrite the contains function recursively.</a:t>
             </a:r>
             <a:endParaRPr lang="zh-TW" altLang="en-US" dirty="0"/>
           </a:p>
         </p:txBody>
       </p:sp>
-      <p:pic>
-        <p:nvPicPr>
-          <p:cNvPr id="4" name="Picture 3">
-            <a:extLst>
-              <a:ext uri="{FF2B5EF4-FFF2-40B4-BE49-F238E27FC236}">
-                <a16:creationId xmlns:a16="http://schemas.microsoft.com/office/drawing/2014/main" id="{193185A7-B358-4B60-BFB8-4E1F921FBB99}"/>
-              </a:ext>
-            </a:extLst>
-          </p:cNvPr>
-          <p:cNvPicPr>
-            <a:picLocks noChangeAspect="1"/>
-          </p:cNvPicPr>
-          <p:nvPr/>
-        </p:nvPicPr>
-        <p:blipFill>
-          <a:blip r:embed="rId2"/>
-          <a:stretch>
-            <a:fillRect/>
-          </a:stretch>
-        </p:blipFill>
-        <p:spPr>
-          <a:xfrm>
-            <a:off x="3383894" y="2385013"/>
-            <a:ext cx="5167357" cy="3875517"/>
-          </a:xfrm>
-          <a:prstGeom prst="rect">
-            <a:avLst/>
-          </a:prstGeom>
-        </p:spPr>
-      </p:pic>
     </p:spTree>
     <p:extLst>
       <p:ext uri="{BB962C8B-B14F-4D97-AF65-F5344CB8AC3E}">
-        <p14:creationId xmlns:p14="http://schemas.microsoft.com/office/powerpoint/2010/main" val="2056788909"/>
+        <p14:creationId xmlns:p14="http://schemas.microsoft.com/office/powerpoint/2010/main" val="1580063867"/>
       </p:ext>
     </p:extLst>
   </p:cSld>
@@ -6103,7 +6063,7 @@
           <p:cNvPr id="2" name="Title 1">
             <a:extLst>
               <a:ext uri="{FF2B5EF4-FFF2-40B4-BE49-F238E27FC236}">
-                <a16:creationId xmlns:a16="http://schemas.microsoft.com/office/drawing/2014/main" id="{74B7662D-1577-4B1F-A31C-812174401235}"/>
+                <a16:creationId xmlns:a16="http://schemas.microsoft.com/office/drawing/2014/main" id="{EFDEFCB3-4FD8-4FA1-B2F0-7B0FB189BB57}"/>
               </a:ext>
             </a:extLst>
           </p:cNvPr>
@@ -6121,7 +6081,7 @@
           <a:p>
             <a:r>
               <a:rPr lang="en-GB" altLang="zh-TW" dirty="0"/>
-              <a:t>Example: add N</a:t>
+              <a:t>Insertion</a:t>
             </a:r>
             <a:endParaRPr lang="zh-TW" altLang="en-US" dirty="0"/>
           </a:p>
@@ -6132,7 +6092,7 @@
           <p:cNvPr id="3" name="Content Placeholder 2">
             <a:extLst>
               <a:ext uri="{FF2B5EF4-FFF2-40B4-BE49-F238E27FC236}">
-                <a16:creationId xmlns:a16="http://schemas.microsoft.com/office/drawing/2014/main" id="{7B7EC5E1-2202-4E95-A717-1587D84E48A0}"/>
+                <a16:creationId xmlns:a16="http://schemas.microsoft.com/office/drawing/2014/main" id="{D88A8CC6-6AB9-42F4-8666-1899278655EC}"/>
               </a:ext>
             </a:extLst>
           </p:cNvPr>
@@ -6148,16 +6108,20 @@
           <a:bodyPr/>
           <a:lstStyle/>
           <a:p>
-            <a:endParaRPr lang="zh-TW" altLang="en-US"/>
+            <a:r>
+              <a:rPr lang="en-GB" altLang="zh-TW" dirty="0"/>
+              <a:t>We find the right place to insert the element</a:t>
+            </a:r>
+            <a:endParaRPr lang="zh-TW" altLang="en-US" dirty="0"/>
           </a:p>
         </p:txBody>
       </p:sp>
       <p:pic>
         <p:nvPicPr>
-          <p:cNvPr id="5" name="Picture 4">
-            <a:extLst>
-              <a:ext uri="{FF2B5EF4-FFF2-40B4-BE49-F238E27FC236}">
-                <a16:creationId xmlns:a16="http://schemas.microsoft.com/office/drawing/2014/main" id="{CB00D45D-A2CA-41AA-ACC4-0B8CCF63681F}"/>
+          <p:cNvPr id="4" name="Picture 3">
+            <a:extLst>
+              <a:ext uri="{FF2B5EF4-FFF2-40B4-BE49-F238E27FC236}">
+                <a16:creationId xmlns:a16="http://schemas.microsoft.com/office/drawing/2014/main" id="{193185A7-B358-4B60-BFB8-4E1F921FBB99}"/>
               </a:ext>
             </a:extLst>
           </p:cNvPr>
@@ -6174,8 +6138,8 @@
         </p:blipFill>
         <p:spPr>
           <a:xfrm>
-            <a:off x="2852679" y="2063871"/>
-            <a:ext cx="6001697" cy="3951648"/>
+            <a:off x="3383894" y="2385013"/>
+            <a:ext cx="5167357" cy="3875517"/>
           </a:xfrm>
           <a:prstGeom prst="rect">
             <a:avLst/>
@@ -6185,7 +6149,7 @@
     </p:spTree>
     <p:extLst>
       <p:ext uri="{BB962C8B-B14F-4D97-AF65-F5344CB8AC3E}">
-        <p14:creationId xmlns:p14="http://schemas.microsoft.com/office/powerpoint/2010/main" val="113444922"/>
+        <p14:creationId xmlns:p14="http://schemas.microsoft.com/office/powerpoint/2010/main" val="2056788909"/>
       </p:ext>
     </p:extLst>
   </p:cSld>
@@ -6344,6 +6308,120 @@
           <p:cNvPr id="2" name="Title 1">
             <a:extLst>
               <a:ext uri="{FF2B5EF4-FFF2-40B4-BE49-F238E27FC236}">
+                <a16:creationId xmlns:a16="http://schemas.microsoft.com/office/drawing/2014/main" id="{74B7662D-1577-4B1F-A31C-812174401235}"/>
+              </a:ext>
+            </a:extLst>
+          </p:cNvPr>
+          <p:cNvSpPr>
+            <a:spLocks noGrp="1"/>
+          </p:cNvSpPr>
+          <p:nvPr>
+            <p:ph type="title"/>
+          </p:nvPr>
+        </p:nvSpPr>
+        <p:spPr/>
+        <p:txBody>
+          <a:bodyPr/>
+          <a:lstStyle/>
+          <a:p>
+            <a:r>
+              <a:rPr lang="en-GB" altLang="zh-TW" dirty="0"/>
+              <a:t>Example: add N</a:t>
+            </a:r>
+            <a:endParaRPr lang="zh-TW" altLang="en-US" dirty="0"/>
+          </a:p>
+        </p:txBody>
+      </p:sp>
+      <p:sp>
+        <p:nvSpPr>
+          <p:cNvPr id="3" name="Content Placeholder 2">
+            <a:extLst>
+              <a:ext uri="{FF2B5EF4-FFF2-40B4-BE49-F238E27FC236}">
+                <a16:creationId xmlns:a16="http://schemas.microsoft.com/office/drawing/2014/main" id="{7B7EC5E1-2202-4E95-A717-1587D84E48A0}"/>
+              </a:ext>
+            </a:extLst>
+          </p:cNvPr>
+          <p:cNvSpPr>
+            <a:spLocks noGrp="1"/>
+          </p:cNvSpPr>
+          <p:nvPr>
+            <p:ph idx="1"/>
+          </p:nvPr>
+        </p:nvSpPr>
+        <p:spPr/>
+        <p:txBody>
+          <a:bodyPr/>
+          <a:lstStyle/>
+          <a:p>
+            <a:endParaRPr lang="zh-TW" altLang="en-US"/>
+          </a:p>
+        </p:txBody>
+      </p:sp>
+      <p:pic>
+        <p:nvPicPr>
+          <p:cNvPr id="5" name="Picture 4">
+            <a:extLst>
+              <a:ext uri="{FF2B5EF4-FFF2-40B4-BE49-F238E27FC236}">
+                <a16:creationId xmlns:a16="http://schemas.microsoft.com/office/drawing/2014/main" id="{CB00D45D-A2CA-41AA-ACC4-0B8CCF63681F}"/>
+              </a:ext>
+            </a:extLst>
+          </p:cNvPr>
+          <p:cNvPicPr>
+            <a:picLocks noChangeAspect="1"/>
+          </p:cNvPicPr>
+          <p:nvPr/>
+        </p:nvPicPr>
+        <p:blipFill>
+          <a:blip r:embed="rId2"/>
+          <a:stretch>
+            <a:fillRect/>
+          </a:stretch>
+        </p:blipFill>
+        <p:spPr>
+          <a:xfrm>
+            <a:off x="2852679" y="2063871"/>
+            <a:ext cx="6001697" cy="3951648"/>
+          </a:xfrm>
+          <a:prstGeom prst="rect">
+            <a:avLst/>
+          </a:prstGeom>
+        </p:spPr>
+      </p:pic>
+    </p:spTree>
+    <p:extLst>
+      <p:ext uri="{BB962C8B-B14F-4D97-AF65-F5344CB8AC3E}">
+        <p14:creationId xmlns:p14="http://schemas.microsoft.com/office/powerpoint/2010/main" val="113444922"/>
+      </p:ext>
+    </p:extLst>
+  </p:cSld>
+  <p:clrMapOvr>
+    <a:masterClrMapping/>
+  </p:clrMapOvr>
+</p:sld>
+</file>
+
+<file path=ppt/slides/slide31.xml><?xml version="1.0" encoding="utf-8"?>
+<p:sld xmlns:a="http://schemas.openxmlformats.org/drawingml/2006/main" xmlns:r="http://schemas.openxmlformats.org/officeDocument/2006/relationships" xmlns:p="http://schemas.openxmlformats.org/presentationml/2006/main">
+  <p:cSld>
+    <p:spTree>
+      <p:nvGrpSpPr>
+        <p:cNvPr id="1" name=""/>
+        <p:cNvGrpSpPr/>
+        <p:nvPr/>
+      </p:nvGrpSpPr>
+      <p:grpSpPr>
+        <a:xfrm>
+          <a:off x="0" y="0"/>
+          <a:ext cx="0" cy="0"/>
+          <a:chOff x="0" y="0"/>
+          <a:chExt cx="0" cy="0"/>
+        </a:xfrm>
+      </p:grpSpPr>
+      <p:sp>
+        <p:nvSpPr>
+          <p:cNvPr id="2" name="Title 1">
+            <a:extLst>
+              <a:ext uri="{FF2B5EF4-FFF2-40B4-BE49-F238E27FC236}">
                 <a16:creationId xmlns:a16="http://schemas.microsoft.com/office/drawing/2014/main" id="{CD15A09F-9E7C-4AA7-86CC-EB5F5DDC08CF}"/>
               </a:ext>
             </a:extLst>
@@ -6467,7 +6545,7 @@
 </p:sld>
 </file>
 
-<file path=ppt/slides/slide31.xml><?xml version="1.0" encoding="utf-8"?>
+<file path=ppt/slides/slide32.xml><?xml version="1.0" encoding="utf-8"?>
 <p:sld xmlns:a="http://schemas.openxmlformats.org/drawingml/2006/main" xmlns:r="http://schemas.openxmlformats.org/officeDocument/2006/relationships" xmlns:p="http://schemas.openxmlformats.org/presentationml/2006/main">
   <p:cSld>
     <p:spTree>
@@ -6595,7 +6673,91 @@
 </p:sld>
 </file>
 
-<file path=ppt/slides/slide32.xml><?xml version="1.0" encoding="utf-8"?>
+<file path=ppt/slides/slide33.xml><?xml version="1.0" encoding="utf-8"?>
+<p:sld xmlns:a="http://schemas.openxmlformats.org/drawingml/2006/main" xmlns:r="http://schemas.openxmlformats.org/officeDocument/2006/relationships" xmlns:p="http://schemas.openxmlformats.org/presentationml/2006/main">
+  <p:cSld>
+    <p:spTree>
+      <p:nvGrpSpPr>
+        <p:cNvPr id="1" name=""/>
+        <p:cNvGrpSpPr/>
+        <p:nvPr/>
+      </p:nvGrpSpPr>
+      <p:grpSpPr>
+        <a:xfrm>
+          <a:off x="0" y="0"/>
+          <a:ext cx="0" cy="0"/>
+          <a:chOff x="0" y="0"/>
+          <a:chExt cx="0" cy="0"/>
+        </a:xfrm>
+      </p:grpSpPr>
+      <p:sp>
+        <p:nvSpPr>
+          <p:cNvPr id="2" name="Title 1">
+            <a:extLst>
+              <a:ext uri="{FF2B5EF4-FFF2-40B4-BE49-F238E27FC236}">
+                <a16:creationId xmlns:a16="http://schemas.microsoft.com/office/drawing/2014/main" id="{A1361690-FFFF-4829-9F50-A1C8C54C1870}"/>
+              </a:ext>
+            </a:extLst>
+          </p:cNvPr>
+          <p:cNvSpPr>
+            <a:spLocks noGrp="1"/>
+          </p:cNvSpPr>
+          <p:nvPr>
+            <p:ph type="title"/>
+          </p:nvPr>
+        </p:nvSpPr>
+        <p:spPr/>
+        <p:txBody>
+          <a:bodyPr/>
+          <a:lstStyle/>
+          <a:p>
+            <a:r>
+              <a:rPr lang="en-GB" altLang="zh-TW" dirty="0"/>
+              <a:t>C++ implementation</a:t>
+            </a:r>
+            <a:endParaRPr lang="zh-TW" altLang="en-US" dirty="0"/>
+          </a:p>
+        </p:txBody>
+      </p:sp>
+      <p:sp>
+        <p:nvSpPr>
+          <p:cNvPr id="3" name="Content Placeholder 2">
+            <a:extLst>
+              <a:ext uri="{FF2B5EF4-FFF2-40B4-BE49-F238E27FC236}">
+                <a16:creationId xmlns:a16="http://schemas.microsoft.com/office/drawing/2014/main" id="{8AFAA59D-22A4-4A86-9815-4CB8A2D259E7}"/>
+              </a:ext>
+            </a:extLst>
+          </p:cNvPr>
+          <p:cNvSpPr>
+            <a:spLocks noGrp="1"/>
+          </p:cNvSpPr>
+          <p:nvPr>
+            <p:ph idx="1"/>
+          </p:nvPr>
+        </p:nvSpPr>
+        <p:spPr/>
+        <p:txBody>
+          <a:bodyPr/>
+          <a:lstStyle/>
+          <a:p>
+            <a:endParaRPr lang="zh-TW" altLang="en-US"/>
+          </a:p>
+        </p:txBody>
+      </p:sp>
+    </p:spTree>
+    <p:extLst>
+      <p:ext uri="{BB962C8B-B14F-4D97-AF65-F5344CB8AC3E}">
+        <p14:creationId xmlns:p14="http://schemas.microsoft.com/office/powerpoint/2010/main" val="3162714664"/>
+      </p:ext>
+    </p:extLst>
+  </p:cSld>
+  <p:clrMapOvr>
+    <a:masterClrMapping/>
+  </p:clrMapOvr>
+</p:sld>
+</file>
+
+<file path=ppt/slides/slide34.xml><?xml version="1.0" encoding="utf-8"?>
 <p:sld xmlns:a="http://schemas.openxmlformats.org/drawingml/2006/main" xmlns:r="http://schemas.openxmlformats.org/officeDocument/2006/relationships" xmlns:p="http://schemas.openxmlformats.org/presentationml/2006/main">
   <p:cSld>
     <p:spTree>
@@ -6800,7 +6962,7 @@
 </p:sld>
 </file>
 
-<file path=ppt/slides/slide33.xml><?xml version="1.0" encoding="utf-8"?>
+<file path=ppt/slides/slide35.xml><?xml version="1.0" encoding="utf-8"?>
 <p:sld xmlns:a="http://schemas.openxmlformats.org/drawingml/2006/main" xmlns:r="http://schemas.openxmlformats.org/officeDocument/2006/relationships" xmlns:p="http://schemas.openxmlformats.org/presentationml/2006/main">
   <p:cSld>
     <p:spTree>
@@ -6918,7 +7080,7 @@
 </p:sld>
 </file>
 
-<file path=ppt/slides/slide34.xml><?xml version="1.0" encoding="utf-8"?>
+<file path=ppt/slides/slide36.xml><?xml version="1.0" encoding="utf-8"?>
 <p:sld xmlns:a="http://schemas.openxmlformats.org/drawingml/2006/main" xmlns:r="http://schemas.openxmlformats.org/officeDocument/2006/relationships" xmlns:p="http://schemas.openxmlformats.org/presentationml/2006/main">
   <p:cSld>
     <p:spTree>
@@ -7163,7 +7325,7 @@
 </p:sld>
 </file>
 
-<file path=ppt/slides/slide35.xml><?xml version="1.0" encoding="utf-8"?>
+<file path=ppt/slides/slide37.xml><?xml version="1.0" encoding="utf-8"?>
 <p:sld xmlns:a="http://schemas.openxmlformats.org/drawingml/2006/main" xmlns:r="http://schemas.openxmlformats.org/officeDocument/2006/relationships" xmlns:p="http://schemas.openxmlformats.org/presentationml/2006/main">
   <p:cSld>
     <p:spTree>
@@ -7311,7 +7473,7 @@
 </p:sld>
 </file>
 
-<file path=ppt/slides/slide36.xml><?xml version="1.0" encoding="utf-8"?>
+<file path=ppt/slides/slide38.xml><?xml version="1.0" encoding="utf-8"?>
 <p:sld xmlns:a="http://schemas.openxmlformats.org/drawingml/2006/main" xmlns:r="http://schemas.openxmlformats.org/officeDocument/2006/relationships" xmlns:p="http://schemas.openxmlformats.org/presentationml/2006/main">
   <p:cSld>
     <p:spTree>
@@ -7399,7 +7561,7 @@
 </p:sld>
 </file>
 
-<file path=ppt/slides/slide37.xml><?xml version="1.0" encoding="utf-8"?>
+<file path=ppt/slides/slide39.xml><?xml version="1.0" encoding="utf-8"?>
 <p:sld xmlns:a="http://schemas.openxmlformats.org/drawingml/2006/main" xmlns:r="http://schemas.openxmlformats.org/officeDocument/2006/relationships" xmlns:p="http://schemas.openxmlformats.org/presentationml/2006/main">
   <p:cSld>
     <p:spTree>
@@ -7499,7 +7661,155 @@
 </p:sld>
 </file>
 
-<file path=ppt/slides/slide38.xml><?xml version="1.0" encoding="utf-8"?>
+<file path=ppt/slides/slide4.xml><?xml version="1.0" encoding="utf-8"?>
+<p:sld xmlns:a="http://schemas.openxmlformats.org/drawingml/2006/main" xmlns:r="http://schemas.openxmlformats.org/officeDocument/2006/relationships" xmlns:p="http://schemas.openxmlformats.org/presentationml/2006/main">
+  <p:cSld>
+    <p:spTree>
+      <p:nvGrpSpPr>
+        <p:cNvPr id="1" name=""/>
+        <p:cNvGrpSpPr/>
+        <p:nvPr/>
+      </p:nvGrpSpPr>
+      <p:grpSpPr>
+        <a:xfrm>
+          <a:off x="0" y="0"/>
+          <a:ext cx="0" cy="0"/>
+          <a:chOff x="0" y="0"/>
+          <a:chExt cx="0" cy="0"/>
+        </a:xfrm>
+      </p:grpSpPr>
+      <p:sp>
+        <p:nvSpPr>
+          <p:cNvPr id="2" name="Title 1">
+            <a:extLst>
+              <a:ext uri="{FF2B5EF4-FFF2-40B4-BE49-F238E27FC236}">
+                <a16:creationId xmlns:a16="http://schemas.microsoft.com/office/drawing/2014/main" id="{C793CA9D-980F-4C38-9B42-29AED05F55AC}"/>
+              </a:ext>
+            </a:extLst>
+          </p:cNvPr>
+          <p:cNvSpPr>
+            <a:spLocks noGrp="1"/>
+          </p:cNvSpPr>
+          <p:nvPr>
+            <p:ph type="title"/>
+          </p:nvPr>
+        </p:nvSpPr>
+        <p:spPr/>
+        <p:txBody>
+          <a:bodyPr/>
+          <a:lstStyle/>
+          <a:p>
+            <a:r>
+              <a:rPr lang="en-GB" altLang="zh-TW" dirty="0"/>
+              <a:t>Attention</a:t>
+            </a:r>
+            <a:endParaRPr lang="zh-TW" altLang="en-US" dirty="0"/>
+          </a:p>
+        </p:txBody>
+      </p:sp>
+      <p:sp>
+        <p:nvSpPr>
+          <p:cNvPr id="3" name="Content Placeholder 2">
+            <a:extLst>
+              <a:ext uri="{FF2B5EF4-FFF2-40B4-BE49-F238E27FC236}">
+                <a16:creationId xmlns:a16="http://schemas.microsoft.com/office/drawing/2014/main" id="{6C1BAB06-69CB-4327-B163-59680CD67D82}"/>
+              </a:ext>
+            </a:extLst>
+          </p:cNvPr>
+          <p:cNvSpPr>
+            <a:spLocks noGrp="1"/>
+          </p:cNvSpPr>
+          <p:nvPr>
+            <p:ph idx="1"/>
+          </p:nvPr>
+        </p:nvSpPr>
+        <p:spPr/>
+        <p:txBody>
+          <a:bodyPr/>
+          <a:lstStyle/>
+          <a:p>
+            <a:r>
+              <a:rPr lang="en-GB" altLang="zh-TW" dirty="0"/>
+              <a:t>                                         and                                   are different!</a:t>
+            </a:r>
+            <a:endParaRPr lang="zh-TW" altLang="en-US" dirty="0"/>
+          </a:p>
+        </p:txBody>
+      </p:sp>
+      <p:pic>
+        <p:nvPicPr>
+          <p:cNvPr id="4" name="Picture 3">
+            <a:extLst>
+              <a:ext uri="{FF2B5EF4-FFF2-40B4-BE49-F238E27FC236}">
+                <a16:creationId xmlns:a16="http://schemas.microsoft.com/office/drawing/2014/main" id="{04A39CEA-6053-4F0E-825E-9FB0B18B41B5}"/>
+              </a:ext>
+            </a:extLst>
+          </p:cNvPr>
+          <p:cNvPicPr>
+            <a:picLocks noChangeAspect="1"/>
+          </p:cNvPicPr>
+          <p:nvPr/>
+        </p:nvPicPr>
+        <p:blipFill>
+          <a:blip r:embed="rId2"/>
+          <a:stretch>
+            <a:fillRect/>
+          </a:stretch>
+        </p:blipFill>
+        <p:spPr>
+          <a:xfrm>
+            <a:off x="1827348" y="1622065"/>
+            <a:ext cx="1866212" cy="2606925"/>
+          </a:xfrm>
+          <a:prstGeom prst="rect">
+            <a:avLst/>
+          </a:prstGeom>
+        </p:spPr>
+      </p:pic>
+      <p:pic>
+        <p:nvPicPr>
+          <p:cNvPr id="5" name="Picture 4">
+            <a:extLst>
+              <a:ext uri="{FF2B5EF4-FFF2-40B4-BE49-F238E27FC236}">
+                <a16:creationId xmlns:a16="http://schemas.microsoft.com/office/drawing/2014/main" id="{4C89013E-F639-450C-863F-E88FD2B0A80D}"/>
+              </a:ext>
+            </a:extLst>
+          </p:cNvPr>
+          <p:cNvPicPr>
+            <a:picLocks noChangeAspect="1"/>
+          </p:cNvPicPr>
+          <p:nvPr/>
+        </p:nvPicPr>
+        <p:blipFill>
+          <a:blip r:embed="rId3"/>
+          <a:stretch>
+            <a:fillRect/>
+          </a:stretch>
+        </p:blipFill>
+        <p:spPr>
+          <a:xfrm>
+            <a:off x="5841368" y="1690688"/>
+            <a:ext cx="1826703" cy="2510548"/>
+          </a:xfrm>
+          <a:prstGeom prst="rect">
+            <a:avLst/>
+          </a:prstGeom>
+        </p:spPr>
+      </p:pic>
+    </p:spTree>
+    <p:extLst>
+      <p:ext uri="{BB962C8B-B14F-4D97-AF65-F5344CB8AC3E}">
+        <p14:creationId xmlns:p14="http://schemas.microsoft.com/office/powerpoint/2010/main" val="2206704679"/>
+      </p:ext>
+    </p:extLst>
+  </p:cSld>
+  <p:clrMapOvr>
+    <a:masterClrMapping/>
+  </p:clrMapOvr>
+</p:sld>
+</file>
+
+<file path=ppt/slides/slide40.xml><?xml version="1.0" encoding="utf-8"?>
 <p:sld xmlns:a="http://schemas.openxmlformats.org/drawingml/2006/main" xmlns:r="http://schemas.openxmlformats.org/officeDocument/2006/relationships" xmlns:p="http://schemas.openxmlformats.org/presentationml/2006/main">
   <p:cSld>
     <p:spTree>
@@ -7756,7 +8066,7 @@
 </p:sld>
 </file>
 
-<file path=ppt/slides/slide39.xml><?xml version="1.0" encoding="utf-8"?>
+<file path=ppt/slides/slide41.xml><?xml version="1.0" encoding="utf-8"?>
 <p:sld xmlns:a="http://schemas.openxmlformats.org/drawingml/2006/main" xmlns:r="http://schemas.openxmlformats.org/officeDocument/2006/relationships" xmlns:p="http://schemas.openxmlformats.org/presentationml/2006/main">
   <p:cSld>
     <p:spTree>
@@ -7870,155 +8180,7 @@
 </p:sld>
 </file>
 
-<file path=ppt/slides/slide4.xml><?xml version="1.0" encoding="utf-8"?>
-<p:sld xmlns:a="http://schemas.openxmlformats.org/drawingml/2006/main" xmlns:r="http://schemas.openxmlformats.org/officeDocument/2006/relationships" xmlns:p="http://schemas.openxmlformats.org/presentationml/2006/main">
-  <p:cSld>
-    <p:spTree>
-      <p:nvGrpSpPr>
-        <p:cNvPr id="1" name=""/>
-        <p:cNvGrpSpPr/>
-        <p:nvPr/>
-      </p:nvGrpSpPr>
-      <p:grpSpPr>
-        <a:xfrm>
-          <a:off x="0" y="0"/>
-          <a:ext cx="0" cy="0"/>
-          <a:chOff x="0" y="0"/>
-          <a:chExt cx="0" cy="0"/>
-        </a:xfrm>
-      </p:grpSpPr>
-      <p:sp>
-        <p:nvSpPr>
-          <p:cNvPr id="2" name="Title 1">
-            <a:extLst>
-              <a:ext uri="{FF2B5EF4-FFF2-40B4-BE49-F238E27FC236}">
-                <a16:creationId xmlns:a16="http://schemas.microsoft.com/office/drawing/2014/main" id="{C793CA9D-980F-4C38-9B42-29AED05F55AC}"/>
-              </a:ext>
-            </a:extLst>
-          </p:cNvPr>
-          <p:cNvSpPr>
-            <a:spLocks noGrp="1"/>
-          </p:cNvSpPr>
-          <p:nvPr>
-            <p:ph type="title"/>
-          </p:nvPr>
-        </p:nvSpPr>
-        <p:spPr/>
-        <p:txBody>
-          <a:bodyPr/>
-          <a:lstStyle/>
-          <a:p>
-            <a:r>
-              <a:rPr lang="en-GB" altLang="zh-TW" dirty="0"/>
-              <a:t>Attention</a:t>
-            </a:r>
-            <a:endParaRPr lang="zh-TW" altLang="en-US" dirty="0"/>
-          </a:p>
-        </p:txBody>
-      </p:sp>
-      <p:sp>
-        <p:nvSpPr>
-          <p:cNvPr id="3" name="Content Placeholder 2">
-            <a:extLst>
-              <a:ext uri="{FF2B5EF4-FFF2-40B4-BE49-F238E27FC236}">
-                <a16:creationId xmlns:a16="http://schemas.microsoft.com/office/drawing/2014/main" id="{6C1BAB06-69CB-4327-B163-59680CD67D82}"/>
-              </a:ext>
-            </a:extLst>
-          </p:cNvPr>
-          <p:cNvSpPr>
-            <a:spLocks noGrp="1"/>
-          </p:cNvSpPr>
-          <p:nvPr>
-            <p:ph idx="1"/>
-          </p:nvPr>
-        </p:nvSpPr>
-        <p:spPr/>
-        <p:txBody>
-          <a:bodyPr/>
-          <a:lstStyle/>
-          <a:p>
-            <a:r>
-              <a:rPr lang="en-GB" altLang="zh-TW" dirty="0"/>
-              <a:t>                                         and                                   are different!</a:t>
-            </a:r>
-            <a:endParaRPr lang="zh-TW" altLang="en-US" dirty="0"/>
-          </a:p>
-        </p:txBody>
-      </p:sp>
-      <p:pic>
-        <p:nvPicPr>
-          <p:cNvPr id="4" name="Picture 3">
-            <a:extLst>
-              <a:ext uri="{FF2B5EF4-FFF2-40B4-BE49-F238E27FC236}">
-                <a16:creationId xmlns:a16="http://schemas.microsoft.com/office/drawing/2014/main" id="{04A39CEA-6053-4F0E-825E-9FB0B18B41B5}"/>
-              </a:ext>
-            </a:extLst>
-          </p:cNvPr>
-          <p:cNvPicPr>
-            <a:picLocks noChangeAspect="1"/>
-          </p:cNvPicPr>
-          <p:nvPr/>
-        </p:nvPicPr>
-        <p:blipFill>
-          <a:blip r:embed="rId2"/>
-          <a:stretch>
-            <a:fillRect/>
-          </a:stretch>
-        </p:blipFill>
-        <p:spPr>
-          <a:xfrm>
-            <a:off x="1827348" y="1622065"/>
-            <a:ext cx="1866212" cy="2606925"/>
-          </a:xfrm>
-          <a:prstGeom prst="rect">
-            <a:avLst/>
-          </a:prstGeom>
-        </p:spPr>
-      </p:pic>
-      <p:pic>
-        <p:nvPicPr>
-          <p:cNvPr id="5" name="Picture 4">
-            <a:extLst>
-              <a:ext uri="{FF2B5EF4-FFF2-40B4-BE49-F238E27FC236}">
-                <a16:creationId xmlns:a16="http://schemas.microsoft.com/office/drawing/2014/main" id="{4C89013E-F639-450C-863F-E88FD2B0A80D}"/>
-              </a:ext>
-            </a:extLst>
-          </p:cNvPr>
-          <p:cNvPicPr>
-            <a:picLocks noChangeAspect="1"/>
-          </p:cNvPicPr>
-          <p:nvPr/>
-        </p:nvPicPr>
-        <p:blipFill>
-          <a:blip r:embed="rId3"/>
-          <a:stretch>
-            <a:fillRect/>
-          </a:stretch>
-        </p:blipFill>
-        <p:spPr>
-          <a:xfrm>
-            <a:off x="5841368" y="1690688"/>
-            <a:ext cx="1826703" cy="2510548"/>
-          </a:xfrm>
-          <a:prstGeom prst="rect">
-            <a:avLst/>
-          </a:prstGeom>
-        </p:spPr>
-      </p:pic>
-    </p:spTree>
-    <p:extLst>
-      <p:ext uri="{BB962C8B-B14F-4D97-AF65-F5344CB8AC3E}">
-        <p14:creationId xmlns:p14="http://schemas.microsoft.com/office/powerpoint/2010/main" val="2206704679"/>
-      </p:ext>
-    </p:extLst>
-  </p:cSld>
-  <p:clrMapOvr>
-    <a:masterClrMapping/>
-  </p:clrMapOvr>
-</p:sld>
-</file>
-
-<file path=ppt/slides/slide40.xml><?xml version="1.0" encoding="utf-8"?>
+<file path=ppt/slides/slide42.xml><?xml version="1.0" encoding="utf-8"?>
 <p:sld xmlns:a="http://schemas.openxmlformats.org/drawingml/2006/main" xmlns:r="http://schemas.openxmlformats.org/officeDocument/2006/relationships" xmlns:p="http://schemas.openxmlformats.org/presentationml/2006/main">
   <p:cSld>
     <p:spTree>
@@ -8132,7 +8294,7 @@
 </p:sld>
 </file>
 
-<file path=ppt/slides/slide41.xml><?xml version="1.0" encoding="utf-8"?>
+<file path=ppt/slides/slide43.xml><?xml version="1.0" encoding="utf-8"?>
 <p:sld xmlns:a="http://schemas.openxmlformats.org/drawingml/2006/main" xmlns:r="http://schemas.openxmlformats.org/officeDocument/2006/relationships" xmlns:p="http://schemas.openxmlformats.org/presentationml/2006/main">
   <p:cSld>
     <p:spTree>
@@ -8329,7 +8491,7 @@
 </p:sld>
 </file>
 
-<file path=ppt/slides/slide42.xml><?xml version="1.0" encoding="utf-8"?>
+<file path=ppt/slides/slide44.xml><?xml version="1.0" encoding="utf-8"?>
 <p:sld xmlns:a="http://schemas.openxmlformats.org/drawingml/2006/main" xmlns:r="http://schemas.openxmlformats.org/officeDocument/2006/relationships" xmlns:p="http://schemas.openxmlformats.org/presentationml/2006/main">
   <p:cSld>
     <p:spTree>
@@ -8692,7 +8854,7 @@
 </p:sld>
 </file>
 
-<file path=ppt/slides/slide43.xml><?xml version="1.0" encoding="utf-8"?>
+<file path=ppt/slides/slide45.xml><?xml version="1.0" encoding="utf-8"?>
 <p:sld xmlns:a="http://schemas.openxmlformats.org/drawingml/2006/main" xmlns:r="http://schemas.openxmlformats.org/officeDocument/2006/relationships" xmlns:p="http://schemas.openxmlformats.org/presentationml/2006/main">
   <p:cSld>
     <p:spTree>
@@ -9157,7 +9319,7 @@
 </p:sld>
 </file>
 
-<file path=ppt/slides/slide44.xml><?xml version="1.0" encoding="utf-8"?>
+<file path=ppt/slides/slide46.xml><?xml version="1.0" encoding="utf-8"?>
 <p:sld xmlns:a="http://schemas.openxmlformats.org/drawingml/2006/main" xmlns:r="http://schemas.openxmlformats.org/officeDocument/2006/relationships" xmlns:p="http://schemas.openxmlformats.org/presentationml/2006/main">
   <p:cSld>
     <p:spTree>
@@ -9788,7 +9950,7 @@
 </p:sld>
 </file>
 
-<file path=ppt/slides/slide45.xml><?xml version="1.0" encoding="utf-8"?>
+<file path=ppt/slides/slide47.xml><?xml version="1.0" encoding="utf-8"?>
 <p:sld xmlns:a="http://schemas.openxmlformats.org/drawingml/2006/main" xmlns:r="http://schemas.openxmlformats.org/officeDocument/2006/relationships" xmlns:p="http://schemas.openxmlformats.org/presentationml/2006/main">
   <p:cSld>
     <p:spTree>
@@ -9882,7 +10044,7 @@
 </p:sld>
 </file>
 
-<file path=ppt/slides/slide46.xml><?xml version="1.0" encoding="utf-8"?>
+<file path=ppt/slides/slide48.xml><?xml version="1.0" encoding="utf-8"?>
 <p:sld xmlns:a="http://schemas.openxmlformats.org/drawingml/2006/main" xmlns:r="http://schemas.openxmlformats.org/officeDocument/2006/relationships" xmlns:p="http://schemas.openxmlformats.org/presentationml/2006/main">
   <p:cSld>
     <p:spTree>
@@ -9996,7 +10158,7 @@
 </p:sld>
 </file>
 
-<file path=ppt/slides/slide47.xml><?xml version="1.0" encoding="utf-8"?>
+<file path=ppt/slides/slide49.xml><?xml version="1.0" encoding="utf-8"?>
 <p:sld xmlns:a="http://schemas.openxmlformats.org/drawingml/2006/main" xmlns:r="http://schemas.openxmlformats.org/officeDocument/2006/relationships" xmlns:p="http://schemas.openxmlformats.org/presentationml/2006/main">
   <p:cSld>
     <p:spTree>
@@ -10168,264 +10330,6 @@
 </p:sld>
 </file>
 
-<file path=ppt/slides/slide48.xml><?xml version="1.0" encoding="utf-8"?>
-<p:sld xmlns:a="http://schemas.openxmlformats.org/drawingml/2006/main" xmlns:r="http://schemas.openxmlformats.org/officeDocument/2006/relationships" xmlns:p="http://schemas.openxmlformats.org/presentationml/2006/main">
-  <p:cSld>
-    <p:spTree>
-      <p:nvGrpSpPr>
-        <p:cNvPr id="1" name=""/>
-        <p:cNvGrpSpPr/>
-        <p:nvPr/>
-      </p:nvGrpSpPr>
-      <p:grpSpPr>
-        <a:xfrm>
-          <a:off x="0" y="0"/>
-          <a:ext cx="0" cy="0"/>
-          <a:chOff x="0" y="0"/>
-          <a:chExt cx="0" cy="0"/>
-        </a:xfrm>
-      </p:grpSpPr>
-      <p:sp>
-        <p:nvSpPr>
-          <p:cNvPr id="2" name="Title 1">
-            <a:extLst>
-              <a:ext uri="{FF2B5EF4-FFF2-40B4-BE49-F238E27FC236}">
-                <a16:creationId xmlns:a16="http://schemas.microsoft.com/office/drawing/2014/main" id="{E3CE891B-D195-475A-BC24-05AEA281AFE6}"/>
-              </a:ext>
-            </a:extLst>
-          </p:cNvPr>
-          <p:cNvSpPr>
-            <a:spLocks noGrp="1"/>
-          </p:cNvSpPr>
-          <p:nvPr>
-            <p:ph type="title"/>
-          </p:nvPr>
-        </p:nvSpPr>
-        <p:spPr/>
-        <p:txBody>
-          <a:bodyPr/>
-          <a:lstStyle/>
-          <a:p>
-            <a:endParaRPr lang="zh-TW" altLang="en-US"/>
-          </a:p>
-        </p:txBody>
-      </p:sp>
-      <p:sp>
-        <p:nvSpPr>
-          <p:cNvPr id="3" name="Content Placeholder 2">
-            <a:extLst>
-              <a:ext uri="{FF2B5EF4-FFF2-40B4-BE49-F238E27FC236}">
-                <a16:creationId xmlns:a16="http://schemas.microsoft.com/office/drawing/2014/main" id="{4E48E957-9F39-423A-9E94-E34317C45FEF}"/>
-              </a:ext>
-            </a:extLst>
-          </p:cNvPr>
-          <p:cNvSpPr>
-            <a:spLocks noGrp="1"/>
-          </p:cNvSpPr>
-          <p:nvPr>
-            <p:ph idx="1"/>
-          </p:nvPr>
-        </p:nvSpPr>
-        <p:spPr/>
-        <p:txBody>
-          <a:bodyPr/>
-          <a:lstStyle/>
-          <a:p>
-            <a:r>
-              <a:rPr lang="en-GB" altLang="zh-TW" dirty="0"/>
-              <a:t>The rotation to the right allows to rebalance the tree when the imbalance comes from the left child of the left child</a:t>
-            </a:r>
-            <a:endParaRPr lang="zh-TW" altLang="en-US" dirty="0"/>
-          </a:p>
-        </p:txBody>
-      </p:sp>
-      <p:pic>
-        <p:nvPicPr>
-          <p:cNvPr id="4" name="Picture 3">
-            <a:extLst>
-              <a:ext uri="{FF2B5EF4-FFF2-40B4-BE49-F238E27FC236}">
-                <a16:creationId xmlns:a16="http://schemas.microsoft.com/office/drawing/2014/main" id="{C8225776-2319-41F7-9392-DA9194F5F2B9}"/>
-              </a:ext>
-            </a:extLst>
-          </p:cNvPr>
-          <p:cNvPicPr>
-            <a:picLocks noChangeAspect="1"/>
-          </p:cNvPicPr>
-          <p:nvPr/>
-        </p:nvPicPr>
-        <p:blipFill>
-          <a:blip r:embed="rId2"/>
-          <a:stretch>
-            <a:fillRect/>
-          </a:stretch>
-        </p:blipFill>
-        <p:spPr>
-          <a:xfrm>
-            <a:off x="1940006" y="2837301"/>
-            <a:ext cx="3834070" cy="3890100"/>
-          </a:xfrm>
-          <a:prstGeom prst="rect">
-            <a:avLst/>
-          </a:prstGeom>
-        </p:spPr>
-      </p:pic>
-      <p:pic>
-        <p:nvPicPr>
-          <p:cNvPr id="5" name="Picture 4">
-            <a:extLst>
-              <a:ext uri="{FF2B5EF4-FFF2-40B4-BE49-F238E27FC236}">
-                <a16:creationId xmlns:a16="http://schemas.microsoft.com/office/drawing/2014/main" id="{A99FB9D4-1CD2-43D3-AA50-53B8B3279402}"/>
-              </a:ext>
-            </a:extLst>
-          </p:cNvPr>
-          <p:cNvPicPr>
-            <a:picLocks noChangeAspect="1"/>
-          </p:cNvPicPr>
-          <p:nvPr/>
-        </p:nvPicPr>
-        <p:blipFill>
-          <a:blip r:embed="rId3"/>
-          <a:stretch>
-            <a:fillRect/>
-          </a:stretch>
-        </p:blipFill>
-        <p:spPr>
-          <a:xfrm>
-            <a:off x="6635047" y="2926953"/>
-            <a:ext cx="3857782" cy="3800448"/>
-          </a:xfrm>
-          <a:prstGeom prst="rect">
-            <a:avLst/>
-          </a:prstGeom>
-        </p:spPr>
-      </p:pic>
-    </p:spTree>
-    <p:extLst>
-      <p:ext uri="{BB962C8B-B14F-4D97-AF65-F5344CB8AC3E}">
-        <p14:creationId xmlns:p14="http://schemas.microsoft.com/office/powerpoint/2010/main" val="3633514007"/>
-      </p:ext>
-    </p:extLst>
-  </p:cSld>
-  <p:clrMapOvr>
-    <a:masterClrMapping/>
-  </p:clrMapOvr>
-</p:sld>
-</file>
-
-<file path=ppt/slides/slide49.xml><?xml version="1.0" encoding="utf-8"?>
-<p:sld xmlns:a="http://schemas.openxmlformats.org/drawingml/2006/main" xmlns:r="http://schemas.openxmlformats.org/officeDocument/2006/relationships" xmlns:p="http://schemas.openxmlformats.org/presentationml/2006/main">
-  <p:cSld>
-    <p:spTree>
-      <p:nvGrpSpPr>
-        <p:cNvPr id="1" name=""/>
-        <p:cNvGrpSpPr/>
-        <p:nvPr/>
-      </p:nvGrpSpPr>
-      <p:grpSpPr>
-        <a:xfrm>
-          <a:off x="0" y="0"/>
-          <a:ext cx="0" cy="0"/>
-          <a:chOff x="0" y="0"/>
-          <a:chExt cx="0" cy="0"/>
-        </a:xfrm>
-      </p:grpSpPr>
-      <p:sp>
-        <p:nvSpPr>
-          <p:cNvPr id="2" name="Title 1">
-            <a:extLst>
-              <a:ext uri="{FF2B5EF4-FFF2-40B4-BE49-F238E27FC236}">
-                <a16:creationId xmlns:a16="http://schemas.microsoft.com/office/drawing/2014/main" id="{6FE52CCB-6839-4C1B-A1D2-7E981583F977}"/>
-              </a:ext>
-            </a:extLst>
-          </p:cNvPr>
-          <p:cNvSpPr>
-            <a:spLocks noGrp="1"/>
-          </p:cNvSpPr>
-          <p:nvPr>
-            <p:ph type="title"/>
-          </p:nvPr>
-        </p:nvSpPr>
-        <p:spPr/>
-        <p:txBody>
-          <a:bodyPr/>
-          <a:lstStyle/>
-          <a:p>
-            <a:r>
-              <a:rPr lang="en-GB" altLang="zh-TW" dirty="0"/>
-              <a:t>One rotation is not always enough</a:t>
-            </a:r>
-            <a:endParaRPr lang="zh-TW" altLang="en-US" dirty="0"/>
-          </a:p>
-        </p:txBody>
-      </p:sp>
-      <p:sp>
-        <p:nvSpPr>
-          <p:cNvPr id="3" name="Content Placeholder 2">
-            <a:extLst>
-              <a:ext uri="{FF2B5EF4-FFF2-40B4-BE49-F238E27FC236}">
-                <a16:creationId xmlns:a16="http://schemas.microsoft.com/office/drawing/2014/main" id="{AF3AD2E3-5EDE-4DC8-97F2-3B992C6CD57C}"/>
-              </a:ext>
-            </a:extLst>
-          </p:cNvPr>
-          <p:cNvSpPr>
-            <a:spLocks noGrp="1"/>
-          </p:cNvSpPr>
-          <p:nvPr>
-            <p:ph idx="1"/>
-          </p:nvPr>
-        </p:nvSpPr>
-        <p:spPr/>
-        <p:txBody>
-          <a:bodyPr/>
-          <a:lstStyle/>
-          <a:p>
-            <a:endParaRPr lang="zh-TW" altLang="en-US"/>
-          </a:p>
-        </p:txBody>
-      </p:sp>
-      <p:pic>
-        <p:nvPicPr>
-          <p:cNvPr id="4" name="Picture 3">
-            <a:extLst>
-              <a:ext uri="{FF2B5EF4-FFF2-40B4-BE49-F238E27FC236}">
-                <a16:creationId xmlns:a16="http://schemas.microsoft.com/office/drawing/2014/main" id="{CB4F9404-B8D7-4BEA-B5E6-561E019D9756}"/>
-              </a:ext>
-            </a:extLst>
-          </p:cNvPr>
-          <p:cNvPicPr>
-            <a:picLocks noChangeAspect="1"/>
-          </p:cNvPicPr>
-          <p:nvPr/>
-        </p:nvPicPr>
-        <p:blipFill>
-          <a:blip r:embed="rId2"/>
-          <a:stretch>
-            <a:fillRect/>
-          </a:stretch>
-        </p:blipFill>
-        <p:spPr>
-          <a:xfrm>
-            <a:off x="2967147" y="1825625"/>
-            <a:ext cx="6450916" cy="4890634"/>
-          </a:xfrm>
-          <a:prstGeom prst="rect">
-            <a:avLst/>
-          </a:prstGeom>
-        </p:spPr>
-      </p:pic>
-    </p:spTree>
-    <p:extLst>
-      <p:ext uri="{BB962C8B-B14F-4D97-AF65-F5344CB8AC3E}">
-        <p14:creationId xmlns:p14="http://schemas.microsoft.com/office/powerpoint/2010/main" val="266827228"/>
-      </p:ext>
-    </p:extLst>
-  </p:cSld>
-  <p:clrMapOvr>
-    <a:masterClrMapping/>
-  </p:clrMapOvr>
-</p:sld>
-</file>
-
 <file path=ppt/slides/slide5.xml><?xml version="1.0" encoding="utf-8"?>
 <p:sld xmlns:a="http://schemas.openxmlformats.org/drawingml/2006/main" xmlns:r="http://schemas.openxmlformats.org/officeDocument/2006/relationships" xmlns:p="http://schemas.openxmlformats.org/presentationml/2006/main">
   <p:cSld>
@@ -10472,8 +10376,8 @@
           </a:p>
         </p:txBody>
       </p:sp>
-      <mc:AlternateContent xmlns:mc="http://schemas.openxmlformats.org/markup-compatibility/2006" xmlns:a14="http://schemas.microsoft.com/office/drawing/2010/main">
-        <mc:Choice Requires="a14">
+      <mc:AlternateContent xmlns:mc="http://schemas.openxmlformats.org/markup-compatibility/2006">
+        <mc:Choice xmlns:a14="http://schemas.microsoft.com/office/drawing/2010/main" Requires="a14">
           <p:sp>
             <p:nvSpPr>
               <p:cNvPr id="3" name="Content Placeholder 2">
@@ -10557,8 +10461,8 @@
                   <a:t> </a:t>
                 </a:r>
                 <a:r>
-                  <a:rPr lang="en-GB" altLang="zh-TW" dirty="0"/>
-                  <a:t>children</a:t>
+                  <a:rPr lang="en-US" altLang="zh-TW" dirty="0"/>
+                  <a:t>nodes</a:t>
                 </a:r>
               </a:p>
               <a:p>
@@ -10574,7 +10478,7 @@
             </p:txBody>
           </p:sp>
         </mc:Choice>
-        <mc:Fallback xmlns="">
+        <mc:Fallback>
           <p:sp>
             <p:nvSpPr>
               <p:cNvPr id="3" name="Content Placeholder 2">
@@ -10649,6 +10553,264 @@
           <p:cNvPr id="2" name="Title 1">
             <a:extLst>
               <a:ext uri="{FF2B5EF4-FFF2-40B4-BE49-F238E27FC236}">
+                <a16:creationId xmlns:a16="http://schemas.microsoft.com/office/drawing/2014/main" id="{E3CE891B-D195-475A-BC24-05AEA281AFE6}"/>
+              </a:ext>
+            </a:extLst>
+          </p:cNvPr>
+          <p:cNvSpPr>
+            <a:spLocks noGrp="1"/>
+          </p:cNvSpPr>
+          <p:nvPr>
+            <p:ph type="title"/>
+          </p:nvPr>
+        </p:nvSpPr>
+        <p:spPr/>
+        <p:txBody>
+          <a:bodyPr/>
+          <a:lstStyle/>
+          <a:p>
+            <a:endParaRPr lang="zh-TW" altLang="en-US"/>
+          </a:p>
+        </p:txBody>
+      </p:sp>
+      <p:sp>
+        <p:nvSpPr>
+          <p:cNvPr id="3" name="Content Placeholder 2">
+            <a:extLst>
+              <a:ext uri="{FF2B5EF4-FFF2-40B4-BE49-F238E27FC236}">
+                <a16:creationId xmlns:a16="http://schemas.microsoft.com/office/drawing/2014/main" id="{4E48E957-9F39-423A-9E94-E34317C45FEF}"/>
+              </a:ext>
+            </a:extLst>
+          </p:cNvPr>
+          <p:cNvSpPr>
+            <a:spLocks noGrp="1"/>
+          </p:cNvSpPr>
+          <p:nvPr>
+            <p:ph idx="1"/>
+          </p:nvPr>
+        </p:nvSpPr>
+        <p:spPr/>
+        <p:txBody>
+          <a:bodyPr/>
+          <a:lstStyle/>
+          <a:p>
+            <a:r>
+              <a:rPr lang="en-GB" altLang="zh-TW" dirty="0"/>
+              <a:t>The rotation to the right allows to rebalance the tree when the imbalance comes from the left child of the left child</a:t>
+            </a:r>
+            <a:endParaRPr lang="zh-TW" altLang="en-US" dirty="0"/>
+          </a:p>
+        </p:txBody>
+      </p:sp>
+      <p:pic>
+        <p:nvPicPr>
+          <p:cNvPr id="4" name="Picture 3">
+            <a:extLst>
+              <a:ext uri="{FF2B5EF4-FFF2-40B4-BE49-F238E27FC236}">
+                <a16:creationId xmlns:a16="http://schemas.microsoft.com/office/drawing/2014/main" id="{C8225776-2319-41F7-9392-DA9194F5F2B9}"/>
+              </a:ext>
+            </a:extLst>
+          </p:cNvPr>
+          <p:cNvPicPr>
+            <a:picLocks noChangeAspect="1"/>
+          </p:cNvPicPr>
+          <p:nvPr/>
+        </p:nvPicPr>
+        <p:blipFill>
+          <a:blip r:embed="rId2"/>
+          <a:stretch>
+            <a:fillRect/>
+          </a:stretch>
+        </p:blipFill>
+        <p:spPr>
+          <a:xfrm>
+            <a:off x="1940006" y="2837301"/>
+            <a:ext cx="3834070" cy="3890100"/>
+          </a:xfrm>
+          <a:prstGeom prst="rect">
+            <a:avLst/>
+          </a:prstGeom>
+        </p:spPr>
+      </p:pic>
+      <p:pic>
+        <p:nvPicPr>
+          <p:cNvPr id="5" name="Picture 4">
+            <a:extLst>
+              <a:ext uri="{FF2B5EF4-FFF2-40B4-BE49-F238E27FC236}">
+                <a16:creationId xmlns:a16="http://schemas.microsoft.com/office/drawing/2014/main" id="{A99FB9D4-1CD2-43D3-AA50-53B8B3279402}"/>
+              </a:ext>
+            </a:extLst>
+          </p:cNvPr>
+          <p:cNvPicPr>
+            <a:picLocks noChangeAspect="1"/>
+          </p:cNvPicPr>
+          <p:nvPr/>
+        </p:nvPicPr>
+        <p:blipFill>
+          <a:blip r:embed="rId3"/>
+          <a:stretch>
+            <a:fillRect/>
+          </a:stretch>
+        </p:blipFill>
+        <p:spPr>
+          <a:xfrm>
+            <a:off x="6635047" y="2926953"/>
+            <a:ext cx="3857782" cy="3800448"/>
+          </a:xfrm>
+          <a:prstGeom prst="rect">
+            <a:avLst/>
+          </a:prstGeom>
+        </p:spPr>
+      </p:pic>
+    </p:spTree>
+    <p:extLst>
+      <p:ext uri="{BB962C8B-B14F-4D97-AF65-F5344CB8AC3E}">
+        <p14:creationId xmlns:p14="http://schemas.microsoft.com/office/powerpoint/2010/main" val="3633514007"/>
+      </p:ext>
+    </p:extLst>
+  </p:cSld>
+  <p:clrMapOvr>
+    <a:masterClrMapping/>
+  </p:clrMapOvr>
+</p:sld>
+</file>
+
+<file path=ppt/slides/slide51.xml><?xml version="1.0" encoding="utf-8"?>
+<p:sld xmlns:a="http://schemas.openxmlformats.org/drawingml/2006/main" xmlns:r="http://schemas.openxmlformats.org/officeDocument/2006/relationships" xmlns:p="http://schemas.openxmlformats.org/presentationml/2006/main">
+  <p:cSld>
+    <p:spTree>
+      <p:nvGrpSpPr>
+        <p:cNvPr id="1" name=""/>
+        <p:cNvGrpSpPr/>
+        <p:nvPr/>
+      </p:nvGrpSpPr>
+      <p:grpSpPr>
+        <a:xfrm>
+          <a:off x="0" y="0"/>
+          <a:ext cx="0" cy="0"/>
+          <a:chOff x="0" y="0"/>
+          <a:chExt cx="0" cy="0"/>
+        </a:xfrm>
+      </p:grpSpPr>
+      <p:sp>
+        <p:nvSpPr>
+          <p:cNvPr id="2" name="Title 1">
+            <a:extLst>
+              <a:ext uri="{FF2B5EF4-FFF2-40B4-BE49-F238E27FC236}">
+                <a16:creationId xmlns:a16="http://schemas.microsoft.com/office/drawing/2014/main" id="{6FE52CCB-6839-4C1B-A1D2-7E981583F977}"/>
+              </a:ext>
+            </a:extLst>
+          </p:cNvPr>
+          <p:cNvSpPr>
+            <a:spLocks noGrp="1"/>
+          </p:cNvSpPr>
+          <p:nvPr>
+            <p:ph type="title"/>
+          </p:nvPr>
+        </p:nvSpPr>
+        <p:spPr/>
+        <p:txBody>
+          <a:bodyPr/>
+          <a:lstStyle/>
+          <a:p>
+            <a:r>
+              <a:rPr lang="en-GB" altLang="zh-TW" dirty="0"/>
+              <a:t>One rotation is not always enough</a:t>
+            </a:r>
+            <a:endParaRPr lang="zh-TW" altLang="en-US" dirty="0"/>
+          </a:p>
+        </p:txBody>
+      </p:sp>
+      <p:sp>
+        <p:nvSpPr>
+          <p:cNvPr id="3" name="Content Placeholder 2">
+            <a:extLst>
+              <a:ext uri="{FF2B5EF4-FFF2-40B4-BE49-F238E27FC236}">
+                <a16:creationId xmlns:a16="http://schemas.microsoft.com/office/drawing/2014/main" id="{AF3AD2E3-5EDE-4DC8-97F2-3B992C6CD57C}"/>
+              </a:ext>
+            </a:extLst>
+          </p:cNvPr>
+          <p:cNvSpPr>
+            <a:spLocks noGrp="1"/>
+          </p:cNvSpPr>
+          <p:nvPr>
+            <p:ph idx="1"/>
+          </p:nvPr>
+        </p:nvSpPr>
+        <p:spPr/>
+        <p:txBody>
+          <a:bodyPr/>
+          <a:lstStyle/>
+          <a:p>
+            <a:endParaRPr lang="zh-TW" altLang="en-US"/>
+          </a:p>
+        </p:txBody>
+      </p:sp>
+      <p:pic>
+        <p:nvPicPr>
+          <p:cNvPr id="4" name="Picture 3">
+            <a:extLst>
+              <a:ext uri="{FF2B5EF4-FFF2-40B4-BE49-F238E27FC236}">
+                <a16:creationId xmlns:a16="http://schemas.microsoft.com/office/drawing/2014/main" id="{CB4F9404-B8D7-4BEA-B5E6-561E019D9756}"/>
+              </a:ext>
+            </a:extLst>
+          </p:cNvPr>
+          <p:cNvPicPr>
+            <a:picLocks noChangeAspect="1"/>
+          </p:cNvPicPr>
+          <p:nvPr/>
+        </p:nvPicPr>
+        <p:blipFill>
+          <a:blip r:embed="rId2"/>
+          <a:stretch>
+            <a:fillRect/>
+          </a:stretch>
+        </p:blipFill>
+        <p:spPr>
+          <a:xfrm>
+            <a:off x="2967147" y="1825625"/>
+            <a:ext cx="6450916" cy="4890634"/>
+          </a:xfrm>
+          <a:prstGeom prst="rect">
+            <a:avLst/>
+          </a:prstGeom>
+        </p:spPr>
+      </p:pic>
+    </p:spTree>
+    <p:extLst>
+      <p:ext uri="{BB962C8B-B14F-4D97-AF65-F5344CB8AC3E}">
+        <p14:creationId xmlns:p14="http://schemas.microsoft.com/office/powerpoint/2010/main" val="266827228"/>
+      </p:ext>
+    </p:extLst>
+  </p:cSld>
+  <p:clrMapOvr>
+    <a:masterClrMapping/>
+  </p:clrMapOvr>
+</p:sld>
+</file>
+
+<file path=ppt/slides/slide52.xml><?xml version="1.0" encoding="utf-8"?>
+<p:sld xmlns:a="http://schemas.openxmlformats.org/drawingml/2006/main" xmlns:r="http://schemas.openxmlformats.org/officeDocument/2006/relationships" xmlns:p="http://schemas.openxmlformats.org/presentationml/2006/main">
+  <p:cSld>
+    <p:spTree>
+      <p:nvGrpSpPr>
+        <p:cNvPr id="1" name=""/>
+        <p:cNvGrpSpPr/>
+        <p:nvPr/>
+      </p:nvGrpSpPr>
+      <p:grpSpPr>
+        <a:xfrm>
+          <a:off x="0" y="0"/>
+          <a:ext cx="0" cy="0"/>
+          <a:chOff x="0" y="0"/>
+          <a:chExt cx="0" cy="0"/>
+        </a:xfrm>
+      </p:grpSpPr>
+      <p:sp>
+        <p:nvSpPr>
+          <p:cNvPr id="2" name="Title 1">
+            <a:extLst>
+              <a:ext uri="{FF2B5EF4-FFF2-40B4-BE49-F238E27FC236}">
                 <a16:creationId xmlns:a16="http://schemas.microsoft.com/office/drawing/2014/main" id="{6D32877B-6CA4-49FF-99D1-399CF4956337}"/>
               </a:ext>
             </a:extLst>
@@ -10737,7 +10899,7 @@
 </p:sld>
 </file>
 
-<file path=ppt/slides/slide51.xml><?xml version="1.0" encoding="utf-8"?>
+<file path=ppt/slides/slide53.xml><?xml version="1.0" encoding="utf-8"?>
 <p:sld xmlns:a="http://schemas.openxmlformats.org/drawingml/2006/main" xmlns:r="http://schemas.openxmlformats.org/officeDocument/2006/relationships" xmlns:p="http://schemas.openxmlformats.org/presentationml/2006/main">
   <p:cSld>
     <p:spTree>
@@ -10885,207 +11047,6 @@
 </p:sld>
 </file>
 
-<file path=ppt/slides/slide52.xml><?xml version="1.0" encoding="utf-8"?>
-<p:sld xmlns:a="http://schemas.openxmlformats.org/drawingml/2006/main" xmlns:r="http://schemas.openxmlformats.org/officeDocument/2006/relationships" xmlns:p="http://schemas.openxmlformats.org/presentationml/2006/main">
-  <p:cSld>
-    <p:spTree>
-      <p:nvGrpSpPr>
-        <p:cNvPr id="1" name=""/>
-        <p:cNvGrpSpPr/>
-        <p:nvPr/>
-      </p:nvGrpSpPr>
-      <p:grpSpPr>
-        <a:xfrm>
-          <a:off x="0" y="0"/>
-          <a:ext cx="0" cy="0"/>
-          <a:chOff x="0" y="0"/>
-          <a:chExt cx="0" cy="0"/>
-        </a:xfrm>
-      </p:grpSpPr>
-      <p:sp>
-        <p:nvSpPr>
-          <p:cNvPr id="2" name="Title 1">
-            <a:extLst>
-              <a:ext uri="{FF2B5EF4-FFF2-40B4-BE49-F238E27FC236}">
-                <a16:creationId xmlns:a16="http://schemas.microsoft.com/office/drawing/2014/main" id="{38441E5F-2394-44E1-BB79-5DA7B6E75939}"/>
-              </a:ext>
-            </a:extLst>
-          </p:cNvPr>
-          <p:cNvSpPr>
-            <a:spLocks noGrp="1"/>
-          </p:cNvSpPr>
-          <p:nvPr>
-            <p:ph type="title"/>
-          </p:nvPr>
-        </p:nvSpPr>
-        <p:spPr/>
-        <p:txBody>
-          <a:bodyPr/>
-          <a:lstStyle/>
-          <a:p>
-            <a:endParaRPr lang="zh-TW" altLang="en-US" dirty="0"/>
-          </a:p>
-        </p:txBody>
-      </p:sp>
-      <p:sp>
-        <p:nvSpPr>
-          <p:cNvPr id="3" name="Content Placeholder 2">
-            <a:extLst>
-              <a:ext uri="{FF2B5EF4-FFF2-40B4-BE49-F238E27FC236}">
-                <a16:creationId xmlns:a16="http://schemas.microsoft.com/office/drawing/2014/main" id="{5BD511A5-B67E-45CD-9E7B-4FAFCB8C7B49}"/>
-              </a:ext>
-            </a:extLst>
-          </p:cNvPr>
-          <p:cNvSpPr>
-            <a:spLocks noGrp="1"/>
-          </p:cNvSpPr>
-          <p:nvPr>
-            <p:ph idx="1"/>
-          </p:nvPr>
-        </p:nvSpPr>
-        <p:spPr/>
-        <p:txBody>
-          <a:bodyPr/>
-          <a:lstStyle/>
-          <a:p>
-            <a:r>
-              <a:rPr lang="en-GB" altLang="zh-TW" dirty="0" err="1"/>
-              <a:t>rotateLeft</a:t>
-            </a:r>
-            <a:endParaRPr lang="en-GB" altLang="zh-TW" dirty="0"/>
-          </a:p>
-          <a:p>
-            <a:r>
-              <a:rPr lang="en-GB" altLang="zh-TW" dirty="0" err="1"/>
-              <a:t>rotateRight</a:t>
-            </a:r>
-            <a:endParaRPr lang="en-GB" altLang="zh-TW" dirty="0"/>
-          </a:p>
-          <a:p>
-            <a:r>
-              <a:rPr lang="en-GB" altLang="zh-TW" dirty="0"/>
-              <a:t>balance</a:t>
-            </a:r>
-            <a:endParaRPr lang="zh-TW" altLang="en-US" dirty="0"/>
-          </a:p>
-        </p:txBody>
-      </p:sp>
-    </p:spTree>
-    <p:extLst>
-      <p:ext uri="{BB962C8B-B14F-4D97-AF65-F5344CB8AC3E}">
-        <p14:creationId xmlns:p14="http://schemas.microsoft.com/office/powerpoint/2010/main" val="3255289685"/>
-      </p:ext>
-    </p:extLst>
-  </p:cSld>
-  <p:clrMapOvr>
-    <a:masterClrMapping/>
-  </p:clrMapOvr>
-</p:sld>
-</file>
-
-<file path=ppt/slides/slide53.xml><?xml version="1.0" encoding="utf-8"?>
-<p:sld xmlns:a="http://schemas.openxmlformats.org/drawingml/2006/main" xmlns:r="http://schemas.openxmlformats.org/officeDocument/2006/relationships" xmlns:p="http://schemas.openxmlformats.org/presentationml/2006/main">
-  <p:cSld>
-    <p:spTree>
-      <p:nvGrpSpPr>
-        <p:cNvPr id="1" name=""/>
-        <p:cNvGrpSpPr/>
-        <p:nvPr/>
-      </p:nvGrpSpPr>
-      <p:grpSpPr>
-        <a:xfrm>
-          <a:off x="0" y="0"/>
-          <a:ext cx="0" cy="0"/>
-          <a:chOff x="0" y="0"/>
-          <a:chExt cx="0" cy="0"/>
-        </a:xfrm>
-      </p:grpSpPr>
-      <p:sp>
-        <p:nvSpPr>
-          <p:cNvPr id="2" name="Title 1">
-            <a:extLst>
-              <a:ext uri="{FF2B5EF4-FFF2-40B4-BE49-F238E27FC236}">
-                <a16:creationId xmlns:a16="http://schemas.microsoft.com/office/drawing/2014/main" id="{673C8B1F-B446-43F1-A330-D44C63B268B4}"/>
-              </a:ext>
-            </a:extLst>
-          </p:cNvPr>
-          <p:cNvSpPr>
-            <a:spLocks noGrp="1"/>
-          </p:cNvSpPr>
-          <p:nvPr>
-            <p:ph type="title"/>
-          </p:nvPr>
-        </p:nvSpPr>
-        <p:spPr/>
-        <p:txBody>
-          <a:bodyPr/>
-          <a:lstStyle/>
-          <a:p>
-            <a:r>
-              <a:rPr lang="en-GB" altLang="zh-TW" dirty="0"/>
-              <a:t>Which methods need to be balanced?</a:t>
-            </a:r>
-            <a:endParaRPr lang="zh-TW" altLang="en-US" dirty="0"/>
-          </a:p>
-        </p:txBody>
-      </p:sp>
-      <p:sp>
-        <p:nvSpPr>
-          <p:cNvPr id="3" name="Content Placeholder 2">
-            <a:extLst>
-              <a:ext uri="{FF2B5EF4-FFF2-40B4-BE49-F238E27FC236}">
-                <a16:creationId xmlns:a16="http://schemas.microsoft.com/office/drawing/2014/main" id="{59284746-4C1A-4D1C-8293-9AE81B6F2F84}"/>
-              </a:ext>
-            </a:extLst>
-          </p:cNvPr>
-          <p:cNvSpPr>
-            <a:spLocks noGrp="1"/>
-          </p:cNvSpPr>
-          <p:nvPr>
-            <p:ph idx="1"/>
-          </p:nvPr>
-        </p:nvSpPr>
-        <p:spPr/>
-        <p:txBody>
-          <a:bodyPr/>
-          <a:lstStyle/>
-          <a:p>
-            <a:r>
-              <a:rPr lang="en-GB" altLang="zh-TW" dirty="0"/>
-              <a:t>add</a:t>
-            </a:r>
-          </a:p>
-          <a:p>
-            <a:r>
-              <a:rPr lang="en-GB" altLang="zh-TW" dirty="0" err="1"/>
-              <a:t>removeMin</a:t>
-            </a:r>
-            <a:endParaRPr lang="en-GB" altLang="zh-TW" dirty="0"/>
-          </a:p>
-          <a:p>
-            <a:r>
-              <a:rPr lang="en-GB" altLang="zh-TW" dirty="0"/>
-              <a:t>remove</a:t>
-            </a:r>
-          </a:p>
-          <a:p>
-            <a:endParaRPr lang="zh-TW" altLang="en-US" dirty="0"/>
-          </a:p>
-        </p:txBody>
-      </p:sp>
-    </p:spTree>
-    <p:extLst>
-      <p:ext uri="{BB962C8B-B14F-4D97-AF65-F5344CB8AC3E}">
-        <p14:creationId xmlns:p14="http://schemas.microsoft.com/office/powerpoint/2010/main" val="826009257"/>
-      </p:ext>
-    </p:extLst>
-  </p:cSld>
-  <p:clrMapOvr>
-    <a:masterClrMapping/>
-  </p:clrMapOvr>
-</p:sld>
-</file>
-
 <file path=ppt/slides/slide54.xml><?xml version="1.0" encoding="utf-8"?>
 <p:sld xmlns:a="http://schemas.openxmlformats.org/drawingml/2006/main" xmlns:r="http://schemas.openxmlformats.org/officeDocument/2006/relationships" xmlns:p="http://schemas.openxmlformats.org/presentationml/2006/main">
   <p:cSld>
@@ -11108,7 +11069,7 @@
           <p:cNvPr id="2" name="Title 1">
             <a:extLst>
               <a:ext uri="{FF2B5EF4-FFF2-40B4-BE49-F238E27FC236}">
-                <a16:creationId xmlns:a16="http://schemas.microsoft.com/office/drawing/2014/main" id="{20BF61DF-499A-4AE8-B8A8-EE0FD4FDFCFB}"/>
+                <a16:creationId xmlns:a16="http://schemas.microsoft.com/office/drawing/2014/main" id="{38441E5F-2394-44E1-BB79-5DA7B6E75939}"/>
               </a:ext>
             </a:extLst>
           </p:cNvPr>
@@ -11126,7 +11087,7 @@
           <a:p>
             <a:r>
               <a:rPr lang="en-GB" altLang="zh-TW" dirty="0"/>
-              <a:t>C++ libraries</a:t>
+              <a:t>C++ implementation</a:t>
             </a:r>
             <a:endParaRPr lang="zh-TW" altLang="en-US" dirty="0"/>
           </a:p>
@@ -11137,7 +11098,7 @@
           <p:cNvPr id="3" name="Content Placeholder 2">
             <a:extLst>
               <a:ext uri="{FF2B5EF4-FFF2-40B4-BE49-F238E27FC236}">
-                <a16:creationId xmlns:a16="http://schemas.microsoft.com/office/drawing/2014/main" id="{7E6567F9-2E34-4203-AB7B-8AFD6BA9E184}"/>
+                <a16:creationId xmlns:a16="http://schemas.microsoft.com/office/drawing/2014/main" id="{5BD511A5-B67E-45CD-9E7B-4FAFCB8C7B49}"/>
               </a:ext>
             </a:extLst>
           </p:cNvPr>
@@ -11154,14 +11115,22 @@
           <a:lstStyle/>
           <a:p>
             <a:r>
-              <a:rPr lang="en-GB" altLang="zh-TW" dirty="0"/>
-              <a:t>&lt;set&gt;</a:t>
-            </a:r>
-          </a:p>
-          <a:p>
-            <a:r>
-              <a:rPr lang="en-GB" altLang="zh-TW"/>
-              <a:t>&lt;map&gt;</a:t>
+              <a:rPr lang="en-GB" altLang="zh-TW" dirty="0" err="1"/>
+              <a:t>rotateLeft</a:t>
+            </a:r>
+            <a:endParaRPr lang="en-GB" altLang="zh-TW" dirty="0"/>
+          </a:p>
+          <a:p>
+            <a:r>
+              <a:rPr lang="en-GB" altLang="zh-TW" dirty="0" err="1"/>
+              <a:t>rotateRight</a:t>
+            </a:r>
+            <a:endParaRPr lang="en-GB" altLang="zh-TW" dirty="0"/>
+          </a:p>
+          <a:p>
+            <a:r>
+              <a:rPr lang="en-GB" altLang="zh-TW" dirty="0"/>
+              <a:t>balance</a:t>
             </a:r>
             <a:endParaRPr lang="zh-TW" altLang="en-US" dirty="0"/>
           </a:p>
@@ -11170,7 +11139,7 @@
     </p:spTree>
     <p:extLst>
       <p:ext uri="{BB962C8B-B14F-4D97-AF65-F5344CB8AC3E}">
-        <p14:creationId xmlns:p14="http://schemas.microsoft.com/office/powerpoint/2010/main" val="1589670642"/>
+        <p14:creationId xmlns:p14="http://schemas.microsoft.com/office/powerpoint/2010/main" val="3255289685"/>
       </p:ext>
     </p:extLst>
   </p:cSld>
@@ -11202,6 +11171,203 @@
           <p:cNvPr id="2" name="Title 1">
             <a:extLst>
               <a:ext uri="{FF2B5EF4-FFF2-40B4-BE49-F238E27FC236}">
+                <a16:creationId xmlns:a16="http://schemas.microsoft.com/office/drawing/2014/main" id="{673C8B1F-B446-43F1-A330-D44C63B268B4}"/>
+              </a:ext>
+            </a:extLst>
+          </p:cNvPr>
+          <p:cNvSpPr>
+            <a:spLocks noGrp="1"/>
+          </p:cNvSpPr>
+          <p:nvPr>
+            <p:ph type="title"/>
+          </p:nvPr>
+        </p:nvSpPr>
+        <p:spPr/>
+        <p:txBody>
+          <a:bodyPr/>
+          <a:lstStyle/>
+          <a:p>
+            <a:r>
+              <a:rPr lang="en-GB" altLang="zh-TW" dirty="0"/>
+              <a:t>Which methods need to be balanced?</a:t>
+            </a:r>
+            <a:endParaRPr lang="zh-TW" altLang="en-US" dirty="0"/>
+          </a:p>
+        </p:txBody>
+      </p:sp>
+      <p:sp>
+        <p:nvSpPr>
+          <p:cNvPr id="3" name="Content Placeholder 2">
+            <a:extLst>
+              <a:ext uri="{FF2B5EF4-FFF2-40B4-BE49-F238E27FC236}">
+                <a16:creationId xmlns:a16="http://schemas.microsoft.com/office/drawing/2014/main" id="{59284746-4C1A-4D1C-8293-9AE81B6F2F84}"/>
+              </a:ext>
+            </a:extLst>
+          </p:cNvPr>
+          <p:cNvSpPr>
+            <a:spLocks noGrp="1"/>
+          </p:cNvSpPr>
+          <p:nvPr>
+            <p:ph idx="1"/>
+          </p:nvPr>
+        </p:nvSpPr>
+        <p:spPr/>
+        <p:txBody>
+          <a:bodyPr/>
+          <a:lstStyle/>
+          <a:p>
+            <a:r>
+              <a:rPr lang="en-GB" altLang="zh-TW" dirty="0"/>
+              <a:t>add</a:t>
+            </a:r>
+          </a:p>
+          <a:p>
+            <a:r>
+              <a:rPr lang="en-GB" altLang="zh-TW" dirty="0" err="1"/>
+              <a:t>removeMin</a:t>
+            </a:r>
+            <a:endParaRPr lang="en-GB" altLang="zh-TW" dirty="0"/>
+          </a:p>
+          <a:p>
+            <a:r>
+              <a:rPr lang="en-GB" altLang="zh-TW" dirty="0"/>
+              <a:t>remove</a:t>
+            </a:r>
+          </a:p>
+          <a:p>
+            <a:endParaRPr lang="zh-TW" altLang="en-US" dirty="0"/>
+          </a:p>
+        </p:txBody>
+      </p:sp>
+    </p:spTree>
+    <p:extLst>
+      <p:ext uri="{BB962C8B-B14F-4D97-AF65-F5344CB8AC3E}">
+        <p14:creationId xmlns:p14="http://schemas.microsoft.com/office/powerpoint/2010/main" val="826009257"/>
+      </p:ext>
+    </p:extLst>
+  </p:cSld>
+  <p:clrMapOvr>
+    <a:masterClrMapping/>
+  </p:clrMapOvr>
+</p:sld>
+</file>
+
+<file path=ppt/slides/slide56.xml><?xml version="1.0" encoding="utf-8"?>
+<p:sld xmlns:a="http://schemas.openxmlformats.org/drawingml/2006/main" xmlns:r="http://schemas.openxmlformats.org/officeDocument/2006/relationships" xmlns:p="http://schemas.openxmlformats.org/presentationml/2006/main">
+  <p:cSld>
+    <p:spTree>
+      <p:nvGrpSpPr>
+        <p:cNvPr id="1" name=""/>
+        <p:cNvGrpSpPr/>
+        <p:nvPr/>
+      </p:nvGrpSpPr>
+      <p:grpSpPr>
+        <a:xfrm>
+          <a:off x="0" y="0"/>
+          <a:ext cx="0" cy="0"/>
+          <a:chOff x="0" y="0"/>
+          <a:chExt cx="0" cy="0"/>
+        </a:xfrm>
+      </p:grpSpPr>
+      <p:sp>
+        <p:nvSpPr>
+          <p:cNvPr id="2" name="Title 1">
+            <a:extLst>
+              <a:ext uri="{FF2B5EF4-FFF2-40B4-BE49-F238E27FC236}">
+                <a16:creationId xmlns:a16="http://schemas.microsoft.com/office/drawing/2014/main" id="{20BF61DF-499A-4AE8-B8A8-EE0FD4FDFCFB}"/>
+              </a:ext>
+            </a:extLst>
+          </p:cNvPr>
+          <p:cNvSpPr>
+            <a:spLocks noGrp="1"/>
+          </p:cNvSpPr>
+          <p:nvPr>
+            <p:ph type="title"/>
+          </p:nvPr>
+        </p:nvSpPr>
+        <p:spPr/>
+        <p:txBody>
+          <a:bodyPr/>
+          <a:lstStyle/>
+          <a:p>
+            <a:r>
+              <a:rPr lang="en-GB" altLang="zh-TW" dirty="0"/>
+              <a:t>C++ libraries</a:t>
+            </a:r>
+            <a:endParaRPr lang="zh-TW" altLang="en-US" dirty="0"/>
+          </a:p>
+        </p:txBody>
+      </p:sp>
+      <p:sp>
+        <p:nvSpPr>
+          <p:cNvPr id="3" name="Content Placeholder 2">
+            <a:extLst>
+              <a:ext uri="{FF2B5EF4-FFF2-40B4-BE49-F238E27FC236}">
+                <a16:creationId xmlns:a16="http://schemas.microsoft.com/office/drawing/2014/main" id="{7E6567F9-2E34-4203-AB7B-8AFD6BA9E184}"/>
+              </a:ext>
+            </a:extLst>
+          </p:cNvPr>
+          <p:cNvSpPr>
+            <a:spLocks noGrp="1"/>
+          </p:cNvSpPr>
+          <p:nvPr>
+            <p:ph idx="1"/>
+          </p:nvPr>
+        </p:nvSpPr>
+        <p:spPr/>
+        <p:txBody>
+          <a:bodyPr/>
+          <a:lstStyle/>
+          <a:p>
+            <a:r>
+              <a:rPr lang="en-GB" altLang="zh-TW" dirty="0"/>
+              <a:t>&lt;set&gt;</a:t>
+            </a:r>
+          </a:p>
+          <a:p>
+            <a:r>
+              <a:rPr lang="en-GB" altLang="zh-TW"/>
+              <a:t>&lt;map&gt;</a:t>
+            </a:r>
+            <a:endParaRPr lang="zh-TW" altLang="en-US" dirty="0"/>
+          </a:p>
+        </p:txBody>
+      </p:sp>
+    </p:spTree>
+    <p:extLst>
+      <p:ext uri="{BB962C8B-B14F-4D97-AF65-F5344CB8AC3E}">
+        <p14:creationId xmlns:p14="http://schemas.microsoft.com/office/powerpoint/2010/main" val="1589670642"/>
+      </p:ext>
+    </p:extLst>
+  </p:cSld>
+  <p:clrMapOvr>
+    <a:masterClrMapping/>
+  </p:clrMapOvr>
+</p:sld>
+</file>
+
+<file path=ppt/slides/slide57.xml><?xml version="1.0" encoding="utf-8"?>
+<p:sld xmlns:a="http://schemas.openxmlformats.org/drawingml/2006/main" xmlns:r="http://schemas.openxmlformats.org/officeDocument/2006/relationships" xmlns:p="http://schemas.openxmlformats.org/presentationml/2006/main">
+  <p:cSld>
+    <p:spTree>
+      <p:nvGrpSpPr>
+        <p:cNvPr id="1" name=""/>
+        <p:cNvGrpSpPr/>
+        <p:nvPr/>
+      </p:nvGrpSpPr>
+      <p:grpSpPr>
+        <a:xfrm>
+          <a:off x="0" y="0"/>
+          <a:ext cx="0" cy="0"/>
+          <a:chOff x="0" y="0"/>
+          <a:chExt cx="0" cy="0"/>
+        </a:xfrm>
+      </p:grpSpPr>
+      <p:sp>
+        <p:nvSpPr>
+          <p:cNvPr id="2" name="Title 1">
+            <a:extLst>
+              <a:ext uri="{FF2B5EF4-FFF2-40B4-BE49-F238E27FC236}">
                 <a16:creationId xmlns:a16="http://schemas.microsoft.com/office/drawing/2014/main" id="{ADA4A94D-12B2-478B-BF74-DF56334C4241}"/>
               </a:ext>
             </a:extLst>
@@ -11262,30 +11428,26 @@
           </a:p>
           <a:p>
             <a:r>
-              <a:rPr lang="en-GB" altLang="zh-TW" dirty="0" err="1"/>
-              <a:t>isEmpty</a:t>
-            </a:r>
-            <a:r>
-              <a:rPr lang="en-GB" altLang="zh-TW" dirty="0"/>
-              <a:t>()</a:t>
-            </a:r>
-          </a:p>
-          <a:p>
-            <a:r>
-              <a:rPr lang="en-GB" altLang="zh-TW" dirty="0"/>
-              <a:t>contains(string x)</a:t>
-            </a:r>
-          </a:p>
-          <a:p>
-            <a:r>
-              <a:rPr lang="en-GB" altLang="zh-TW" dirty="0"/>
-              <a:t>add(string x)</a:t>
-            </a:r>
-          </a:p>
-          <a:p>
-            <a:r>
-              <a:rPr lang="en-GB" altLang="zh-TW" dirty="0"/>
-              <a:t>remove(string x)</a:t>
+              <a:rPr lang="en-GB" altLang="zh-TW" dirty="0"/>
+              <a:t>empty()</a:t>
+            </a:r>
+          </a:p>
+          <a:p>
+            <a:r>
+              <a:rPr lang="en-GB" altLang="zh-TW" dirty="0"/>
+              <a:t>has(string x)</a:t>
+            </a:r>
+          </a:p>
+          <a:p>
+            <a:r>
+              <a:rPr lang="en-GB" altLang="zh-TW" dirty="0"/>
+              <a:t>insert(string x)</a:t>
+            </a:r>
+          </a:p>
+          <a:p>
+            <a:r>
+              <a:rPr lang="en-GB" altLang="zh-TW" dirty="0"/>
+              <a:t>erase(string x)</a:t>
             </a:r>
           </a:p>
           <a:p>
@@ -11312,7 +11474,7 @@
 </p:sld>
 </file>
 
-<file path=ppt/slides/slide56.xml><?xml version="1.0" encoding="utf-8"?>
+<file path=ppt/slides/slide58.xml><?xml version="1.0" encoding="utf-8"?>
 <p:sld xmlns:a="http://schemas.openxmlformats.org/drawingml/2006/main" xmlns:r="http://schemas.openxmlformats.org/officeDocument/2006/relationships" xmlns:p="http://schemas.openxmlformats.org/presentationml/2006/main">
   <p:cSld>
     <p:spTree>
@@ -11652,7 +11814,7 @@
           <a:p>
             <a:r>
               <a:rPr lang="en-GB" altLang="zh-TW" dirty="0"/>
-              <a:t>Implementation</a:t>
+              <a:t>C++ Implementation</a:t>
             </a:r>
             <a:endParaRPr lang="zh-TW" altLang="en-US" dirty="0"/>
           </a:p>
@@ -11806,7 +11968,7 @@
           <a:p>
             <a:r>
               <a:rPr lang="en-GB" altLang="zh-TW" dirty="0"/>
-              <a:t>Traverse the left child, the node, and the right child</a:t>
+              <a:t>Traverse the left child, the root node, and the right child</a:t>
             </a:r>
           </a:p>
           <a:p>
@@ -11858,8 +12020,8 @@
         </p:blipFill>
         <p:spPr>
           <a:xfrm>
-            <a:off x="2927644" y="2994723"/>
-            <a:ext cx="4711192" cy="2185993"/>
+            <a:off x="2927643" y="2551373"/>
+            <a:ext cx="5666689" cy="2629344"/>
           </a:xfrm>
           <a:prstGeom prst="rect">
             <a:avLst/>
